--- a/MyPresentation.pptx
+++ b/MyPresentation.pptx
@@ -1,60 +1,60 @@
 
 <file path=ppt/presentation.xml><?xml version="1.0" encoding="utf-8"?>
-<p:presentation xmlns:a="http://schemas.openxmlformats.org/drawingml/2006/main" xmlns:r="http://schemas.openxmlformats.org/officeDocument/2006/relationships" xmlns:mc="http://schemas.openxmlformats.org/markup-compatibility/2006" xmlns:mv="urn:schemas-microsoft-com:mac:vml" xmlns:p="http://schemas.openxmlformats.org/presentationml/2006/main" xmlns:c="http://schemas.openxmlformats.org/drawingml/2006/chart" xmlns:dgm="http://schemas.openxmlformats.org/drawingml/2006/diagram" xmlns:o="urn:schemas-microsoft-com:office:office" xmlns:v="urn:schemas-microsoft-com:vml" xmlns:pvml="urn:schemas-microsoft-com:office:powerpoint" xmlns:com="http://schemas.openxmlformats.org/drawingml/2006/compatibility" xmlns:p14="http://schemas.microsoft.com/office/powerpoint/2010/main" xmlns:p15="http://schemas.microsoft.com/office/powerpoint/2012/main" autoCompressPictures="0" embedTrueTypeFonts="1" strictFirstAndLastChars="0" saveSubsetFonts="1" showSpecialPlsOnTitleSld="0">
+<p:presentation xmlns:a="http://schemas.openxmlformats.org/drawingml/2006/main" xmlns:r="http://schemas.openxmlformats.org/officeDocument/2006/relationships" xmlns:p="http://schemas.openxmlformats.org/presentationml/2006/main" showSpecialPlsOnTitleSld="0" strictFirstAndLastChars="0" embedTrueTypeFonts="1" saveSubsetFonts="1" autoCompressPictures="0">
   <p:sldMasterIdLst>
-    <p:sldMasterId id="2147483658" r:id="rId3"/>
+    <p:sldMasterId id="2147483658" r:id="rId1"/>
   </p:sldMasterIdLst>
   <p:notesMasterIdLst>
-    <p:notesMasterId r:id="rId4"/>
+    <p:notesMasterId r:id="rId14"/>
   </p:notesMasterIdLst>
   <p:sldIdLst>
-    <p:sldId id="256" r:id="rId5"/>
-    <p:sldId id="257" r:id="rId6"/>
-    <p:sldId id="258" r:id="rId7"/>
-    <p:sldId id="259" r:id="rId8"/>
-    <p:sldId id="260" r:id="rId9"/>
-    <p:sldId id="261" r:id="rId10"/>
-    <p:sldId id="262" r:id="rId11"/>
-    <p:sldId id="263" r:id="rId12"/>
-    <p:sldId id="264" r:id="rId13"/>
-    <p:sldId id="265" r:id="rId14"/>
-    <p:sldId id="266" r:id="rId15"/>
-    <p:sldId id="267" r:id="rId16"/>
+    <p:sldId id="256" r:id="rId2"/>
+    <p:sldId id="257" r:id="rId3"/>
+    <p:sldId id="258" r:id="rId4"/>
+    <p:sldId id="259" r:id="rId5"/>
+    <p:sldId id="260" r:id="rId6"/>
+    <p:sldId id="261" r:id="rId7"/>
+    <p:sldId id="262" r:id="rId8"/>
+    <p:sldId id="263" r:id="rId9"/>
+    <p:sldId id="264" r:id="rId10"/>
+    <p:sldId id="265" r:id="rId11"/>
+    <p:sldId id="266" r:id="rId12"/>
+    <p:sldId id="267" r:id="rId13"/>
   </p:sldIdLst>
-  <p:sldSz cy="5143500" cx="9144000"/>
+  <p:sldSz cx="9144000" cy="5143500" type="screen16x9"/>
   <p:notesSz cx="6858000" cy="9144000"/>
   <p:embeddedFontLst>
     <p:embeddedFont>
-      <p:font typeface="Poppins"/>
-      <p:regular r:id="rId17"/>
-      <p:bold r:id="rId18"/>
-      <p:italic r:id="rId19"/>
-      <p:boldItalic r:id="rId20"/>
+      <p:font typeface="Montserrat" panose="020B0604020202020204" charset="0"/>
+      <p:regular r:id="rId15"/>
+      <p:bold r:id="rId16"/>
+      <p:italic r:id="rId17"/>
+      <p:boldItalic r:id="rId18"/>
     </p:embeddedFont>
     <p:embeddedFont>
-      <p:font typeface="Montserrat"/>
-      <p:regular r:id="rId21"/>
-      <p:bold r:id="rId22"/>
-      <p:italic r:id="rId23"/>
-      <p:boldItalic r:id="rId24"/>
+      <p:font typeface="Montserrat Light" panose="020B0604020202020204" charset="0"/>
+      <p:regular r:id="rId19"/>
+      <p:bold r:id="rId20"/>
+      <p:italic r:id="rId21"/>
+      <p:boldItalic r:id="rId22"/>
     </p:embeddedFont>
     <p:embeddedFont>
-      <p:font typeface="Montserrat Medium"/>
-      <p:regular r:id="rId25"/>
-      <p:bold r:id="rId26"/>
-      <p:italic r:id="rId27"/>
-      <p:boldItalic r:id="rId28"/>
+      <p:font typeface="Montserrat Medium" panose="020B0604020202020204" charset="0"/>
+      <p:regular r:id="rId23"/>
+      <p:bold r:id="rId24"/>
+      <p:italic r:id="rId25"/>
+      <p:boldItalic r:id="rId26"/>
     </p:embeddedFont>
     <p:embeddedFont>
-      <p:font typeface="Montserrat Light"/>
-      <p:regular r:id="rId29"/>
-      <p:bold r:id="rId30"/>
-      <p:italic r:id="rId31"/>
-      <p:boldItalic r:id="rId32"/>
+      <p:font typeface="Poppins" panose="020B0604020202020204" charset="0"/>
+      <p:regular r:id="rId27"/>
+      <p:bold r:id="rId28"/>
+      <p:italic r:id="rId29"/>
+      <p:boldItalic r:id="rId30"/>
     </p:embeddedFont>
   </p:embeddedFontLst>
   <p:defaultTextStyle>
-    <a:defPPr lvl="0" marR="0" rtl="0" algn="l">
+    <a:defPPr marR="0" lvl="0" algn="l" rtl="0">
       <a:lnSpc>
         <a:spcPct val="100000"/>
       </a:lnSpc>
@@ -65,7 +65,7 @@
         <a:spcPts val="0"/>
       </a:spcAft>
     </a:defPPr>
-    <a:lvl1pPr lvl="0" marR="0" rtl="0" algn="l">
+    <a:lvl1pPr marR="0" lvl="0" algn="l" rtl="0">
       <a:lnSpc>
         <a:spcPct val="100000"/>
       </a:lnSpc>
@@ -79,7 +79,7 @@
         <a:srgbClr val="000000"/>
       </a:buClr>
       <a:buFont typeface="Arial"/>
-      <a:defRPr b="0" i="0" sz="1400" u="none" cap="none" strike="noStrike">
+      <a:defRPr sz="1400" b="0" i="0" u="none" strike="noStrike" cap="none">
         <a:solidFill>
           <a:srgbClr val="000000"/>
         </a:solidFill>
@@ -89,7 +89,7 @@
         <a:sym typeface="Arial"/>
       </a:defRPr>
     </a:lvl1pPr>
-    <a:lvl2pPr lvl="1" marR="0" rtl="0" algn="l">
+    <a:lvl2pPr marR="0" lvl="1" algn="l" rtl="0">
       <a:lnSpc>
         <a:spcPct val="100000"/>
       </a:lnSpc>
@@ -103,7 +103,7 @@
         <a:srgbClr val="000000"/>
       </a:buClr>
       <a:buFont typeface="Arial"/>
-      <a:defRPr b="0" i="0" sz="1400" u="none" cap="none" strike="noStrike">
+      <a:defRPr sz="1400" b="0" i="0" u="none" strike="noStrike" cap="none">
         <a:solidFill>
           <a:srgbClr val="000000"/>
         </a:solidFill>
@@ -113,7 +113,7 @@
         <a:sym typeface="Arial"/>
       </a:defRPr>
     </a:lvl2pPr>
-    <a:lvl3pPr lvl="2" marR="0" rtl="0" algn="l">
+    <a:lvl3pPr marR="0" lvl="2" algn="l" rtl="0">
       <a:lnSpc>
         <a:spcPct val="100000"/>
       </a:lnSpc>
@@ -127,7 +127,7 @@
         <a:srgbClr val="000000"/>
       </a:buClr>
       <a:buFont typeface="Arial"/>
-      <a:defRPr b="0" i="0" sz="1400" u="none" cap="none" strike="noStrike">
+      <a:defRPr sz="1400" b="0" i="0" u="none" strike="noStrike" cap="none">
         <a:solidFill>
           <a:srgbClr val="000000"/>
         </a:solidFill>
@@ -137,7 +137,7 @@
         <a:sym typeface="Arial"/>
       </a:defRPr>
     </a:lvl3pPr>
-    <a:lvl4pPr lvl="3" marR="0" rtl="0" algn="l">
+    <a:lvl4pPr marR="0" lvl="3" algn="l" rtl="0">
       <a:lnSpc>
         <a:spcPct val="100000"/>
       </a:lnSpc>
@@ -151,7 +151,7 @@
         <a:srgbClr val="000000"/>
       </a:buClr>
       <a:buFont typeface="Arial"/>
-      <a:defRPr b="0" i="0" sz="1400" u="none" cap="none" strike="noStrike">
+      <a:defRPr sz="1400" b="0" i="0" u="none" strike="noStrike" cap="none">
         <a:solidFill>
           <a:srgbClr val="000000"/>
         </a:solidFill>
@@ -161,7 +161,7 @@
         <a:sym typeface="Arial"/>
       </a:defRPr>
     </a:lvl4pPr>
-    <a:lvl5pPr lvl="4" marR="0" rtl="0" algn="l">
+    <a:lvl5pPr marR="0" lvl="4" algn="l" rtl="0">
       <a:lnSpc>
         <a:spcPct val="100000"/>
       </a:lnSpc>
@@ -175,7 +175,7 @@
         <a:srgbClr val="000000"/>
       </a:buClr>
       <a:buFont typeface="Arial"/>
-      <a:defRPr b="0" i="0" sz="1400" u="none" cap="none" strike="noStrike">
+      <a:defRPr sz="1400" b="0" i="0" u="none" strike="noStrike" cap="none">
         <a:solidFill>
           <a:srgbClr val="000000"/>
         </a:solidFill>
@@ -185,7 +185,7 @@
         <a:sym typeface="Arial"/>
       </a:defRPr>
     </a:lvl5pPr>
-    <a:lvl6pPr lvl="5" marR="0" rtl="0" algn="l">
+    <a:lvl6pPr marR="0" lvl="5" algn="l" rtl="0">
       <a:lnSpc>
         <a:spcPct val="100000"/>
       </a:lnSpc>
@@ -199,7 +199,7 @@
         <a:srgbClr val="000000"/>
       </a:buClr>
       <a:buFont typeface="Arial"/>
-      <a:defRPr b="0" i="0" sz="1400" u="none" cap="none" strike="noStrike">
+      <a:defRPr sz="1400" b="0" i="0" u="none" strike="noStrike" cap="none">
         <a:solidFill>
           <a:srgbClr val="000000"/>
         </a:solidFill>
@@ -209,7 +209,7 @@
         <a:sym typeface="Arial"/>
       </a:defRPr>
     </a:lvl6pPr>
-    <a:lvl7pPr lvl="6" marR="0" rtl="0" algn="l">
+    <a:lvl7pPr marR="0" lvl="6" algn="l" rtl="0">
       <a:lnSpc>
         <a:spcPct val="100000"/>
       </a:lnSpc>
@@ -223,7 +223,7 @@
         <a:srgbClr val="000000"/>
       </a:buClr>
       <a:buFont typeface="Arial"/>
-      <a:defRPr b="0" i="0" sz="1400" u="none" cap="none" strike="noStrike">
+      <a:defRPr sz="1400" b="0" i="0" u="none" strike="noStrike" cap="none">
         <a:solidFill>
           <a:srgbClr val="000000"/>
         </a:solidFill>
@@ -233,7 +233,7 @@
         <a:sym typeface="Arial"/>
       </a:defRPr>
     </a:lvl7pPr>
-    <a:lvl8pPr lvl="7" marR="0" rtl="0" algn="l">
+    <a:lvl8pPr marR="0" lvl="7" algn="l" rtl="0">
       <a:lnSpc>
         <a:spcPct val="100000"/>
       </a:lnSpc>
@@ -247,7 +247,7 @@
         <a:srgbClr val="000000"/>
       </a:buClr>
       <a:buFont typeface="Arial"/>
-      <a:defRPr b="0" i="0" sz="1400" u="none" cap="none" strike="noStrike">
+      <a:defRPr sz="1400" b="0" i="0" u="none" strike="noStrike" cap="none">
         <a:solidFill>
           <a:srgbClr val="000000"/>
         </a:solidFill>
@@ -257,7 +257,7 @@
         <a:sym typeface="Arial"/>
       </a:defRPr>
     </a:lvl8pPr>
-    <a:lvl9pPr lvl="8" marR="0" rtl="0" algn="l">
+    <a:lvl9pPr marR="0" lvl="8" algn="l" rtl="0">
       <a:lnSpc>
         <a:spcPct val="100000"/>
       </a:lnSpc>
@@ -271,7 +271,7 @@
         <a:srgbClr val="000000"/>
       </a:buClr>
       <a:buFont typeface="Arial"/>
-      <a:defRPr b="0" i="0" sz="1400" u="none" cap="none" strike="noStrike">
+      <a:defRPr sz="1400" b="0" i="0" u="none" strike="noStrike" cap="none">
         <a:solidFill>
           <a:srgbClr val="000000"/>
         </a:solidFill>
@@ -286,11 +286,16 @@
 </file>
 
 <file path=ppt/notesMasters/notesMaster1.xml><?xml version="1.0" encoding="utf-8"?>
-<p:notesMaster xmlns:a="http://schemas.openxmlformats.org/drawingml/2006/main" xmlns:r="http://schemas.openxmlformats.org/officeDocument/2006/relationships" xmlns:mc="http://schemas.openxmlformats.org/markup-compatibility/2006" xmlns:mv="urn:schemas-microsoft-com:mac:vml" xmlns:p="http://schemas.openxmlformats.org/presentationml/2006/main" xmlns:c="http://schemas.openxmlformats.org/drawingml/2006/chart" xmlns:dgm="http://schemas.openxmlformats.org/drawingml/2006/diagram" xmlns:o="urn:schemas-microsoft-com:office:office" xmlns:v="urn:schemas-microsoft-com:vml" xmlns:pvml="urn:schemas-microsoft-com:office:powerpoint" xmlns:com="http://schemas.openxmlformats.org/drawingml/2006/compatibility" xmlns:p14="http://schemas.microsoft.com/office/powerpoint/2010/main" xmlns:p15="http://schemas.microsoft.com/office/powerpoint/2012/main">
+<p:notesMaster xmlns:a="http://schemas.openxmlformats.org/drawingml/2006/main" xmlns:r="http://schemas.openxmlformats.org/officeDocument/2006/relationships" xmlns:p="http://schemas.openxmlformats.org/presentationml/2006/main">
   <p:cSld>
+    <p:bg>
+      <p:bgRef idx="1001">
+        <a:schemeClr val="bg1"/>
+      </p:bgRef>
+    </p:bg>
     <p:spTree>
       <p:nvGrpSpPr>
-        <p:cNvPr id="2" name="Shape 2"/>
+        <p:cNvPr id="1" name="Shape 2"/>
         <p:cNvGrpSpPr/>
         <p:nvPr/>
       </p:nvGrpSpPr>
@@ -305,9 +310,11 @@
       <p:sp>
         <p:nvSpPr>
           <p:cNvPr id="3" name="Google Shape;3;n"/>
-          <p:cNvSpPr/>
+          <p:cNvSpPr>
+            <a:spLocks noGrp="1" noRot="1" noChangeAspect="1"/>
+          </p:cNvSpPr>
           <p:nvPr>
-            <p:ph idx="2" type="sldImg"/>
+            <p:ph type="sldImg" idx="2"/>
           </p:nvPr>
         </p:nvSpPr>
         <p:spPr>
@@ -316,9 +323,13 @@
             <a:ext cx="6096300" cy="3429000"/>
           </a:xfrm>
           <a:custGeom>
-            <a:rect b="b" l="l" r="r" t="t"/>
+            <a:avLst/>
+            <a:gdLst/>
+            <a:ahLst/>
+            <a:cxnLst/>
+            <a:rect l="l" t="t" r="r" b="b"/>
             <a:pathLst>
-              <a:path extrusionOk="0" h="120000" w="120000">
+              <a:path w="120000" h="120000" extrusionOk="0">
                 <a:moveTo>
                   <a:pt x="0" y="0"/>
                 </a:moveTo>
@@ -336,23 +347,25 @@
             </a:pathLst>
           </a:custGeom>
           <a:noFill/>
-          <a:ln cap="flat" cmpd="sng" w="9525">
+          <a:ln w="9525" cap="flat" cmpd="sng">
             <a:solidFill>
               <a:srgbClr val="000000"/>
             </a:solidFill>
             <a:prstDash val="solid"/>
             <a:round/>
-            <a:headEnd len="sm" w="sm" type="none"/>
-            <a:tailEnd len="sm" w="sm" type="none"/>
+            <a:headEnd type="none" w="sm" len="sm"/>
+            <a:tailEnd type="none" w="sm" len="sm"/>
           </a:ln>
         </p:spPr>
       </p:sp>
       <p:sp>
         <p:nvSpPr>
           <p:cNvPr id="4" name="Google Shape;4;n"/>
-          <p:cNvSpPr txBox="1"/>
+          <p:cNvSpPr txBox="1">
+            <a:spLocks noGrp="1"/>
+          </p:cNvSpPr>
           <p:nvPr>
-            <p:ph idx="1" type="body"/>
+            <p:ph type="body" idx="1"/>
           </p:nvPr>
         </p:nvSpPr>
         <p:spPr>
@@ -369,11 +382,11 @@
           </a:ln>
         </p:spPr>
         <p:txBody>
-          <a:bodyPr anchorCtr="0" anchor="t" bIns="91425" lIns="91425" spcFirstLastPara="1" rIns="91425" wrap="square" tIns="91425">
+          <a:bodyPr spcFirstLastPara="1" wrap="square" lIns="91425" tIns="91425" rIns="91425" bIns="91425" anchor="t" anchorCtr="0">
             <a:noAutofit/>
           </a:bodyPr>
           <a:lstStyle>
-            <a:lvl1pPr indent="-317500" lvl="0" marL="457200">
+            <a:lvl1pPr marL="457200" lvl="0" indent="-317500">
               <a:spcBef>
                 <a:spcPts val="0"/>
               </a:spcBef>
@@ -384,7 +397,7 @@
               <a:buChar char="●"/>
               <a:defRPr sz="1100"/>
             </a:lvl1pPr>
-            <a:lvl2pPr indent="-317500" lvl="1" marL="914400">
+            <a:lvl2pPr marL="914400" lvl="1" indent="-317500">
               <a:spcBef>
                 <a:spcPts val="0"/>
               </a:spcBef>
@@ -395,7 +408,7 @@
               <a:buChar char="○"/>
               <a:defRPr sz="1100"/>
             </a:lvl2pPr>
-            <a:lvl3pPr indent="-317500" lvl="2" marL="1371600">
+            <a:lvl3pPr marL="1371600" lvl="2" indent="-317500">
               <a:spcBef>
                 <a:spcPts val="0"/>
               </a:spcBef>
@@ -406,7 +419,7 @@
               <a:buChar char="■"/>
               <a:defRPr sz="1100"/>
             </a:lvl3pPr>
-            <a:lvl4pPr indent="-317500" lvl="3" marL="1828800">
+            <a:lvl4pPr marL="1828800" lvl="3" indent="-317500">
               <a:spcBef>
                 <a:spcPts val="0"/>
               </a:spcBef>
@@ -417,7 +430,7 @@
               <a:buChar char="●"/>
               <a:defRPr sz="1100"/>
             </a:lvl4pPr>
-            <a:lvl5pPr indent="-317500" lvl="4" marL="2286000">
+            <a:lvl5pPr marL="2286000" lvl="4" indent="-317500">
               <a:spcBef>
                 <a:spcPts val="0"/>
               </a:spcBef>
@@ -428,7 +441,7 @@
               <a:buChar char="○"/>
               <a:defRPr sz="1100"/>
             </a:lvl5pPr>
-            <a:lvl6pPr indent="-317500" lvl="5" marL="2743200">
+            <a:lvl6pPr marL="2743200" lvl="5" indent="-317500">
               <a:spcBef>
                 <a:spcPts val="0"/>
               </a:spcBef>
@@ -439,7 +452,7 @@
               <a:buChar char="■"/>
               <a:defRPr sz="1100"/>
             </a:lvl6pPr>
-            <a:lvl7pPr indent="-317500" lvl="6" marL="3200400">
+            <a:lvl7pPr marL="3200400" lvl="6" indent="-317500">
               <a:spcBef>
                 <a:spcPts val="0"/>
               </a:spcBef>
@@ -450,7 +463,7 @@
               <a:buChar char="●"/>
               <a:defRPr sz="1100"/>
             </a:lvl7pPr>
-            <a:lvl8pPr indent="-317500" lvl="7" marL="3657600">
+            <a:lvl8pPr marL="3657600" lvl="7" indent="-317500">
               <a:spcBef>
                 <a:spcPts val="0"/>
               </a:spcBef>
@@ -461,7 +474,7 @@
               <a:buChar char="○"/>
               <a:defRPr sz="1100"/>
             </a:lvl8pPr>
-            <a:lvl9pPr indent="-317500" lvl="8" marL="4114800">
+            <a:lvl9pPr marL="4114800" lvl="8" indent="-317500">
               <a:spcBef>
                 <a:spcPts val="0"/>
               </a:spcBef>
@@ -473,14 +486,16 @@
               <a:defRPr sz="1100"/>
             </a:lvl9pPr>
           </a:lstStyle>
-          <a:p/>
+          <a:p>
+            <a:endParaRPr/>
+          </a:p>
         </p:txBody>
       </p:sp>
     </p:spTree>
   </p:cSld>
-  <p:clrMap accent1="accent1" accent2="accent2" accent3="accent3" accent4="accent4" accent5="accent5" accent6="accent6" bg1="lt1" bg2="dk2" tx1="dk1" tx2="lt2" folHlink="folHlink" hlink="hlink"/>
+  <p:clrMap bg1="lt1" tx1="dk1" bg2="dk2" tx2="lt2" accent1="accent1" accent2="accent2" accent3="accent3" accent4="accent4" accent5="accent5" accent6="accent6" hlink="hlink" folHlink="folHlink"/>
   <p:notesStyle>
-    <a:defPPr lvl="0" marR="0" rtl="0" algn="l">
+    <a:defPPr marR="0" lvl="0" algn="l" rtl="0">
       <a:lnSpc>
         <a:spcPct val="100000"/>
       </a:lnSpc>
@@ -491,7 +506,7 @@
         <a:spcPts val="0"/>
       </a:spcAft>
     </a:defPPr>
-    <a:lvl1pPr lvl="0" marR="0" rtl="0" algn="l">
+    <a:lvl1pPr marR="0" lvl="0" algn="l" rtl="0">
       <a:lnSpc>
         <a:spcPct val="100000"/>
       </a:lnSpc>
@@ -505,7 +520,7 @@
         <a:srgbClr val="000000"/>
       </a:buClr>
       <a:buFont typeface="Arial"/>
-      <a:defRPr b="0" i="0" sz="1400" u="none" cap="none" strike="noStrike">
+      <a:defRPr sz="1400" b="0" i="0" u="none" strike="noStrike" cap="none">
         <a:solidFill>
           <a:srgbClr val="000000"/>
         </a:solidFill>
@@ -515,7 +530,7 @@
         <a:sym typeface="Arial"/>
       </a:defRPr>
     </a:lvl1pPr>
-    <a:lvl2pPr lvl="1" marR="0" rtl="0" algn="l">
+    <a:lvl2pPr marR="0" lvl="1" algn="l" rtl="0">
       <a:lnSpc>
         <a:spcPct val="100000"/>
       </a:lnSpc>
@@ -529,7 +544,7 @@
         <a:srgbClr val="000000"/>
       </a:buClr>
       <a:buFont typeface="Arial"/>
-      <a:defRPr b="0" i="0" sz="1400" u="none" cap="none" strike="noStrike">
+      <a:defRPr sz="1400" b="0" i="0" u="none" strike="noStrike" cap="none">
         <a:solidFill>
           <a:srgbClr val="000000"/>
         </a:solidFill>
@@ -539,7 +554,7 @@
         <a:sym typeface="Arial"/>
       </a:defRPr>
     </a:lvl2pPr>
-    <a:lvl3pPr lvl="2" marR="0" rtl="0" algn="l">
+    <a:lvl3pPr marR="0" lvl="2" algn="l" rtl="0">
       <a:lnSpc>
         <a:spcPct val="100000"/>
       </a:lnSpc>
@@ -553,7 +568,7 @@
         <a:srgbClr val="000000"/>
       </a:buClr>
       <a:buFont typeface="Arial"/>
-      <a:defRPr b="0" i="0" sz="1400" u="none" cap="none" strike="noStrike">
+      <a:defRPr sz="1400" b="0" i="0" u="none" strike="noStrike" cap="none">
         <a:solidFill>
           <a:srgbClr val="000000"/>
         </a:solidFill>
@@ -563,7 +578,7 @@
         <a:sym typeface="Arial"/>
       </a:defRPr>
     </a:lvl3pPr>
-    <a:lvl4pPr lvl="3" marR="0" rtl="0" algn="l">
+    <a:lvl4pPr marR="0" lvl="3" algn="l" rtl="0">
       <a:lnSpc>
         <a:spcPct val="100000"/>
       </a:lnSpc>
@@ -577,7 +592,7 @@
         <a:srgbClr val="000000"/>
       </a:buClr>
       <a:buFont typeface="Arial"/>
-      <a:defRPr b="0" i="0" sz="1400" u="none" cap="none" strike="noStrike">
+      <a:defRPr sz="1400" b="0" i="0" u="none" strike="noStrike" cap="none">
         <a:solidFill>
           <a:srgbClr val="000000"/>
         </a:solidFill>
@@ -587,7 +602,7 @@
         <a:sym typeface="Arial"/>
       </a:defRPr>
     </a:lvl4pPr>
-    <a:lvl5pPr lvl="4" marR="0" rtl="0" algn="l">
+    <a:lvl5pPr marR="0" lvl="4" algn="l" rtl="0">
       <a:lnSpc>
         <a:spcPct val="100000"/>
       </a:lnSpc>
@@ -601,7 +616,7 @@
         <a:srgbClr val="000000"/>
       </a:buClr>
       <a:buFont typeface="Arial"/>
-      <a:defRPr b="0" i="0" sz="1400" u="none" cap="none" strike="noStrike">
+      <a:defRPr sz="1400" b="0" i="0" u="none" strike="noStrike" cap="none">
         <a:solidFill>
           <a:srgbClr val="000000"/>
         </a:solidFill>
@@ -611,7 +626,7 @@
         <a:sym typeface="Arial"/>
       </a:defRPr>
     </a:lvl5pPr>
-    <a:lvl6pPr lvl="5" marR="0" rtl="0" algn="l">
+    <a:lvl6pPr marR="0" lvl="5" algn="l" rtl="0">
       <a:lnSpc>
         <a:spcPct val="100000"/>
       </a:lnSpc>
@@ -625,7 +640,7 @@
         <a:srgbClr val="000000"/>
       </a:buClr>
       <a:buFont typeface="Arial"/>
-      <a:defRPr b="0" i="0" sz="1400" u="none" cap="none" strike="noStrike">
+      <a:defRPr sz="1400" b="0" i="0" u="none" strike="noStrike" cap="none">
         <a:solidFill>
           <a:srgbClr val="000000"/>
         </a:solidFill>
@@ -635,7 +650,7 @@
         <a:sym typeface="Arial"/>
       </a:defRPr>
     </a:lvl6pPr>
-    <a:lvl7pPr lvl="6" marR="0" rtl="0" algn="l">
+    <a:lvl7pPr marR="0" lvl="6" algn="l" rtl="0">
       <a:lnSpc>
         <a:spcPct val="100000"/>
       </a:lnSpc>
@@ -649,7 +664,7 @@
         <a:srgbClr val="000000"/>
       </a:buClr>
       <a:buFont typeface="Arial"/>
-      <a:defRPr b="0" i="0" sz="1400" u="none" cap="none" strike="noStrike">
+      <a:defRPr sz="1400" b="0" i="0" u="none" strike="noStrike" cap="none">
         <a:solidFill>
           <a:srgbClr val="000000"/>
         </a:solidFill>
@@ -659,7 +674,7 @@
         <a:sym typeface="Arial"/>
       </a:defRPr>
     </a:lvl7pPr>
-    <a:lvl8pPr lvl="7" marR="0" rtl="0" algn="l">
+    <a:lvl8pPr marR="0" lvl="7" algn="l" rtl="0">
       <a:lnSpc>
         <a:spcPct val="100000"/>
       </a:lnSpc>
@@ -673,7 +688,7 @@
         <a:srgbClr val="000000"/>
       </a:buClr>
       <a:buFont typeface="Arial"/>
-      <a:defRPr b="0" i="0" sz="1400" u="none" cap="none" strike="noStrike">
+      <a:defRPr sz="1400" b="0" i="0" u="none" strike="noStrike" cap="none">
         <a:solidFill>
           <a:srgbClr val="000000"/>
         </a:solidFill>
@@ -683,7 +698,7 @@
         <a:sym typeface="Arial"/>
       </a:defRPr>
     </a:lvl8pPr>
-    <a:lvl9pPr lvl="8" marR="0" rtl="0" algn="l">
+    <a:lvl9pPr marR="0" lvl="8" algn="l" rtl="0">
       <a:lnSpc>
         <a:spcPct val="100000"/>
       </a:lnSpc>
@@ -697,7 +712,7 @@
         <a:srgbClr val="000000"/>
       </a:buClr>
       <a:buFont typeface="Arial"/>
-      <a:defRPr b="0" i="0" sz="1400" u="none" cap="none" strike="noStrike">
+      <a:defRPr sz="1400" b="0" i="0" u="none" strike="noStrike" cap="none">
         <a:solidFill>
           <a:srgbClr val="000000"/>
         </a:solidFill>
@@ -712,11 +727,11 @@
 </file>
 
 <file path=ppt/notesSlides/notesSlide1.xml><?xml version="1.0" encoding="utf-8"?>
-<p:notes xmlns:a="http://schemas.openxmlformats.org/drawingml/2006/main" xmlns:r="http://schemas.openxmlformats.org/officeDocument/2006/relationships" xmlns:mc="http://schemas.openxmlformats.org/markup-compatibility/2006" xmlns:mv="urn:schemas-microsoft-com:mac:vml" xmlns:p="http://schemas.openxmlformats.org/presentationml/2006/main" xmlns:c="http://schemas.openxmlformats.org/drawingml/2006/chart" xmlns:dgm="http://schemas.openxmlformats.org/drawingml/2006/diagram" xmlns:o="urn:schemas-microsoft-com:office:office" xmlns:v="urn:schemas-microsoft-com:vml" xmlns:pvml="urn:schemas-microsoft-com:office:powerpoint" xmlns:com="http://schemas.openxmlformats.org/drawingml/2006/compatibility" xmlns:p14="http://schemas.microsoft.com/office/powerpoint/2010/main" xmlns:p15="http://schemas.microsoft.com/office/powerpoint/2012/main" showMasterPhAnim="0" showMasterSp="0">
+<p:notes xmlns:a="http://schemas.openxmlformats.org/drawingml/2006/main" xmlns:r="http://schemas.openxmlformats.org/officeDocument/2006/relationships" xmlns:p="http://schemas.openxmlformats.org/presentationml/2006/main" showMasterSp="0" showMasterPhAnim="0">
   <p:cSld>
     <p:spTree>
       <p:nvGrpSpPr>
-        <p:cNvPr id="307" name="Shape 307"/>
+        <p:cNvPr id="1" name="Shape 307"/>
         <p:cNvGrpSpPr/>
         <p:nvPr/>
       </p:nvGrpSpPr>
@@ -731,20 +746,26 @@
       <p:sp>
         <p:nvSpPr>
           <p:cNvPr id="308" name="Google Shape;308;g35f391192_00:notes"/>
-          <p:cNvSpPr/>
+          <p:cNvSpPr>
+            <a:spLocks noGrp="1" noRot="1" noChangeAspect="1"/>
+          </p:cNvSpPr>
           <p:nvPr>
-            <p:ph idx="2" type="sldImg"/>
+            <p:ph type="sldImg" idx="2"/>
           </p:nvPr>
         </p:nvSpPr>
         <p:spPr>
           <a:xfrm>
-            <a:off x="381175" y="685800"/>
-            <a:ext cx="6096300" cy="3429000"/>
+            <a:off x="381000" y="685800"/>
+            <a:ext cx="6096000" cy="3429000"/>
           </a:xfrm>
           <a:custGeom>
-            <a:rect b="b" l="l" r="r" t="t"/>
+            <a:avLst/>
+            <a:gdLst/>
+            <a:ahLst/>
+            <a:cxnLst/>
+            <a:rect l="l" t="t" r="r" b="b"/>
             <a:pathLst>
-              <a:path extrusionOk="0" h="120000" w="120000">
+              <a:path w="120000" h="120000" extrusionOk="0">
                 <a:moveTo>
                   <a:pt x="0" y="0"/>
                 </a:moveTo>
@@ -766,9 +787,11 @@
       <p:sp>
         <p:nvSpPr>
           <p:cNvPr id="309" name="Google Shape;309;g35f391192_00:notes"/>
-          <p:cNvSpPr txBox="1"/>
+          <p:cNvSpPr txBox="1">
+            <a:spLocks noGrp="1"/>
+          </p:cNvSpPr>
           <p:nvPr>
-            <p:ph idx="1" type="body"/>
+            <p:ph type="body" idx="1"/>
           </p:nvPr>
         </p:nvSpPr>
         <p:spPr>
@@ -781,12 +804,12 @@
           </a:prstGeom>
         </p:spPr>
         <p:txBody>
-          <a:bodyPr anchorCtr="0" anchor="t" bIns="91425" lIns="91425" spcFirstLastPara="1" rIns="91425" wrap="square" tIns="91425">
+          <a:bodyPr spcFirstLastPara="1" wrap="square" lIns="91425" tIns="91425" rIns="91425" bIns="91425" anchor="t" anchorCtr="0">
             <a:noAutofit/>
           </a:bodyPr>
           <a:lstStyle/>
           <a:p>
-            <a:pPr indent="0" lvl="0" marL="0" rtl="0" algn="l">
+            <a:pPr marL="0" lvl="0" indent="0" algn="l" rtl="0">
               <a:spcBef>
                 <a:spcPts val="0"/>
               </a:spcBef>
@@ -795,9 +818,6 @@
               </a:spcAft>
               <a:buNone/>
             </a:pPr>
-            <a:r>
-              <a:t/>
-            </a:r>
             <a:endParaRPr/>
           </a:p>
         </p:txBody>
@@ -811,11 +831,11 @@
 </file>
 
 <file path=ppt/notesSlides/notesSlide10.xml><?xml version="1.0" encoding="utf-8"?>
-<p:notes xmlns:a="http://schemas.openxmlformats.org/drawingml/2006/main" xmlns:r="http://schemas.openxmlformats.org/officeDocument/2006/relationships" xmlns:mc="http://schemas.openxmlformats.org/markup-compatibility/2006" xmlns:mv="urn:schemas-microsoft-com:mac:vml" xmlns:p="http://schemas.openxmlformats.org/presentationml/2006/main" xmlns:c="http://schemas.openxmlformats.org/drawingml/2006/chart" xmlns:dgm="http://schemas.openxmlformats.org/drawingml/2006/diagram" xmlns:o="urn:schemas-microsoft-com:office:office" xmlns:v="urn:schemas-microsoft-com:vml" xmlns:pvml="urn:schemas-microsoft-com:office:powerpoint" xmlns:com="http://schemas.openxmlformats.org/drawingml/2006/compatibility" xmlns:p14="http://schemas.microsoft.com/office/powerpoint/2010/main" xmlns:p15="http://schemas.microsoft.com/office/powerpoint/2012/main" showMasterPhAnim="0" showMasterSp="0">
+<p:notes xmlns:a="http://schemas.openxmlformats.org/drawingml/2006/main" xmlns:r="http://schemas.openxmlformats.org/officeDocument/2006/relationships" xmlns:p="http://schemas.openxmlformats.org/presentationml/2006/main" showMasterSp="0" showMasterPhAnim="0">
   <p:cSld>
     <p:spTree>
       <p:nvGrpSpPr>
-        <p:cNvPr id="388" name="Shape 388"/>
+        <p:cNvPr id="1" name="Shape 388"/>
         <p:cNvGrpSpPr/>
         <p:nvPr/>
       </p:nvGrpSpPr>
@@ -830,9 +850,11 @@
       <p:sp>
         <p:nvSpPr>
           <p:cNvPr id="389" name="Google Shape;389;g760e6b9b6e_0_72:notes"/>
-          <p:cNvSpPr/>
+          <p:cNvSpPr>
+            <a:spLocks noGrp="1" noRot="1" noChangeAspect="1"/>
+          </p:cNvSpPr>
           <p:nvPr>
-            <p:ph idx="2" type="sldImg"/>
+            <p:ph type="sldImg" idx="2"/>
           </p:nvPr>
         </p:nvSpPr>
         <p:spPr>
@@ -841,9 +863,13 @@
             <a:ext cx="6096300" cy="3429000"/>
           </a:xfrm>
           <a:custGeom>
-            <a:rect b="b" l="l" r="r" t="t"/>
+            <a:avLst/>
+            <a:gdLst/>
+            <a:ahLst/>
+            <a:cxnLst/>
+            <a:rect l="l" t="t" r="r" b="b"/>
             <a:pathLst>
-              <a:path extrusionOk="0" h="120000" w="120000">
+              <a:path w="120000" h="120000" extrusionOk="0">
                 <a:moveTo>
                   <a:pt x="0" y="0"/>
                 </a:moveTo>
@@ -865,9 +891,11 @@
       <p:sp>
         <p:nvSpPr>
           <p:cNvPr id="390" name="Google Shape;390;g760e6b9b6e_0_72:notes"/>
-          <p:cNvSpPr txBox="1"/>
+          <p:cNvSpPr txBox="1">
+            <a:spLocks noGrp="1"/>
+          </p:cNvSpPr>
           <p:nvPr>
-            <p:ph idx="1" type="body"/>
+            <p:ph type="body" idx="1"/>
           </p:nvPr>
         </p:nvSpPr>
         <p:spPr>
@@ -880,12 +908,12 @@
           </a:prstGeom>
         </p:spPr>
         <p:txBody>
-          <a:bodyPr anchorCtr="0" anchor="t" bIns="91425" lIns="91425" spcFirstLastPara="1" rIns="91425" wrap="square" tIns="91425">
+          <a:bodyPr spcFirstLastPara="1" wrap="square" lIns="91425" tIns="91425" rIns="91425" bIns="91425" anchor="t" anchorCtr="0">
             <a:noAutofit/>
           </a:bodyPr>
           <a:lstStyle/>
           <a:p>
-            <a:pPr indent="0" lvl="0" marL="0" rtl="0" algn="l">
+            <a:pPr marL="0" lvl="0" indent="0" algn="l" rtl="0">
               <a:spcBef>
                 <a:spcPts val="0"/>
               </a:spcBef>
@@ -894,9 +922,6 @@
               </a:spcAft>
               <a:buNone/>
             </a:pPr>
-            <a:r>
-              <a:t/>
-            </a:r>
             <a:endParaRPr/>
           </a:p>
         </p:txBody>
@@ -910,11 +935,11 @@
 </file>
 
 <file path=ppt/notesSlides/notesSlide11.xml><?xml version="1.0" encoding="utf-8"?>
-<p:notes xmlns:a="http://schemas.openxmlformats.org/drawingml/2006/main" xmlns:r="http://schemas.openxmlformats.org/officeDocument/2006/relationships" xmlns:mc="http://schemas.openxmlformats.org/markup-compatibility/2006" xmlns:mv="urn:schemas-microsoft-com:mac:vml" xmlns:p="http://schemas.openxmlformats.org/presentationml/2006/main" xmlns:c="http://schemas.openxmlformats.org/drawingml/2006/chart" xmlns:dgm="http://schemas.openxmlformats.org/drawingml/2006/diagram" xmlns:o="urn:schemas-microsoft-com:office:office" xmlns:v="urn:schemas-microsoft-com:vml" xmlns:pvml="urn:schemas-microsoft-com:office:powerpoint" xmlns:com="http://schemas.openxmlformats.org/drawingml/2006/compatibility" xmlns:p14="http://schemas.microsoft.com/office/powerpoint/2010/main" xmlns:p15="http://schemas.microsoft.com/office/powerpoint/2012/main" showMasterPhAnim="0" showMasterSp="0">
+<p:notes xmlns:a="http://schemas.openxmlformats.org/drawingml/2006/main" xmlns:r="http://schemas.openxmlformats.org/officeDocument/2006/relationships" xmlns:p="http://schemas.openxmlformats.org/presentationml/2006/main" showMasterSp="0" showMasterPhAnim="0">
   <p:cSld>
     <p:spTree>
       <p:nvGrpSpPr>
-        <p:cNvPr id="397" name="Shape 397"/>
+        <p:cNvPr id="1" name="Shape 397"/>
         <p:cNvGrpSpPr/>
         <p:nvPr/>
       </p:nvGrpSpPr>
@@ -929,9 +954,11 @@
       <p:sp>
         <p:nvSpPr>
           <p:cNvPr id="398" name="Google Shape;398;g760e6b9b6e_0_179:notes"/>
-          <p:cNvSpPr/>
+          <p:cNvSpPr>
+            <a:spLocks noGrp="1" noRot="1" noChangeAspect="1"/>
+          </p:cNvSpPr>
           <p:nvPr>
-            <p:ph idx="2" type="sldImg"/>
+            <p:ph type="sldImg" idx="2"/>
           </p:nvPr>
         </p:nvSpPr>
         <p:spPr>
@@ -940,9 +967,13 @@
             <a:ext cx="6096300" cy="3429000"/>
           </a:xfrm>
           <a:custGeom>
-            <a:rect b="b" l="l" r="r" t="t"/>
+            <a:avLst/>
+            <a:gdLst/>
+            <a:ahLst/>
+            <a:cxnLst/>
+            <a:rect l="l" t="t" r="r" b="b"/>
             <a:pathLst>
-              <a:path extrusionOk="0" h="120000" w="120000">
+              <a:path w="120000" h="120000" extrusionOk="0">
                 <a:moveTo>
                   <a:pt x="0" y="0"/>
                 </a:moveTo>
@@ -964,9 +995,11 @@
       <p:sp>
         <p:nvSpPr>
           <p:cNvPr id="399" name="Google Shape;399;g760e6b9b6e_0_179:notes"/>
-          <p:cNvSpPr txBox="1"/>
+          <p:cNvSpPr txBox="1">
+            <a:spLocks noGrp="1"/>
+          </p:cNvSpPr>
           <p:nvPr>
-            <p:ph idx="1" type="body"/>
+            <p:ph type="body" idx="1"/>
           </p:nvPr>
         </p:nvSpPr>
         <p:spPr>
@@ -979,12 +1012,12 @@
           </a:prstGeom>
         </p:spPr>
         <p:txBody>
-          <a:bodyPr anchorCtr="0" anchor="t" bIns="91425" lIns="91425" spcFirstLastPara="1" rIns="91425" wrap="square" tIns="91425">
+          <a:bodyPr spcFirstLastPara="1" wrap="square" lIns="91425" tIns="91425" rIns="91425" bIns="91425" anchor="t" anchorCtr="0">
             <a:noAutofit/>
           </a:bodyPr>
           <a:lstStyle/>
           <a:p>
-            <a:pPr indent="0" lvl="0" marL="0" rtl="0" algn="l">
+            <a:pPr marL="0" lvl="0" indent="0" algn="l" rtl="0">
               <a:spcBef>
                 <a:spcPts val="0"/>
               </a:spcBef>
@@ -993,9 +1026,6 @@
               </a:spcAft>
               <a:buNone/>
             </a:pPr>
-            <a:r>
-              <a:t/>
-            </a:r>
             <a:endParaRPr/>
           </a:p>
         </p:txBody>
@@ -1009,11 +1039,11 @@
 </file>
 
 <file path=ppt/notesSlides/notesSlide12.xml><?xml version="1.0" encoding="utf-8"?>
-<p:notes xmlns:a="http://schemas.openxmlformats.org/drawingml/2006/main" xmlns:r="http://schemas.openxmlformats.org/officeDocument/2006/relationships" xmlns:mc="http://schemas.openxmlformats.org/markup-compatibility/2006" xmlns:mv="urn:schemas-microsoft-com:mac:vml" xmlns:p="http://schemas.openxmlformats.org/presentationml/2006/main" xmlns:c="http://schemas.openxmlformats.org/drawingml/2006/chart" xmlns:dgm="http://schemas.openxmlformats.org/drawingml/2006/diagram" xmlns:o="urn:schemas-microsoft-com:office:office" xmlns:v="urn:schemas-microsoft-com:vml" xmlns:pvml="urn:schemas-microsoft-com:office:powerpoint" xmlns:com="http://schemas.openxmlformats.org/drawingml/2006/compatibility" xmlns:p14="http://schemas.microsoft.com/office/powerpoint/2010/main" xmlns:p15="http://schemas.microsoft.com/office/powerpoint/2012/main" showMasterPhAnim="0" showMasterSp="0">
+<p:notes xmlns:a="http://schemas.openxmlformats.org/drawingml/2006/main" xmlns:r="http://schemas.openxmlformats.org/officeDocument/2006/relationships" xmlns:p="http://schemas.openxmlformats.org/presentationml/2006/main" showMasterSp="0" showMasterPhAnim="0">
   <p:cSld>
     <p:spTree>
       <p:nvGrpSpPr>
-        <p:cNvPr id="402" name="Shape 402"/>
+        <p:cNvPr id="1" name="Shape 402"/>
         <p:cNvGrpSpPr/>
         <p:nvPr/>
       </p:nvGrpSpPr>
@@ -1028,9 +1058,11 @@
       <p:sp>
         <p:nvSpPr>
           <p:cNvPr id="403" name="Google Shape;403;g760e6b9b6e_0_80:notes"/>
-          <p:cNvSpPr/>
+          <p:cNvSpPr>
+            <a:spLocks noGrp="1" noRot="1" noChangeAspect="1"/>
+          </p:cNvSpPr>
           <p:nvPr>
-            <p:ph idx="2" type="sldImg"/>
+            <p:ph type="sldImg" idx="2"/>
           </p:nvPr>
         </p:nvSpPr>
         <p:spPr>
@@ -1039,9 +1071,13 @@
             <a:ext cx="6096300" cy="3429000"/>
           </a:xfrm>
           <a:custGeom>
-            <a:rect b="b" l="l" r="r" t="t"/>
+            <a:avLst/>
+            <a:gdLst/>
+            <a:ahLst/>
+            <a:cxnLst/>
+            <a:rect l="l" t="t" r="r" b="b"/>
             <a:pathLst>
-              <a:path extrusionOk="0" h="120000" w="120000">
+              <a:path w="120000" h="120000" extrusionOk="0">
                 <a:moveTo>
                   <a:pt x="0" y="0"/>
                 </a:moveTo>
@@ -1063,9 +1099,11 @@
       <p:sp>
         <p:nvSpPr>
           <p:cNvPr id="404" name="Google Shape;404;g760e6b9b6e_0_80:notes"/>
-          <p:cNvSpPr txBox="1"/>
+          <p:cNvSpPr txBox="1">
+            <a:spLocks noGrp="1"/>
+          </p:cNvSpPr>
           <p:nvPr>
-            <p:ph idx="1" type="body"/>
+            <p:ph type="body" idx="1"/>
           </p:nvPr>
         </p:nvSpPr>
         <p:spPr>
@@ -1078,12 +1116,12 @@
           </a:prstGeom>
         </p:spPr>
         <p:txBody>
-          <a:bodyPr anchorCtr="0" anchor="t" bIns="91425" lIns="91425" spcFirstLastPara="1" rIns="91425" wrap="square" tIns="91425">
+          <a:bodyPr spcFirstLastPara="1" wrap="square" lIns="91425" tIns="91425" rIns="91425" bIns="91425" anchor="t" anchorCtr="0">
             <a:noAutofit/>
           </a:bodyPr>
           <a:lstStyle/>
           <a:p>
-            <a:pPr indent="0" lvl="0" marL="0" rtl="0" algn="l">
+            <a:pPr marL="0" lvl="0" indent="0" algn="l" rtl="0">
               <a:spcBef>
                 <a:spcPts val="0"/>
               </a:spcBef>
@@ -1092,9 +1130,6 @@
               </a:spcAft>
               <a:buNone/>
             </a:pPr>
-            <a:r>
-              <a:t/>
-            </a:r>
             <a:endParaRPr/>
           </a:p>
         </p:txBody>
@@ -1108,11 +1143,11 @@
 </file>
 
 <file path=ppt/notesSlides/notesSlide2.xml><?xml version="1.0" encoding="utf-8"?>
-<p:notes xmlns:a="http://schemas.openxmlformats.org/drawingml/2006/main" xmlns:r="http://schemas.openxmlformats.org/officeDocument/2006/relationships" xmlns:mc="http://schemas.openxmlformats.org/markup-compatibility/2006" xmlns:mv="urn:schemas-microsoft-com:mac:vml" xmlns:p="http://schemas.openxmlformats.org/presentationml/2006/main" xmlns:c="http://schemas.openxmlformats.org/drawingml/2006/chart" xmlns:dgm="http://schemas.openxmlformats.org/drawingml/2006/diagram" xmlns:o="urn:schemas-microsoft-com:office:office" xmlns:v="urn:schemas-microsoft-com:vml" xmlns:pvml="urn:schemas-microsoft-com:office:powerpoint" xmlns:com="http://schemas.openxmlformats.org/drawingml/2006/compatibility" xmlns:p14="http://schemas.microsoft.com/office/powerpoint/2010/main" xmlns:p15="http://schemas.microsoft.com/office/powerpoint/2012/main" showMasterPhAnim="0" showMasterSp="0">
+<p:notes xmlns:a="http://schemas.openxmlformats.org/drawingml/2006/main" xmlns:r="http://schemas.openxmlformats.org/officeDocument/2006/relationships" xmlns:p="http://schemas.openxmlformats.org/presentationml/2006/main" showMasterSp="0" showMasterPhAnim="0">
   <p:cSld>
     <p:spTree>
       <p:nvGrpSpPr>
-        <p:cNvPr id="312" name="Shape 312"/>
+        <p:cNvPr id="1" name="Shape 312"/>
         <p:cNvGrpSpPr/>
         <p:nvPr/>
       </p:nvGrpSpPr>
@@ -1127,9 +1162,11 @@
       <p:sp>
         <p:nvSpPr>
           <p:cNvPr id="313" name="Google Shape;313;g35f391192_029:notes"/>
-          <p:cNvSpPr/>
+          <p:cNvSpPr>
+            <a:spLocks noGrp="1" noRot="1" noChangeAspect="1"/>
+          </p:cNvSpPr>
           <p:nvPr>
-            <p:ph idx="2" type="sldImg"/>
+            <p:ph type="sldImg" idx="2"/>
           </p:nvPr>
         </p:nvSpPr>
         <p:spPr>
@@ -1138,9 +1175,13 @@
             <a:ext cx="6096300" cy="3429000"/>
           </a:xfrm>
           <a:custGeom>
-            <a:rect b="b" l="l" r="r" t="t"/>
+            <a:avLst/>
+            <a:gdLst/>
+            <a:ahLst/>
+            <a:cxnLst/>
+            <a:rect l="l" t="t" r="r" b="b"/>
             <a:pathLst>
-              <a:path extrusionOk="0" h="120000" w="120000">
+              <a:path w="120000" h="120000" extrusionOk="0">
                 <a:moveTo>
                   <a:pt x="0" y="0"/>
                 </a:moveTo>
@@ -1162,9 +1203,11 @@
       <p:sp>
         <p:nvSpPr>
           <p:cNvPr id="314" name="Google Shape;314;g35f391192_029:notes"/>
-          <p:cNvSpPr txBox="1"/>
+          <p:cNvSpPr txBox="1">
+            <a:spLocks noGrp="1"/>
+          </p:cNvSpPr>
           <p:nvPr>
-            <p:ph idx="1" type="body"/>
+            <p:ph type="body" idx="1"/>
           </p:nvPr>
         </p:nvSpPr>
         <p:spPr>
@@ -1177,12 +1220,12 @@
           </a:prstGeom>
         </p:spPr>
         <p:txBody>
-          <a:bodyPr anchorCtr="0" anchor="t" bIns="91425" lIns="91425" spcFirstLastPara="1" rIns="91425" wrap="square" tIns="91425">
+          <a:bodyPr spcFirstLastPara="1" wrap="square" lIns="91425" tIns="91425" rIns="91425" bIns="91425" anchor="t" anchorCtr="0">
             <a:noAutofit/>
           </a:bodyPr>
           <a:lstStyle/>
           <a:p>
-            <a:pPr indent="0" lvl="0" marL="0" rtl="0" algn="l">
+            <a:pPr marL="0" lvl="0" indent="0" algn="l" rtl="0">
               <a:spcBef>
                 <a:spcPts val="0"/>
               </a:spcBef>
@@ -1191,9 +1234,6 @@
               </a:spcAft>
               <a:buNone/>
             </a:pPr>
-            <a:r>
-              <a:t/>
-            </a:r>
             <a:endParaRPr/>
           </a:p>
         </p:txBody>
@@ -1207,11 +1247,11 @@
 </file>
 
 <file path=ppt/notesSlides/notesSlide3.xml><?xml version="1.0" encoding="utf-8"?>
-<p:notes xmlns:a="http://schemas.openxmlformats.org/drawingml/2006/main" xmlns:r="http://schemas.openxmlformats.org/officeDocument/2006/relationships" xmlns:mc="http://schemas.openxmlformats.org/markup-compatibility/2006" xmlns:mv="urn:schemas-microsoft-com:mac:vml" xmlns:p="http://schemas.openxmlformats.org/presentationml/2006/main" xmlns:c="http://schemas.openxmlformats.org/drawingml/2006/chart" xmlns:dgm="http://schemas.openxmlformats.org/drawingml/2006/diagram" xmlns:o="urn:schemas-microsoft-com:office:office" xmlns:v="urn:schemas-microsoft-com:vml" xmlns:pvml="urn:schemas-microsoft-com:office:powerpoint" xmlns:com="http://schemas.openxmlformats.org/drawingml/2006/compatibility" xmlns:p14="http://schemas.microsoft.com/office/powerpoint/2010/main" xmlns:p15="http://schemas.microsoft.com/office/powerpoint/2012/main" showMasterPhAnim="0" showMasterSp="0">
+<p:notes xmlns:a="http://schemas.openxmlformats.org/drawingml/2006/main" xmlns:r="http://schemas.openxmlformats.org/officeDocument/2006/relationships" xmlns:p="http://schemas.openxmlformats.org/presentationml/2006/main" showMasterSp="0" showMasterPhAnim="0">
   <p:cSld>
     <p:spTree>
       <p:nvGrpSpPr>
-        <p:cNvPr id="318" name="Shape 318"/>
+        <p:cNvPr id="1" name="Shape 318"/>
         <p:cNvGrpSpPr/>
         <p:nvPr/>
       </p:nvGrpSpPr>
@@ -1226,9 +1266,11 @@
       <p:sp>
         <p:nvSpPr>
           <p:cNvPr id="319" name="Google Shape;319;g35f391192_073:notes"/>
-          <p:cNvSpPr/>
+          <p:cNvSpPr>
+            <a:spLocks noGrp="1" noRot="1" noChangeAspect="1"/>
+          </p:cNvSpPr>
           <p:nvPr>
-            <p:ph idx="2" type="sldImg"/>
+            <p:ph type="sldImg" idx="2"/>
           </p:nvPr>
         </p:nvSpPr>
         <p:spPr>
@@ -1237,9 +1279,13 @@
             <a:ext cx="6096300" cy="3429000"/>
           </a:xfrm>
           <a:custGeom>
-            <a:rect b="b" l="l" r="r" t="t"/>
+            <a:avLst/>
+            <a:gdLst/>
+            <a:ahLst/>
+            <a:cxnLst/>
+            <a:rect l="l" t="t" r="r" b="b"/>
             <a:pathLst>
-              <a:path extrusionOk="0" h="120000" w="120000">
+              <a:path w="120000" h="120000" extrusionOk="0">
                 <a:moveTo>
                   <a:pt x="0" y="0"/>
                 </a:moveTo>
@@ -1261,9 +1307,11 @@
       <p:sp>
         <p:nvSpPr>
           <p:cNvPr id="320" name="Google Shape;320;g35f391192_073:notes"/>
-          <p:cNvSpPr txBox="1"/>
+          <p:cNvSpPr txBox="1">
+            <a:spLocks noGrp="1"/>
+          </p:cNvSpPr>
           <p:nvPr>
-            <p:ph idx="1" type="body"/>
+            <p:ph type="body" idx="1"/>
           </p:nvPr>
         </p:nvSpPr>
         <p:spPr>
@@ -1276,12 +1324,12 @@
           </a:prstGeom>
         </p:spPr>
         <p:txBody>
-          <a:bodyPr anchorCtr="0" anchor="t" bIns="91425" lIns="91425" spcFirstLastPara="1" rIns="91425" wrap="square" tIns="91425">
+          <a:bodyPr spcFirstLastPara="1" wrap="square" lIns="91425" tIns="91425" rIns="91425" bIns="91425" anchor="t" anchorCtr="0">
             <a:noAutofit/>
           </a:bodyPr>
           <a:lstStyle/>
           <a:p>
-            <a:pPr indent="0" lvl="0" marL="0" rtl="0" algn="l">
+            <a:pPr marL="0" lvl="0" indent="0" algn="l" rtl="0">
               <a:spcBef>
                 <a:spcPts val="0"/>
               </a:spcBef>
@@ -1290,9 +1338,6 @@
               </a:spcAft>
               <a:buNone/>
             </a:pPr>
-            <a:r>
-              <a:t/>
-            </a:r>
             <a:endParaRPr/>
           </a:p>
         </p:txBody>
@@ -1306,11 +1351,11 @@
 </file>
 
 <file path=ppt/notesSlides/notesSlide4.xml><?xml version="1.0" encoding="utf-8"?>
-<p:notes xmlns:a="http://schemas.openxmlformats.org/drawingml/2006/main" xmlns:r="http://schemas.openxmlformats.org/officeDocument/2006/relationships" xmlns:mc="http://schemas.openxmlformats.org/markup-compatibility/2006" xmlns:mv="urn:schemas-microsoft-com:mac:vml" xmlns:p="http://schemas.openxmlformats.org/presentationml/2006/main" xmlns:c="http://schemas.openxmlformats.org/drawingml/2006/chart" xmlns:dgm="http://schemas.openxmlformats.org/drawingml/2006/diagram" xmlns:o="urn:schemas-microsoft-com:office:office" xmlns:v="urn:schemas-microsoft-com:vml" xmlns:pvml="urn:schemas-microsoft-com:office:powerpoint" xmlns:com="http://schemas.openxmlformats.org/drawingml/2006/compatibility" xmlns:p14="http://schemas.microsoft.com/office/powerpoint/2010/main" xmlns:p15="http://schemas.microsoft.com/office/powerpoint/2012/main" showMasterPhAnim="0" showMasterSp="0">
+<p:notes xmlns:a="http://schemas.openxmlformats.org/drawingml/2006/main" xmlns:r="http://schemas.openxmlformats.org/officeDocument/2006/relationships" xmlns:p="http://schemas.openxmlformats.org/presentationml/2006/main" showMasterSp="0" showMasterPhAnim="0">
   <p:cSld>
     <p:spTree>
       <p:nvGrpSpPr>
-        <p:cNvPr id="346" name="Shape 346"/>
+        <p:cNvPr id="1" name="Shape 346"/>
         <p:cNvGrpSpPr/>
         <p:nvPr/>
       </p:nvGrpSpPr>
@@ -1325,9 +1370,11 @@
       <p:sp>
         <p:nvSpPr>
           <p:cNvPr id="347" name="Google Shape;347;p:notes"/>
-          <p:cNvSpPr/>
+          <p:cNvSpPr>
+            <a:spLocks noGrp="1" noRot="1" noChangeAspect="1"/>
+          </p:cNvSpPr>
           <p:nvPr>
-            <p:ph idx="2" type="sldImg"/>
+            <p:ph type="sldImg" idx="2"/>
           </p:nvPr>
         </p:nvSpPr>
         <p:spPr>
@@ -1336,9 +1383,13 @@
             <a:ext cx="6096300" cy="3429000"/>
           </a:xfrm>
           <a:custGeom>
-            <a:rect b="b" l="l" r="r" t="t"/>
+            <a:avLst/>
+            <a:gdLst/>
+            <a:ahLst/>
+            <a:cxnLst/>
+            <a:rect l="l" t="t" r="r" b="b"/>
             <a:pathLst>
-              <a:path extrusionOk="0" h="120000" w="120000">
+              <a:path w="120000" h="120000" extrusionOk="0">
                 <a:moveTo>
                   <a:pt x="0" y="0"/>
                 </a:moveTo>
@@ -1360,9 +1411,11 @@
       <p:sp>
         <p:nvSpPr>
           <p:cNvPr id="348" name="Google Shape;348;p:notes"/>
-          <p:cNvSpPr txBox="1"/>
+          <p:cNvSpPr txBox="1">
+            <a:spLocks noGrp="1"/>
+          </p:cNvSpPr>
           <p:nvPr>
-            <p:ph idx="1" type="body"/>
+            <p:ph type="body" idx="1"/>
           </p:nvPr>
         </p:nvSpPr>
         <p:spPr>
@@ -1375,12 +1428,12 @@
           </a:prstGeom>
         </p:spPr>
         <p:txBody>
-          <a:bodyPr anchorCtr="0" anchor="t" bIns="91425" lIns="91425" spcFirstLastPara="1" rIns="91425" wrap="square" tIns="91425">
+          <a:bodyPr spcFirstLastPara="1" wrap="square" lIns="91425" tIns="91425" rIns="91425" bIns="91425" anchor="t" anchorCtr="0">
             <a:noAutofit/>
           </a:bodyPr>
           <a:lstStyle/>
           <a:p>
-            <a:pPr indent="0" lvl="0" marL="0" rtl="0" algn="l">
+            <a:pPr marL="0" lvl="0" indent="0" algn="l" rtl="0">
               <a:spcBef>
                 <a:spcPts val="0"/>
               </a:spcBef>
@@ -1389,9 +1442,6 @@
               </a:spcAft>
               <a:buNone/>
             </a:pPr>
-            <a:r>
-              <a:t/>
-            </a:r>
             <a:endParaRPr/>
           </a:p>
         </p:txBody>
@@ -1405,11 +1455,11 @@
 </file>
 
 <file path=ppt/notesSlides/notesSlide5.xml><?xml version="1.0" encoding="utf-8"?>
-<p:notes xmlns:a="http://schemas.openxmlformats.org/drawingml/2006/main" xmlns:r="http://schemas.openxmlformats.org/officeDocument/2006/relationships" xmlns:mc="http://schemas.openxmlformats.org/markup-compatibility/2006" xmlns:mv="urn:schemas-microsoft-com:mac:vml" xmlns:p="http://schemas.openxmlformats.org/presentationml/2006/main" xmlns:c="http://schemas.openxmlformats.org/drawingml/2006/chart" xmlns:dgm="http://schemas.openxmlformats.org/drawingml/2006/diagram" xmlns:o="urn:schemas-microsoft-com:office:office" xmlns:v="urn:schemas-microsoft-com:vml" xmlns:pvml="urn:schemas-microsoft-com:office:powerpoint" xmlns:com="http://schemas.openxmlformats.org/drawingml/2006/compatibility" xmlns:p14="http://schemas.microsoft.com/office/powerpoint/2010/main" xmlns:p15="http://schemas.microsoft.com/office/powerpoint/2012/main" showMasterPhAnim="0" showMasterSp="0">
+<p:notes xmlns:a="http://schemas.openxmlformats.org/drawingml/2006/main" xmlns:r="http://schemas.openxmlformats.org/officeDocument/2006/relationships" xmlns:p="http://schemas.openxmlformats.org/presentationml/2006/main" showMasterSp="0" showMasterPhAnim="0">
   <p:cSld>
     <p:spTree>
       <p:nvGrpSpPr>
-        <p:cNvPr id="353" name="Shape 353"/>
+        <p:cNvPr id="1" name="Shape 353"/>
         <p:cNvGrpSpPr/>
         <p:nvPr/>
       </p:nvGrpSpPr>
@@ -1424,20 +1474,26 @@
       <p:sp>
         <p:nvSpPr>
           <p:cNvPr id="354" name="Google Shape;354;g760e6b9b6e_0_164:notes"/>
-          <p:cNvSpPr/>
+          <p:cNvSpPr>
+            <a:spLocks noGrp="1" noRot="1" noChangeAspect="1"/>
+          </p:cNvSpPr>
           <p:nvPr>
-            <p:ph idx="2" type="sldImg"/>
+            <p:ph type="sldImg" idx="2"/>
           </p:nvPr>
         </p:nvSpPr>
         <p:spPr>
           <a:xfrm>
-            <a:off x="381175" y="685800"/>
-            <a:ext cx="6096300" cy="3429000"/>
+            <a:off x="381000" y="685800"/>
+            <a:ext cx="6096000" cy="3429000"/>
           </a:xfrm>
           <a:custGeom>
-            <a:rect b="b" l="l" r="r" t="t"/>
+            <a:avLst/>
+            <a:gdLst/>
+            <a:ahLst/>
+            <a:cxnLst/>
+            <a:rect l="l" t="t" r="r" b="b"/>
             <a:pathLst>
-              <a:path extrusionOk="0" h="120000" w="120000">
+              <a:path w="120000" h="120000" extrusionOk="0">
                 <a:moveTo>
                   <a:pt x="0" y="0"/>
                 </a:moveTo>
@@ -1459,9 +1515,11 @@
       <p:sp>
         <p:nvSpPr>
           <p:cNvPr id="355" name="Google Shape;355;g760e6b9b6e_0_164:notes"/>
-          <p:cNvSpPr txBox="1"/>
+          <p:cNvSpPr txBox="1">
+            <a:spLocks noGrp="1"/>
+          </p:cNvSpPr>
           <p:nvPr>
-            <p:ph idx="1" type="body"/>
+            <p:ph type="body" idx="1"/>
           </p:nvPr>
         </p:nvSpPr>
         <p:spPr>
@@ -1474,12 +1532,12 @@
           </a:prstGeom>
         </p:spPr>
         <p:txBody>
-          <a:bodyPr anchorCtr="0" anchor="t" bIns="91425" lIns="91425" spcFirstLastPara="1" rIns="91425" wrap="square" tIns="91425">
+          <a:bodyPr spcFirstLastPara="1" wrap="square" lIns="91425" tIns="91425" rIns="91425" bIns="91425" anchor="t" anchorCtr="0">
             <a:noAutofit/>
           </a:bodyPr>
           <a:lstStyle/>
           <a:p>
-            <a:pPr indent="0" lvl="0" marL="0" rtl="0" algn="l">
+            <a:pPr marL="0" lvl="0" indent="0" algn="l" rtl="0">
               <a:spcBef>
                 <a:spcPts val="0"/>
               </a:spcBef>
@@ -1488,9 +1546,6 @@
               </a:spcAft>
               <a:buNone/>
             </a:pPr>
-            <a:r>
-              <a:t/>
-            </a:r>
             <a:endParaRPr/>
           </a:p>
         </p:txBody>
@@ -1504,11 +1559,11 @@
 </file>
 
 <file path=ppt/notesSlides/notesSlide6.xml><?xml version="1.0" encoding="utf-8"?>
-<p:notes xmlns:a="http://schemas.openxmlformats.org/drawingml/2006/main" xmlns:r="http://schemas.openxmlformats.org/officeDocument/2006/relationships" xmlns:mc="http://schemas.openxmlformats.org/markup-compatibility/2006" xmlns:mv="urn:schemas-microsoft-com:mac:vml" xmlns:p="http://schemas.openxmlformats.org/presentationml/2006/main" xmlns:c="http://schemas.openxmlformats.org/drawingml/2006/chart" xmlns:dgm="http://schemas.openxmlformats.org/drawingml/2006/diagram" xmlns:o="urn:schemas-microsoft-com:office:office" xmlns:v="urn:schemas-microsoft-com:vml" xmlns:pvml="urn:schemas-microsoft-com:office:powerpoint" xmlns:com="http://schemas.openxmlformats.org/drawingml/2006/compatibility" xmlns:p14="http://schemas.microsoft.com/office/powerpoint/2010/main" xmlns:p15="http://schemas.microsoft.com/office/powerpoint/2012/main" showMasterPhAnim="0" showMasterSp="0">
+<p:notes xmlns:a="http://schemas.openxmlformats.org/drawingml/2006/main" xmlns:r="http://schemas.openxmlformats.org/officeDocument/2006/relationships" xmlns:p="http://schemas.openxmlformats.org/presentationml/2006/main" showMasterSp="0" showMasterPhAnim="0">
   <p:cSld>
     <p:spTree>
       <p:nvGrpSpPr>
-        <p:cNvPr id="359" name="Shape 359"/>
+        <p:cNvPr id="1" name="Shape 359"/>
         <p:cNvGrpSpPr/>
         <p:nvPr/>
       </p:nvGrpSpPr>
@@ -1523,9 +1578,11 @@
       <p:sp>
         <p:nvSpPr>
           <p:cNvPr id="360" name="Google Shape;360;g760e6b9b6e_0_44:notes"/>
-          <p:cNvSpPr/>
+          <p:cNvSpPr>
+            <a:spLocks noGrp="1" noRot="1" noChangeAspect="1"/>
+          </p:cNvSpPr>
           <p:nvPr>
-            <p:ph idx="2" type="sldImg"/>
+            <p:ph type="sldImg" idx="2"/>
           </p:nvPr>
         </p:nvSpPr>
         <p:spPr>
@@ -1534,9 +1591,13 @@
             <a:ext cx="6096300" cy="3429000"/>
           </a:xfrm>
           <a:custGeom>
-            <a:rect b="b" l="l" r="r" t="t"/>
+            <a:avLst/>
+            <a:gdLst/>
+            <a:ahLst/>
+            <a:cxnLst/>
+            <a:rect l="l" t="t" r="r" b="b"/>
             <a:pathLst>
-              <a:path extrusionOk="0" h="120000" w="120000">
+              <a:path w="120000" h="120000" extrusionOk="0">
                 <a:moveTo>
                   <a:pt x="0" y="0"/>
                 </a:moveTo>
@@ -1558,9 +1619,11 @@
       <p:sp>
         <p:nvSpPr>
           <p:cNvPr id="361" name="Google Shape;361;g760e6b9b6e_0_44:notes"/>
-          <p:cNvSpPr txBox="1"/>
+          <p:cNvSpPr txBox="1">
+            <a:spLocks noGrp="1"/>
+          </p:cNvSpPr>
           <p:nvPr>
-            <p:ph idx="1" type="body"/>
+            <p:ph type="body" idx="1"/>
           </p:nvPr>
         </p:nvSpPr>
         <p:spPr>
@@ -1573,12 +1636,12 @@
           </a:prstGeom>
         </p:spPr>
         <p:txBody>
-          <a:bodyPr anchorCtr="0" anchor="t" bIns="91425" lIns="91425" spcFirstLastPara="1" rIns="91425" wrap="square" tIns="91425">
+          <a:bodyPr spcFirstLastPara="1" wrap="square" lIns="91425" tIns="91425" rIns="91425" bIns="91425" anchor="t" anchorCtr="0">
             <a:noAutofit/>
           </a:bodyPr>
           <a:lstStyle/>
           <a:p>
-            <a:pPr indent="0" lvl="0" marL="0" rtl="0" algn="l">
+            <a:pPr marL="0" lvl="0" indent="0" algn="l" rtl="0">
               <a:spcBef>
                 <a:spcPts val="0"/>
               </a:spcBef>
@@ -1587,9 +1650,6 @@
               </a:spcAft>
               <a:buNone/>
             </a:pPr>
-            <a:r>
-              <a:t/>
-            </a:r>
             <a:endParaRPr/>
           </a:p>
         </p:txBody>
@@ -1603,11 +1663,11 @@
 </file>
 
 <file path=ppt/notesSlides/notesSlide7.xml><?xml version="1.0" encoding="utf-8"?>
-<p:notes xmlns:a="http://schemas.openxmlformats.org/drawingml/2006/main" xmlns:r="http://schemas.openxmlformats.org/officeDocument/2006/relationships" xmlns:mc="http://schemas.openxmlformats.org/markup-compatibility/2006" xmlns:mv="urn:schemas-microsoft-com:mac:vml" xmlns:p="http://schemas.openxmlformats.org/presentationml/2006/main" xmlns:c="http://schemas.openxmlformats.org/drawingml/2006/chart" xmlns:dgm="http://schemas.openxmlformats.org/drawingml/2006/diagram" xmlns:o="urn:schemas-microsoft-com:office:office" xmlns:v="urn:schemas-microsoft-com:vml" xmlns:pvml="urn:schemas-microsoft-com:office:powerpoint" xmlns:com="http://schemas.openxmlformats.org/drawingml/2006/compatibility" xmlns:p14="http://schemas.microsoft.com/office/powerpoint/2010/main" xmlns:p15="http://schemas.microsoft.com/office/powerpoint/2012/main" showMasterPhAnim="0" showMasterSp="0">
+<p:notes xmlns:a="http://schemas.openxmlformats.org/drawingml/2006/main" xmlns:r="http://schemas.openxmlformats.org/officeDocument/2006/relationships" xmlns:p="http://schemas.openxmlformats.org/presentationml/2006/main" showMasterSp="0" showMasterPhAnim="0">
   <p:cSld>
     <p:spTree>
       <p:nvGrpSpPr>
-        <p:cNvPr id="366" name="Shape 366"/>
+        <p:cNvPr id="1" name="Shape 366"/>
         <p:cNvGrpSpPr/>
         <p:nvPr/>
       </p:nvGrpSpPr>
@@ -1622,9 +1682,11 @@
       <p:sp>
         <p:nvSpPr>
           <p:cNvPr id="367" name="Google Shape;367;g760e6b9b6e_0_58:notes"/>
-          <p:cNvSpPr/>
+          <p:cNvSpPr>
+            <a:spLocks noGrp="1" noRot="1" noChangeAspect="1"/>
+          </p:cNvSpPr>
           <p:nvPr>
-            <p:ph idx="2" type="sldImg"/>
+            <p:ph type="sldImg" idx="2"/>
           </p:nvPr>
         </p:nvSpPr>
         <p:spPr>
@@ -1633,9 +1695,13 @@
             <a:ext cx="6096300" cy="3429000"/>
           </a:xfrm>
           <a:custGeom>
-            <a:rect b="b" l="l" r="r" t="t"/>
+            <a:avLst/>
+            <a:gdLst/>
+            <a:ahLst/>
+            <a:cxnLst/>
+            <a:rect l="l" t="t" r="r" b="b"/>
             <a:pathLst>
-              <a:path extrusionOk="0" h="120000" w="120000">
+              <a:path w="120000" h="120000" extrusionOk="0">
                 <a:moveTo>
                   <a:pt x="0" y="0"/>
                 </a:moveTo>
@@ -1657,9 +1723,11 @@
       <p:sp>
         <p:nvSpPr>
           <p:cNvPr id="368" name="Google Shape;368;g760e6b9b6e_0_58:notes"/>
-          <p:cNvSpPr txBox="1"/>
+          <p:cNvSpPr txBox="1">
+            <a:spLocks noGrp="1"/>
+          </p:cNvSpPr>
           <p:nvPr>
-            <p:ph idx="1" type="body"/>
+            <p:ph type="body" idx="1"/>
           </p:nvPr>
         </p:nvSpPr>
         <p:spPr>
@@ -1672,12 +1740,12 @@
           </a:prstGeom>
         </p:spPr>
         <p:txBody>
-          <a:bodyPr anchorCtr="0" anchor="t" bIns="91425" lIns="91425" spcFirstLastPara="1" rIns="91425" wrap="square" tIns="91425">
+          <a:bodyPr spcFirstLastPara="1" wrap="square" lIns="91425" tIns="91425" rIns="91425" bIns="91425" anchor="t" anchorCtr="0">
             <a:noAutofit/>
           </a:bodyPr>
           <a:lstStyle/>
           <a:p>
-            <a:pPr indent="0" lvl="0" marL="0" rtl="0" algn="l">
+            <a:pPr marL="0" lvl="0" indent="0" algn="l" rtl="0">
               <a:spcBef>
                 <a:spcPts val="0"/>
               </a:spcBef>
@@ -1686,9 +1754,6 @@
               </a:spcAft>
               <a:buNone/>
             </a:pPr>
-            <a:r>
-              <a:t/>
-            </a:r>
             <a:endParaRPr/>
           </a:p>
         </p:txBody>
@@ -1702,11 +1767,11 @@
 </file>
 
 <file path=ppt/notesSlides/notesSlide8.xml><?xml version="1.0" encoding="utf-8"?>
-<p:notes xmlns:a="http://schemas.openxmlformats.org/drawingml/2006/main" xmlns:r="http://schemas.openxmlformats.org/officeDocument/2006/relationships" xmlns:mc="http://schemas.openxmlformats.org/markup-compatibility/2006" xmlns:mv="urn:schemas-microsoft-com:mac:vml" xmlns:p="http://schemas.openxmlformats.org/presentationml/2006/main" xmlns:c="http://schemas.openxmlformats.org/drawingml/2006/chart" xmlns:dgm="http://schemas.openxmlformats.org/drawingml/2006/diagram" xmlns:o="urn:schemas-microsoft-com:office:office" xmlns:v="urn:schemas-microsoft-com:vml" xmlns:pvml="urn:schemas-microsoft-com:office:powerpoint" xmlns:com="http://schemas.openxmlformats.org/drawingml/2006/compatibility" xmlns:p14="http://schemas.microsoft.com/office/powerpoint/2010/main" xmlns:p15="http://schemas.microsoft.com/office/powerpoint/2012/main" showMasterPhAnim="0" showMasterSp="0">
+<p:notes xmlns:a="http://schemas.openxmlformats.org/drawingml/2006/main" xmlns:r="http://schemas.openxmlformats.org/officeDocument/2006/relationships" xmlns:p="http://schemas.openxmlformats.org/presentationml/2006/main" showMasterSp="0" showMasterPhAnim="0">
   <p:cSld>
     <p:spTree>
       <p:nvGrpSpPr>
-        <p:cNvPr id="374" name="Shape 374"/>
+        <p:cNvPr id="1" name="Shape 374"/>
         <p:cNvGrpSpPr/>
         <p:nvPr/>
       </p:nvGrpSpPr>
@@ -1721,9 +1786,11 @@
       <p:sp>
         <p:nvSpPr>
           <p:cNvPr id="375" name="Google Shape;375;g760e6b9b6e_0_65:notes"/>
-          <p:cNvSpPr/>
+          <p:cNvSpPr>
+            <a:spLocks noGrp="1" noRot="1" noChangeAspect="1"/>
+          </p:cNvSpPr>
           <p:nvPr>
-            <p:ph idx="2" type="sldImg"/>
+            <p:ph type="sldImg" idx="2"/>
           </p:nvPr>
         </p:nvSpPr>
         <p:spPr>
@@ -1732,9 +1799,13 @@
             <a:ext cx="6096300" cy="3429000"/>
           </a:xfrm>
           <a:custGeom>
-            <a:rect b="b" l="l" r="r" t="t"/>
+            <a:avLst/>
+            <a:gdLst/>
+            <a:ahLst/>
+            <a:cxnLst/>
+            <a:rect l="l" t="t" r="r" b="b"/>
             <a:pathLst>
-              <a:path extrusionOk="0" h="120000" w="120000">
+              <a:path w="120000" h="120000" extrusionOk="0">
                 <a:moveTo>
                   <a:pt x="0" y="0"/>
                 </a:moveTo>
@@ -1756,9 +1827,11 @@
       <p:sp>
         <p:nvSpPr>
           <p:cNvPr id="376" name="Google Shape;376;g760e6b9b6e_0_65:notes"/>
-          <p:cNvSpPr txBox="1"/>
+          <p:cNvSpPr txBox="1">
+            <a:spLocks noGrp="1"/>
+          </p:cNvSpPr>
           <p:nvPr>
-            <p:ph idx="1" type="body"/>
+            <p:ph type="body" idx="1"/>
           </p:nvPr>
         </p:nvSpPr>
         <p:spPr>
@@ -1771,12 +1844,12 @@
           </a:prstGeom>
         </p:spPr>
         <p:txBody>
-          <a:bodyPr anchorCtr="0" anchor="t" bIns="91425" lIns="91425" spcFirstLastPara="1" rIns="91425" wrap="square" tIns="91425">
+          <a:bodyPr spcFirstLastPara="1" wrap="square" lIns="91425" tIns="91425" rIns="91425" bIns="91425" anchor="t" anchorCtr="0">
             <a:noAutofit/>
           </a:bodyPr>
           <a:lstStyle/>
           <a:p>
-            <a:pPr indent="0" lvl="0" marL="0" rtl="0" algn="l">
+            <a:pPr marL="0" lvl="0" indent="0" algn="l" rtl="0">
               <a:spcBef>
                 <a:spcPts val="0"/>
               </a:spcBef>
@@ -1785,9 +1858,6 @@
               </a:spcAft>
               <a:buNone/>
             </a:pPr>
-            <a:r>
-              <a:t/>
-            </a:r>
             <a:endParaRPr/>
           </a:p>
         </p:txBody>
@@ -1801,11 +1871,11 @@
 </file>
 
 <file path=ppt/notesSlides/notesSlide9.xml><?xml version="1.0" encoding="utf-8"?>
-<p:notes xmlns:a="http://schemas.openxmlformats.org/drawingml/2006/main" xmlns:r="http://schemas.openxmlformats.org/officeDocument/2006/relationships" xmlns:mc="http://schemas.openxmlformats.org/markup-compatibility/2006" xmlns:mv="urn:schemas-microsoft-com:mac:vml" xmlns:p="http://schemas.openxmlformats.org/presentationml/2006/main" xmlns:c="http://schemas.openxmlformats.org/drawingml/2006/chart" xmlns:dgm="http://schemas.openxmlformats.org/drawingml/2006/diagram" xmlns:o="urn:schemas-microsoft-com:office:office" xmlns:v="urn:schemas-microsoft-com:vml" xmlns:pvml="urn:schemas-microsoft-com:office:powerpoint" xmlns:com="http://schemas.openxmlformats.org/drawingml/2006/compatibility" xmlns:p14="http://schemas.microsoft.com/office/powerpoint/2010/main" xmlns:p15="http://schemas.microsoft.com/office/powerpoint/2012/main" showMasterPhAnim="0" showMasterSp="0">
+<p:notes xmlns:a="http://schemas.openxmlformats.org/drawingml/2006/main" xmlns:r="http://schemas.openxmlformats.org/officeDocument/2006/relationships" xmlns:p="http://schemas.openxmlformats.org/presentationml/2006/main" showMasterSp="0" showMasterPhAnim="0">
   <p:cSld>
     <p:spTree>
       <p:nvGrpSpPr>
-        <p:cNvPr id="382" name="Shape 382"/>
+        <p:cNvPr id="1" name="Shape 382"/>
         <p:cNvGrpSpPr/>
         <p:nvPr/>
       </p:nvGrpSpPr>
@@ -1820,9 +1890,11 @@
       <p:sp>
         <p:nvSpPr>
           <p:cNvPr id="383" name="Google Shape;383;g760e6b9b6e_0_169:notes"/>
-          <p:cNvSpPr/>
+          <p:cNvSpPr>
+            <a:spLocks noGrp="1" noRot="1" noChangeAspect="1"/>
+          </p:cNvSpPr>
           <p:nvPr>
-            <p:ph idx="2" type="sldImg"/>
+            <p:ph type="sldImg" idx="2"/>
           </p:nvPr>
         </p:nvSpPr>
         <p:spPr>
@@ -1831,9 +1903,13 @@
             <a:ext cx="6096300" cy="3429000"/>
           </a:xfrm>
           <a:custGeom>
-            <a:rect b="b" l="l" r="r" t="t"/>
+            <a:avLst/>
+            <a:gdLst/>
+            <a:ahLst/>
+            <a:cxnLst/>
+            <a:rect l="l" t="t" r="r" b="b"/>
             <a:pathLst>
-              <a:path extrusionOk="0" h="120000" w="120000">
+              <a:path w="120000" h="120000" extrusionOk="0">
                 <a:moveTo>
                   <a:pt x="0" y="0"/>
                 </a:moveTo>
@@ -1855,9 +1931,11 @@
       <p:sp>
         <p:nvSpPr>
           <p:cNvPr id="384" name="Google Shape;384;g760e6b9b6e_0_169:notes"/>
-          <p:cNvSpPr txBox="1"/>
+          <p:cNvSpPr txBox="1">
+            <a:spLocks noGrp="1"/>
+          </p:cNvSpPr>
           <p:nvPr>
-            <p:ph idx="1" type="body"/>
+            <p:ph type="body" idx="1"/>
           </p:nvPr>
         </p:nvSpPr>
         <p:spPr>
@@ -1870,12 +1948,12 @@
           </a:prstGeom>
         </p:spPr>
         <p:txBody>
-          <a:bodyPr anchorCtr="0" anchor="t" bIns="91425" lIns="91425" spcFirstLastPara="1" rIns="91425" wrap="square" tIns="91425">
+          <a:bodyPr spcFirstLastPara="1" wrap="square" lIns="91425" tIns="91425" rIns="91425" bIns="91425" anchor="t" anchorCtr="0">
             <a:noAutofit/>
           </a:bodyPr>
           <a:lstStyle/>
           <a:p>
-            <a:pPr indent="0" lvl="0" marL="0" rtl="0" algn="l">
+            <a:pPr marL="0" lvl="0" indent="0" algn="l" rtl="0">
               <a:spcBef>
                 <a:spcPts val="0"/>
               </a:spcBef>
@@ -1884,9 +1962,6 @@
               </a:spcAft>
               <a:buNone/>
             </a:pPr>
-            <a:r>
-              <a:t/>
-            </a:r>
             <a:endParaRPr/>
           </a:p>
         </p:txBody>
@@ -1900,11 +1975,11 @@
 </file>
 
 <file path=ppt/slideLayouts/slideLayout1.xml><?xml version="1.0" encoding="utf-8"?>
-<p:sldLayout xmlns:a="http://schemas.openxmlformats.org/drawingml/2006/main" xmlns:r="http://schemas.openxmlformats.org/officeDocument/2006/relationships" xmlns:mc="http://schemas.openxmlformats.org/markup-compatibility/2006" xmlns:mv="urn:schemas-microsoft-com:mac:vml" xmlns:p="http://schemas.openxmlformats.org/presentationml/2006/main" xmlns:c="http://schemas.openxmlformats.org/drawingml/2006/chart" xmlns:dgm="http://schemas.openxmlformats.org/drawingml/2006/diagram" xmlns:o="urn:schemas-microsoft-com:office:office" xmlns:v="urn:schemas-microsoft-com:vml" xmlns:pvml="urn:schemas-microsoft-com:office:powerpoint" xmlns:com="http://schemas.openxmlformats.org/drawingml/2006/compatibility" xmlns:p14="http://schemas.microsoft.com/office/powerpoint/2010/main" xmlns:p15="http://schemas.microsoft.com/office/powerpoint/2012/main" matchingName="Title" type="title">
+<p:sldLayout xmlns:a="http://schemas.openxmlformats.org/drawingml/2006/main" xmlns:r="http://schemas.openxmlformats.org/officeDocument/2006/relationships" xmlns:p="http://schemas.openxmlformats.org/presentationml/2006/main" matchingName="Title" type="title">
   <p:cSld name="TITLE">
     <p:spTree>
       <p:nvGrpSpPr>
-        <p:cNvPr id="9" name="Shape 9"/>
+        <p:cNvPr id="1" name="Shape 9"/>
         <p:cNvGrpSpPr/>
         <p:nvPr/>
       </p:nvGrpSpPr>
@@ -2429,7 +2504,9 @@
       <p:sp>
         <p:nvSpPr>
           <p:cNvPr id="31" name="Google Shape;31;p2"/>
-          <p:cNvSpPr txBox="1"/>
+          <p:cNvSpPr txBox="1">
+            <a:spLocks noGrp="1"/>
+          </p:cNvSpPr>
           <p:nvPr>
             <p:ph type="ctrTitle"/>
           </p:nvPr>
@@ -2444,7 +2521,7 @@
           </a:prstGeom>
         </p:spPr>
         <p:txBody>
-          <a:bodyPr anchorCtr="0" anchor="ctr" bIns="0" lIns="0" spcFirstLastPara="1" rIns="0" wrap="square" tIns="0">
+          <a:bodyPr spcFirstLastPara="1" wrap="square" lIns="0" tIns="0" rIns="0" bIns="0" anchor="ctr" anchorCtr="0">
             <a:noAutofit/>
           </a:bodyPr>
           <a:lstStyle>
@@ -2548,7 +2625,9 @@
               <a:defRPr sz="4800"/>
             </a:lvl9pPr>
           </a:lstStyle>
-          <a:p/>
+          <a:p>
+            <a:endParaRPr/>
+          </a:p>
         </p:txBody>
       </p:sp>
       <p:grpSp>
@@ -2745,11 +2824,11 @@
 </file>
 
 <file path=ppt/slideLayouts/slideLayout10.xml><?xml version="1.0" encoding="utf-8"?>
-<p:sldLayout xmlns:a="http://schemas.openxmlformats.org/drawingml/2006/main" xmlns:r="http://schemas.openxmlformats.org/officeDocument/2006/relationships" xmlns:mc="http://schemas.openxmlformats.org/markup-compatibility/2006" xmlns:mv="urn:schemas-microsoft-com:mac:vml" xmlns:p="http://schemas.openxmlformats.org/presentationml/2006/main" xmlns:c="http://schemas.openxmlformats.org/drawingml/2006/chart" xmlns:dgm="http://schemas.openxmlformats.org/drawingml/2006/diagram" xmlns:o="urn:schemas-microsoft-com:office:office" xmlns:v="urn:schemas-microsoft-com:vml" xmlns:pvml="urn:schemas-microsoft-com:office:powerpoint" xmlns:com="http://schemas.openxmlformats.org/drawingml/2006/compatibility" xmlns:p14="http://schemas.microsoft.com/office/powerpoint/2010/main" xmlns:p15="http://schemas.microsoft.com/office/powerpoint/2012/main" matchingName="Blank">
+<p:sldLayout xmlns:a="http://schemas.openxmlformats.org/drawingml/2006/main" xmlns:r="http://schemas.openxmlformats.org/officeDocument/2006/relationships" xmlns:p="http://schemas.openxmlformats.org/presentationml/2006/main" matchingName="Blank">
   <p:cSld name="BLANK_1">
     <p:spTree>
       <p:nvGrpSpPr>
-        <p:cNvPr id="279" name="Shape 279"/>
+        <p:cNvPr id="1" name="Shape 279"/>
         <p:cNvGrpSpPr/>
         <p:nvPr/>
       </p:nvGrpSpPr>
@@ -2764,9 +2843,11 @@
       <p:sp>
         <p:nvSpPr>
           <p:cNvPr id="280" name="Google Shape;280;p11"/>
-          <p:cNvSpPr txBox="1"/>
+          <p:cNvSpPr txBox="1">
+            <a:spLocks noGrp="1"/>
+          </p:cNvSpPr>
           <p:nvPr>
-            <p:ph idx="12" type="sldNum"/>
+            <p:ph type="sldNum" idx="12"/>
           </p:nvPr>
         </p:nvSpPr>
         <p:spPr>
@@ -2779,7 +2860,7 @@
           </a:prstGeom>
         </p:spPr>
         <p:txBody>
-          <a:bodyPr anchorCtr="0" anchor="ctr" bIns="0" lIns="0" spcFirstLastPara="1" rIns="0" wrap="square" tIns="0">
+          <a:bodyPr spcFirstLastPara="1" wrap="square" lIns="0" tIns="0" rIns="0" bIns="0" anchor="ctr" anchorCtr="0">
             <a:noAutofit/>
           </a:bodyPr>
           <a:lstStyle>
@@ -2821,7 +2902,7 @@
             </a:lvl9pPr>
           </a:lstStyle>
           <a:p>
-            <a:pPr indent="0" lvl="0" marL="0" rtl="0" algn="ctr">
+            <a:pPr marL="0" lvl="0" indent="0" algn="ctr" rtl="0">
               <a:spcBef>
                 <a:spcPts val="0"/>
               </a:spcBef>
@@ -3471,11 +3552,11 @@
 </file>
 
 <file path=ppt/slideLayouts/slideLayout2.xml><?xml version="1.0" encoding="utf-8"?>
-<p:sldLayout xmlns:a="http://schemas.openxmlformats.org/drawingml/2006/main" xmlns:r="http://schemas.openxmlformats.org/officeDocument/2006/relationships" xmlns:mc="http://schemas.openxmlformats.org/markup-compatibility/2006" xmlns:mv="urn:schemas-microsoft-com:mac:vml" xmlns:p="http://schemas.openxmlformats.org/presentationml/2006/main" xmlns:c="http://schemas.openxmlformats.org/drawingml/2006/chart" xmlns:dgm="http://schemas.openxmlformats.org/drawingml/2006/diagram" xmlns:o="urn:schemas-microsoft-com:office:office" xmlns:v="urn:schemas-microsoft-com:vml" xmlns:pvml="urn:schemas-microsoft-com:office:powerpoint" xmlns:com="http://schemas.openxmlformats.org/drawingml/2006/compatibility" xmlns:p14="http://schemas.microsoft.com/office/powerpoint/2010/main" xmlns:p15="http://schemas.microsoft.com/office/powerpoint/2012/main" matchingName="Subtitle">
+<p:sldLayout xmlns:a="http://schemas.openxmlformats.org/drawingml/2006/main" xmlns:r="http://schemas.openxmlformats.org/officeDocument/2006/relationships" xmlns:p="http://schemas.openxmlformats.org/presentationml/2006/main" matchingName="Subtitle">
   <p:cSld name="TITLE_1">
     <p:spTree>
       <p:nvGrpSpPr>
-        <p:cNvPr id="40" name="Shape 40"/>
+        <p:cNvPr id="1" name="Shape 40"/>
         <p:cNvGrpSpPr/>
         <p:nvPr/>
       </p:nvGrpSpPr>
@@ -4185,7 +4266,9 @@
       <p:sp>
         <p:nvSpPr>
           <p:cNvPr id="70" name="Google Shape;70;p3"/>
-          <p:cNvSpPr txBox="1"/>
+          <p:cNvSpPr txBox="1">
+            <a:spLocks noGrp="1"/>
+          </p:cNvSpPr>
           <p:nvPr>
             <p:ph type="ctrTitle"/>
           </p:nvPr>
@@ -4200,7 +4283,7 @@
           </a:prstGeom>
         </p:spPr>
         <p:txBody>
-          <a:bodyPr anchorCtr="0" anchor="b" bIns="0" lIns="0" spcFirstLastPara="1" rIns="0" wrap="square" tIns="0">
+          <a:bodyPr spcFirstLastPara="1" wrap="square" lIns="0" tIns="0" rIns="0" bIns="0" anchor="b" anchorCtr="0">
             <a:noAutofit/>
           </a:bodyPr>
           <a:lstStyle>
@@ -4304,15 +4387,19 @@
               <a:defRPr sz="4000"/>
             </a:lvl9pPr>
           </a:lstStyle>
-          <a:p/>
+          <a:p>
+            <a:endParaRPr/>
+          </a:p>
         </p:txBody>
       </p:sp>
       <p:sp>
         <p:nvSpPr>
           <p:cNvPr id="71" name="Google Shape;71;p3"/>
-          <p:cNvSpPr txBox="1"/>
+          <p:cNvSpPr txBox="1">
+            <a:spLocks noGrp="1"/>
+          </p:cNvSpPr>
           <p:nvPr>
-            <p:ph idx="1" type="subTitle"/>
+            <p:ph type="subTitle" idx="1"/>
           </p:nvPr>
         </p:nvSpPr>
         <p:spPr>
@@ -4325,7 +4412,7 @@
           </a:prstGeom>
         </p:spPr>
         <p:txBody>
-          <a:bodyPr anchorCtr="0" anchor="t" bIns="0" lIns="0" spcFirstLastPara="1" rIns="0" wrap="square" tIns="0">
+          <a:bodyPr spcFirstLastPara="1" wrap="square" lIns="0" tIns="0" rIns="0" bIns="0" anchor="t" anchorCtr="0">
             <a:noAutofit/>
           </a:bodyPr>
           <a:lstStyle>
@@ -4492,7 +4579,9 @@
               </a:defRPr>
             </a:lvl9pPr>
           </a:lstStyle>
-          <a:p/>
+          <a:p>
+            <a:endParaRPr/>
+          </a:p>
         </p:txBody>
       </p:sp>
     </p:spTree>
@@ -4504,11 +4593,11 @@
 </file>
 
 <file path=ppt/slideLayouts/slideLayout3.xml><?xml version="1.0" encoding="utf-8"?>
-<p:sldLayout xmlns:a="http://schemas.openxmlformats.org/drawingml/2006/main" xmlns:r="http://schemas.openxmlformats.org/officeDocument/2006/relationships" xmlns:mc="http://schemas.openxmlformats.org/markup-compatibility/2006" xmlns:mv="urn:schemas-microsoft-com:mac:vml" xmlns:p="http://schemas.openxmlformats.org/presentationml/2006/main" xmlns:c="http://schemas.openxmlformats.org/drawingml/2006/chart" xmlns:dgm="http://schemas.openxmlformats.org/drawingml/2006/diagram" xmlns:o="urn:schemas-microsoft-com:office:office" xmlns:v="urn:schemas-microsoft-com:vml" xmlns:pvml="urn:schemas-microsoft-com:office:powerpoint" xmlns:com="http://schemas.openxmlformats.org/drawingml/2006/compatibility" xmlns:p14="http://schemas.microsoft.com/office/powerpoint/2010/main" xmlns:p15="http://schemas.microsoft.com/office/powerpoint/2012/main" matchingName="Quote">
+<p:sldLayout xmlns:a="http://schemas.openxmlformats.org/drawingml/2006/main" xmlns:r="http://schemas.openxmlformats.org/officeDocument/2006/relationships" xmlns:p="http://schemas.openxmlformats.org/presentationml/2006/main" matchingName="Quote">
   <p:cSld name="TITLE_1_1">
     <p:spTree>
       <p:nvGrpSpPr>
-        <p:cNvPr id="72" name="Shape 72"/>
+        <p:cNvPr id="1" name="Shape 72"/>
         <p:cNvGrpSpPr/>
         <p:nvPr/>
       </p:nvGrpSpPr>
@@ -5485,9 +5574,11 @@
       <p:sp>
         <p:nvSpPr>
           <p:cNvPr id="112" name="Google Shape;112;p4"/>
-          <p:cNvSpPr txBox="1"/>
+          <p:cNvSpPr txBox="1">
+            <a:spLocks noGrp="1"/>
+          </p:cNvSpPr>
           <p:nvPr>
-            <p:ph idx="1" type="body"/>
+            <p:ph type="body" idx="1"/>
           </p:nvPr>
         </p:nvSpPr>
         <p:spPr>
@@ -5500,11 +5591,11 @@
           </a:prstGeom>
         </p:spPr>
         <p:txBody>
-          <a:bodyPr anchorCtr="0" anchor="ctr" bIns="0" lIns="0" spcFirstLastPara="1" rIns="0" wrap="square" tIns="0">
+          <a:bodyPr spcFirstLastPara="1" wrap="square" lIns="0" tIns="0" rIns="0" bIns="0" anchor="ctr" anchorCtr="0">
             <a:noAutofit/>
           </a:bodyPr>
           <a:lstStyle>
-            <a:lvl1pPr indent="-381000" lvl="0" marL="457200" rtl="0" algn="ctr">
+            <a:lvl1pPr marL="457200" lvl="0" indent="-381000" algn="ctr" rtl="0">
               <a:spcBef>
                 <a:spcPts val="600"/>
               </a:spcBef>
@@ -5514,14 +5605,14 @@
               <a:buSzPts val="2400"/>
               <a:buFont typeface="Montserrat"/>
               <a:buChar char="❑"/>
-              <a:defRPr b="1" sz="2400">
+              <a:defRPr sz="2400" b="1">
                 <a:latin typeface="Montserrat"/>
                 <a:ea typeface="Montserrat"/>
                 <a:cs typeface="Montserrat"/>
                 <a:sym typeface="Montserrat"/>
               </a:defRPr>
             </a:lvl1pPr>
-            <a:lvl2pPr indent="-381000" lvl="1" marL="914400" rtl="0" algn="ctr">
+            <a:lvl2pPr marL="914400" lvl="1" indent="-381000" algn="ctr" rtl="0">
               <a:spcBef>
                 <a:spcPts val="600"/>
               </a:spcBef>
@@ -5531,14 +5622,14 @@
               <a:buSzPts val="2400"/>
               <a:buFont typeface="Montserrat"/>
               <a:buChar char="❏"/>
-              <a:defRPr b="1" sz="2400">
+              <a:defRPr sz="2400" b="1">
                 <a:latin typeface="Montserrat"/>
                 <a:ea typeface="Montserrat"/>
                 <a:cs typeface="Montserrat"/>
                 <a:sym typeface="Montserrat"/>
               </a:defRPr>
             </a:lvl2pPr>
-            <a:lvl3pPr indent="-381000" lvl="2" marL="1371600" rtl="0" algn="ctr">
+            <a:lvl3pPr marL="1371600" lvl="2" indent="-381000" algn="ctr" rtl="0">
               <a:spcBef>
                 <a:spcPts val="600"/>
               </a:spcBef>
@@ -5548,14 +5639,14 @@
               <a:buSzPts val="2400"/>
               <a:buFont typeface="Montserrat"/>
               <a:buChar char="❏"/>
-              <a:defRPr b="1" sz="2400">
+              <a:defRPr sz="2400" b="1">
                 <a:latin typeface="Montserrat"/>
                 <a:ea typeface="Montserrat"/>
                 <a:cs typeface="Montserrat"/>
                 <a:sym typeface="Montserrat"/>
               </a:defRPr>
             </a:lvl3pPr>
-            <a:lvl4pPr indent="-381000" lvl="3" marL="1828800" rtl="0" algn="ctr">
+            <a:lvl4pPr marL="1828800" lvl="3" indent="-381000" algn="ctr" rtl="0">
               <a:spcBef>
                 <a:spcPts val="600"/>
               </a:spcBef>
@@ -5565,14 +5656,14 @@
               <a:buSzPts val="2400"/>
               <a:buFont typeface="Montserrat"/>
               <a:buChar char="❏"/>
-              <a:defRPr b="1" sz="2400">
+              <a:defRPr sz="2400" b="1">
                 <a:latin typeface="Montserrat"/>
                 <a:ea typeface="Montserrat"/>
                 <a:cs typeface="Montserrat"/>
                 <a:sym typeface="Montserrat"/>
               </a:defRPr>
             </a:lvl4pPr>
-            <a:lvl5pPr indent="-381000" lvl="4" marL="2286000" rtl="0" algn="ctr">
+            <a:lvl5pPr marL="2286000" lvl="4" indent="-381000" algn="ctr" rtl="0">
               <a:spcBef>
                 <a:spcPts val="600"/>
               </a:spcBef>
@@ -5582,14 +5673,14 @@
               <a:buSzPts val="2400"/>
               <a:buFont typeface="Montserrat"/>
               <a:buChar char="❏"/>
-              <a:defRPr b="1" sz="2400">
+              <a:defRPr sz="2400" b="1">
                 <a:latin typeface="Montserrat"/>
                 <a:ea typeface="Montserrat"/>
                 <a:cs typeface="Montserrat"/>
                 <a:sym typeface="Montserrat"/>
               </a:defRPr>
             </a:lvl5pPr>
-            <a:lvl6pPr indent="-381000" lvl="5" marL="2743200" rtl="0" algn="ctr">
+            <a:lvl6pPr marL="2743200" lvl="5" indent="-381000" algn="ctr" rtl="0">
               <a:spcBef>
                 <a:spcPts val="600"/>
               </a:spcBef>
@@ -5599,14 +5690,14 @@
               <a:buSzPts val="2400"/>
               <a:buFont typeface="Montserrat"/>
               <a:buChar char="❏"/>
-              <a:defRPr b="1" sz="2400">
+              <a:defRPr sz="2400" b="1">
                 <a:latin typeface="Montserrat"/>
                 <a:ea typeface="Montserrat"/>
                 <a:cs typeface="Montserrat"/>
                 <a:sym typeface="Montserrat"/>
               </a:defRPr>
             </a:lvl6pPr>
-            <a:lvl7pPr indent="-381000" lvl="6" marL="3200400" rtl="0" algn="ctr">
+            <a:lvl7pPr marL="3200400" lvl="6" indent="-381000" algn="ctr" rtl="0">
               <a:spcBef>
                 <a:spcPts val="600"/>
               </a:spcBef>
@@ -5616,14 +5707,14 @@
               <a:buSzPts val="2400"/>
               <a:buFont typeface="Montserrat"/>
               <a:buChar char="❏"/>
-              <a:defRPr b="1" sz="2400">
+              <a:defRPr sz="2400" b="1">
                 <a:latin typeface="Montserrat"/>
                 <a:ea typeface="Montserrat"/>
                 <a:cs typeface="Montserrat"/>
                 <a:sym typeface="Montserrat"/>
               </a:defRPr>
             </a:lvl7pPr>
-            <a:lvl8pPr indent="-381000" lvl="7" marL="3657600" rtl="0" algn="ctr">
+            <a:lvl8pPr marL="3657600" lvl="7" indent="-381000" algn="ctr" rtl="0">
               <a:spcBef>
                 <a:spcPts val="600"/>
               </a:spcBef>
@@ -5633,14 +5724,14 @@
               <a:buSzPts val="2400"/>
               <a:buFont typeface="Montserrat"/>
               <a:buChar char="❏"/>
-              <a:defRPr b="1" sz="2400">
+              <a:defRPr sz="2400" b="1">
                 <a:latin typeface="Montserrat"/>
                 <a:ea typeface="Montserrat"/>
                 <a:cs typeface="Montserrat"/>
                 <a:sym typeface="Montserrat"/>
               </a:defRPr>
             </a:lvl8pPr>
-            <a:lvl9pPr indent="-381000" lvl="8" marL="4114800" algn="ctr">
+            <a:lvl9pPr marL="4114800" lvl="8" indent="-381000" algn="ctr">
               <a:spcBef>
                 <a:spcPts val="600"/>
               </a:spcBef>
@@ -5650,7 +5741,7 @@
               <a:buSzPts val="2400"/>
               <a:buFont typeface="Montserrat"/>
               <a:buChar char="❏"/>
-              <a:defRPr b="1" sz="2400">
+              <a:defRPr sz="2400" b="1">
                 <a:latin typeface="Montserrat"/>
                 <a:ea typeface="Montserrat"/>
                 <a:cs typeface="Montserrat"/>
@@ -5658,15 +5749,19 @@
               </a:defRPr>
             </a:lvl9pPr>
           </a:lstStyle>
-          <a:p/>
+          <a:p>
+            <a:endParaRPr/>
+          </a:p>
         </p:txBody>
       </p:sp>
       <p:sp>
         <p:nvSpPr>
           <p:cNvPr id="113" name="Google Shape;113;p4"/>
-          <p:cNvSpPr txBox="1"/>
+          <p:cNvSpPr txBox="1">
+            <a:spLocks noGrp="1"/>
+          </p:cNvSpPr>
           <p:nvPr>
-            <p:ph idx="12" type="sldNum"/>
+            <p:ph type="sldNum" idx="12"/>
           </p:nvPr>
         </p:nvSpPr>
         <p:spPr>
@@ -5679,7 +5774,7 @@
           </a:prstGeom>
         </p:spPr>
         <p:txBody>
-          <a:bodyPr anchorCtr="0" anchor="ctr" bIns="0" lIns="0" spcFirstLastPara="1" rIns="0" wrap="square" tIns="0">
+          <a:bodyPr spcFirstLastPara="1" wrap="square" lIns="0" tIns="0" rIns="0" bIns="0" anchor="ctr" anchorCtr="0">
             <a:noAutofit/>
           </a:bodyPr>
           <a:lstStyle>
@@ -5721,7 +5816,7 @@
             </a:lvl9pPr>
           </a:lstStyle>
           <a:p>
-            <a:pPr indent="0" lvl="0" marL="0" rtl="0" algn="ctr">
+            <a:pPr marL="0" lvl="0" indent="0" algn="ctr" rtl="0">
               <a:spcBef>
                 <a:spcPts val="0"/>
               </a:spcBef>
@@ -5747,11 +5842,11 @@
 </file>
 
 <file path=ppt/slideLayouts/slideLayout4.xml><?xml version="1.0" encoding="utf-8"?>
-<p:sldLayout xmlns:a="http://schemas.openxmlformats.org/drawingml/2006/main" xmlns:r="http://schemas.openxmlformats.org/officeDocument/2006/relationships" xmlns:mc="http://schemas.openxmlformats.org/markup-compatibility/2006" xmlns:mv="urn:schemas-microsoft-com:mac:vml" xmlns:p="http://schemas.openxmlformats.org/presentationml/2006/main" xmlns:c="http://schemas.openxmlformats.org/drawingml/2006/chart" xmlns:dgm="http://schemas.openxmlformats.org/drawingml/2006/diagram" xmlns:o="urn:schemas-microsoft-com:office:office" xmlns:v="urn:schemas-microsoft-com:vml" xmlns:pvml="urn:schemas-microsoft-com:office:powerpoint" xmlns:com="http://schemas.openxmlformats.org/drawingml/2006/compatibility" xmlns:p14="http://schemas.microsoft.com/office/powerpoint/2010/main" xmlns:p15="http://schemas.microsoft.com/office/powerpoint/2012/main" matchingName="Title + 1 column" type="tx">
+<p:sldLayout xmlns:a="http://schemas.openxmlformats.org/drawingml/2006/main" xmlns:r="http://schemas.openxmlformats.org/officeDocument/2006/relationships" xmlns:p="http://schemas.openxmlformats.org/presentationml/2006/main" matchingName="Title + 1 column" type="tx">
   <p:cSld name="TITLE_AND_BODY">
     <p:spTree>
       <p:nvGrpSpPr>
-        <p:cNvPr id="114" name="Shape 114"/>
+        <p:cNvPr id="1" name="Shape 114"/>
         <p:cNvGrpSpPr/>
         <p:nvPr/>
       </p:nvGrpSpPr>
@@ -6375,7 +6470,9 @@
       <p:sp>
         <p:nvSpPr>
           <p:cNvPr id="140" name="Google Shape;140;p5"/>
-          <p:cNvSpPr txBox="1"/>
+          <p:cNvSpPr txBox="1">
+            <a:spLocks noGrp="1"/>
+          </p:cNvSpPr>
           <p:nvPr>
             <p:ph type="title"/>
           </p:nvPr>
@@ -6390,7 +6487,7 @@
           </a:prstGeom>
         </p:spPr>
         <p:txBody>
-          <a:bodyPr anchorCtr="0" anchor="b" bIns="0" lIns="0" spcFirstLastPara="1" rIns="0" wrap="square" tIns="0">
+          <a:bodyPr spcFirstLastPara="1" wrap="square" lIns="0" tIns="0" rIns="0" bIns="0" anchor="b" anchorCtr="0">
             <a:noAutofit/>
           </a:bodyPr>
           <a:lstStyle>
@@ -6494,15 +6591,19 @@
               <a:defRPr/>
             </a:lvl9pPr>
           </a:lstStyle>
-          <a:p/>
+          <a:p>
+            <a:endParaRPr/>
+          </a:p>
         </p:txBody>
       </p:sp>
       <p:sp>
         <p:nvSpPr>
           <p:cNvPr id="141" name="Google Shape;141;p5"/>
-          <p:cNvSpPr txBox="1"/>
+          <p:cNvSpPr txBox="1">
+            <a:spLocks noGrp="1"/>
+          </p:cNvSpPr>
           <p:nvPr>
-            <p:ph idx="1" type="body"/>
+            <p:ph type="body" idx="1"/>
           </p:nvPr>
         </p:nvSpPr>
         <p:spPr>
@@ -6515,11 +6616,11 @@
           </a:prstGeom>
         </p:spPr>
         <p:txBody>
-          <a:bodyPr anchorCtr="0" anchor="t" bIns="0" lIns="0" spcFirstLastPara="1" rIns="0" wrap="square" tIns="0">
+          <a:bodyPr spcFirstLastPara="1" wrap="square" lIns="0" tIns="0" rIns="0" bIns="0" anchor="t" anchorCtr="0">
             <a:noAutofit/>
           </a:bodyPr>
           <a:lstStyle>
-            <a:lvl1pPr indent="-355600" lvl="0" marL="457200">
+            <a:lvl1pPr marL="457200" lvl="0" indent="-355600">
               <a:spcBef>
                 <a:spcPts val="600"/>
               </a:spcBef>
@@ -6530,7 +6631,7 @@
               <a:buChar char="❑"/>
               <a:defRPr/>
             </a:lvl1pPr>
-            <a:lvl2pPr indent="-355600" lvl="1" marL="914400">
+            <a:lvl2pPr marL="914400" lvl="1" indent="-355600">
               <a:spcBef>
                 <a:spcPts val="600"/>
               </a:spcBef>
@@ -6541,7 +6642,7 @@
               <a:buChar char="❏"/>
               <a:defRPr/>
             </a:lvl2pPr>
-            <a:lvl3pPr indent="-355600" lvl="2" marL="1371600">
+            <a:lvl3pPr marL="1371600" lvl="2" indent="-355600">
               <a:spcBef>
                 <a:spcPts val="600"/>
               </a:spcBef>
@@ -6552,7 +6653,7 @@
               <a:buChar char="❏"/>
               <a:defRPr/>
             </a:lvl3pPr>
-            <a:lvl4pPr indent="-355600" lvl="3" marL="1828800">
+            <a:lvl4pPr marL="1828800" lvl="3" indent="-355600">
               <a:spcBef>
                 <a:spcPts val="600"/>
               </a:spcBef>
@@ -6563,7 +6664,7 @@
               <a:buChar char="❏"/>
               <a:defRPr/>
             </a:lvl4pPr>
-            <a:lvl5pPr indent="-355600" lvl="4" marL="2286000">
+            <a:lvl5pPr marL="2286000" lvl="4" indent="-355600">
               <a:spcBef>
                 <a:spcPts val="600"/>
               </a:spcBef>
@@ -6574,7 +6675,7 @@
               <a:buChar char="❏"/>
               <a:defRPr/>
             </a:lvl5pPr>
-            <a:lvl6pPr indent="-355600" lvl="5" marL="2743200">
+            <a:lvl6pPr marL="2743200" lvl="5" indent="-355600">
               <a:spcBef>
                 <a:spcPts val="600"/>
               </a:spcBef>
@@ -6585,7 +6686,7 @@
               <a:buChar char="❏"/>
               <a:defRPr/>
             </a:lvl6pPr>
-            <a:lvl7pPr indent="-355600" lvl="6" marL="3200400">
+            <a:lvl7pPr marL="3200400" lvl="6" indent="-355600">
               <a:spcBef>
                 <a:spcPts val="600"/>
               </a:spcBef>
@@ -6596,7 +6697,7 @@
               <a:buChar char="❏"/>
               <a:defRPr/>
             </a:lvl7pPr>
-            <a:lvl8pPr indent="-355600" lvl="7" marL="3657600">
+            <a:lvl8pPr marL="3657600" lvl="7" indent="-355600">
               <a:spcBef>
                 <a:spcPts val="600"/>
               </a:spcBef>
@@ -6607,7 +6708,7 @@
               <a:buChar char="❏"/>
               <a:defRPr/>
             </a:lvl8pPr>
-            <a:lvl9pPr indent="-355600" lvl="8" marL="4114800">
+            <a:lvl9pPr marL="4114800" lvl="8" indent="-355600">
               <a:spcBef>
                 <a:spcPts val="600"/>
               </a:spcBef>
@@ -6619,15 +6720,19 @@
               <a:defRPr/>
             </a:lvl9pPr>
           </a:lstStyle>
-          <a:p/>
+          <a:p>
+            <a:endParaRPr/>
+          </a:p>
         </p:txBody>
       </p:sp>
       <p:sp>
         <p:nvSpPr>
           <p:cNvPr id="142" name="Google Shape;142;p5"/>
-          <p:cNvSpPr txBox="1"/>
+          <p:cNvSpPr txBox="1">
+            <a:spLocks noGrp="1"/>
+          </p:cNvSpPr>
           <p:nvPr>
-            <p:ph idx="12" type="sldNum"/>
+            <p:ph type="sldNum" idx="12"/>
           </p:nvPr>
         </p:nvSpPr>
         <p:spPr>
@@ -6640,7 +6745,7 @@
           </a:prstGeom>
         </p:spPr>
         <p:txBody>
-          <a:bodyPr anchorCtr="0" anchor="ctr" bIns="0" lIns="0" spcFirstLastPara="1" rIns="0" wrap="square" tIns="0">
+          <a:bodyPr spcFirstLastPara="1" wrap="square" lIns="0" tIns="0" rIns="0" bIns="0" anchor="ctr" anchorCtr="0">
             <a:noAutofit/>
           </a:bodyPr>
           <a:lstStyle>
@@ -6682,7 +6787,7 @@
             </a:lvl9pPr>
           </a:lstStyle>
           <a:p>
-            <a:pPr indent="0" lvl="0" marL="0" rtl="0" algn="ctr">
+            <a:pPr marL="0" lvl="0" indent="0" algn="ctr" rtl="0">
               <a:spcBef>
                 <a:spcPts val="0"/>
               </a:spcBef>
@@ -6708,11 +6813,11 @@
 </file>
 
 <file path=ppt/slideLayouts/slideLayout5.xml><?xml version="1.0" encoding="utf-8"?>
-<p:sldLayout xmlns:a="http://schemas.openxmlformats.org/drawingml/2006/main" xmlns:r="http://schemas.openxmlformats.org/officeDocument/2006/relationships" xmlns:mc="http://schemas.openxmlformats.org/markup-compatibility/2006" xmlns:mv="urn:schemas-microsoft-com:mac:vml" xmlns:p="http://schemas.openxmlformats.org/presentationml/2006/main" xmlns:c="http://schemas.openxmlformats.org/drawingml/2006/chart" xmlns:dgm="http://schemas.openxmlformats.org/drawingml/2006/diagram" xmlns:o="urn:schemas-microsoft-com:office:office" xmlns:v="urn:schemas-microsoft-com:vml" xmlns:pvml="urn:schemas-microsoft-com:office:powerpoint" xmlns:com="http://schemas.openxmlformats.org/drawingml/2006/compatibility" xmlns:p14="http://schemas.microsoft.com/office/powerpoint/2010/main" xmlns:p15="http://schemas.microsoft.com/office/powerpoint/2012/main" matchingName="Title + 2 columns" type="twoColTx">
+<p:sldLayout xmlns:a="http://schemas.openxmlformats.org/drawingml/2006/main" xmlns:r="http://schemas.openxmlformats.org/officeDocument/2006/relationships" xmlns:p="http://schemas.openxmlformats.org/presentationml/2006/main" matchingName="Title + 2 columns" type="twoColTx">
   <p:cSld name="TITLE_AND_TWO_COLUMNS">
     <p:spTree>
       <p:nvGrpSpPr>
-        <p:cNvPr id="143" name="Shape 143"/>
+        <p:cNvPr id="1" name="Shape 143"/>
         <p:cNvGrpSpPr/>
         <p:nvPr/>
       </p:nvGrpSpPr>
@@ -7336,7 +7441,9 @@
       <p:sp>
         <p:nvSpPr>
           <p:cNvPr id="169" name="Google Shape;169;p6"/>
-          <p:cNvSpPr txBox="1"/>
+          <p:cNvSpPr txBox="1">
+            <a:spLocks noGrp="1"/>
+          </p:cNvSpPr>
           <p:nvPr>
             <p:ph type="title"/>
           </p:nvPr>
@@ -7351,7 +7458,7 @@
           </a:prstGeom>
         </p:spPr>
         <p:txBody>
-          <a:bodyPr anchorCtr="0" anchor="b" bIns="0" lIns="0" spcFirstLastPara="1" rIns="0" wrap="square" tIns="0">
+          <a:bodyPr spcFirstLastPara="1" wrap="square" lIns="0" tIns="0" rIns="0" bIns="0" anchor="b" anchorCtr="0">
             <a:noAutofit/>
           </a:bodyPr>
           <a:lstStyle>
@@ -7455,15 +7562,19 @@
               <a:defRPr/>
             </a:lvl9pPr>
           </a:lstStyle>
-          <a:p/>
+          <a:p>
+            <a:endParaRPr/>
+          </a:p>
         </p:txBody>
       </p:sp>
       <p:sp>
         <p:nvSpPr>
           <p:cNvPr id="170" name="Google Shape;170;p6"/>
-          <p:cNvSpPr txBox="1"/>
+          <p:cNvSpPr txBox="1">
+            <a:spLocks noGrp="1"/>
+          </p:cNvSpPr>
           <p:nvPr>
-            <p:ph idx="1" type="body"/>
+            <p:ph type="body" idx="1"/>
           </p:nvPr>
         </p:nvSpPr>
         <p:spPr>
@@ -7476,11 +7587,11 @@
           </a:prstGeom>
         </p:spPr>
         <p:txBody>
-          <a:bodyPr anchorCtr="0" anchor="t" bIns="0" lIns="0" spcFirstLastPara="1" rIns="0" wrap="square" tIns="0">
+          <a:bodyPr spcFirstLastPara="1" wrap="square" lIns="0" tIns="0" rIns="0" bIns="0" anchor="t" anchorCtr="0">
             <a:noAutofit/>
           </a:bodyPr>
           <a:lstStyle>
-            <a:lvl1pPr indent="-355600" lvl="0" marL="457200">
+            <a:lvl1pPr marL="457200" lvl="0" indent="-355600">
               <a:spcBef>
                 <a:spcPts val="600"/>
               </a:spcBef>
@@ -7491,7 +7602,7 @@
               <a:buChar char="❑"/>
               <a:defRPr/>
             </a:lvl1pPr>
-            <a:lvl2pPr indent="-355600" lvl="1" marL="914400">
+            <a:lvl2pPr marL="914400" lvl="1" indent="-355600">
               <a:spcBef>
                 <a:spcPts val="600"/>
               </a:spcBef>
@@ -7502,7 +7613,7 @@
               <a:buChar char="❏"/>
               <a:defRPr/>
             </a:lvl2pPr>
-            <a:lvl3pPr indent="-355600" lvl="2" marL="1371600">
+            <a:lvl3pPr marL="1371600" lvl="2" indent="-355600">
               <a:spcBef>
                 <a:spcPts val="600"/>
               </a:spcBef>
@@ -7513,7 +7624,7 @@
               <a:buChar char="❏"/>
               <a:defRPr/>
             </a:lvl3pPr>
-            <a:lvl4pPr indent="-355600" lvl="3" marL="1828800">
+            <a:lvl4pPr marL="1828800" lvl="3" indent="-355600">
               <a:spcBef>
                 <a:spcPts val="600"/>
               </a:spcBef>
@@ -7524,7 +7635,7 @@
               <a:buChar char="❏"/>
               <a:defRPr/>
             </a:lvl4pPr>
-            <a:lvl5pPr indent="-355600" lvl="4" marL="2286000">
+            <a:lvl5pPr marL="2286000" lvl="4" indent="-355600">
               <a:spcBef>
                 <a:spcPts val="600"/>
               </a:spcBef>
@@ -7535,7 +7646,7 @@
               <a:buChar char="❏"/>
               <a:defRPr/>
             </a:lvl5pPr>
-            <a:lvl6pPr indent="-355600" lvl="5" marL="2743200">
+            <a:lvl6pPr marL="2743200" lvl="5" indent="-355600">
               <a:spcBef>
                 <a:spcPts val="600"/>
               </a:spcBef>
@@ -7546,7 +7657,7 @@
               <a:buChar char="❏"/>
               <a:defRPr/>
             </a:lvl6pPr>
-            <a:lvl7pPr indent="-355600" lvl="6" marL="3200400">
+            <a:lvl7pPr marL="3200400" lvl="6" indent="-355600">
               <a:spcBef>
                 <a:spcPts val="600"/>
               </a:spcBef>
@@ -7557,7 +7668,7 @@
               <a:buChar char="❏"/>
               <a:defRPr/>
             </a:lvl7pPr>
-            <a:lvl8pPr indent="-355600" lvl="7" marL="3657600">
+            <a:lvl8pPr marL="3657600" lvl="7" indent="-355600">
               <a:spcBef>
                 <a:spcPts val="600"/>
               </a:spcBef>
@@ -7568,7 +7679,7 @@
               <a:buChar char="❏"/>
               <a:defRPr/>
             </a:lvl8pPr>
-            <a:lvl9pPr indent="-355600" lvl="8" marL="4114800">
+            <a:lvl9pPr marL="4114800" lvl="8" indent="-355600">
               <a:spcBef>
                 <a:spcPts val="600"/>
               </a:spcBef>
@@ -7580,15 +7691,19 @@
               <a:defRPr/>
             </a:lvl9pPr>
           </a:lstStyle>
-          <a:p/>
+          <a:p>
+            <a:endParaRPr/>
+          </a:p>
         </p:txBody>
       </p:sp>
       <p:sp>
         <p:nvSpPr>
           <p:cNvPr id="171" name="Google Shape;171;p6"/>
-          <p:cNvSpPr txBox="1"/>
+          <p:cNvSpPr txBox="1">
+            <a:spLocks noGrp="1"/>
+          </p:cNvSpPr>
           <p:nvPr>
-            <p:ph idx="2" type="body"/>
+            <p:ph type="body" idx="2"/>
           </p:nvPr>
         </p:nvSpPr>
         <p:spPr>
@@ -7601,11 +7716,11 @@
           </a:prstGeom>
         </p:spPr>
         <p:txBody>
-          <a:bodyPr anchorCtr="0" anchor="t" bIns="0" lIns="0" spcFirstLastPara="1" rIns="0" wrap="square" tIns="0">
+          <a:bodyPr spcFirstLastPara="1" wrap="square" lIns="0" tIns="0" rIns="0" bIns="0" anchor="t" anchorCtr="0">
             <a:noAutofit/>
           </a:bodyPr>
           <a:lstStyle>
-            <a:lvl1pPr indent="-355600" lvl="0" marL="457200">
+            <a:lvl1pPr marL="457200" lvl="0" indent="-355600">
               <a:spcBef>
                 <a:spcPts val="600"/>
               </a:spcBef>
@@ -7616,7 +7731,7 @@
               <a:buChar char="❑"/>
               <a:defRPr/>
             </a:lvl1pPr>
-            <a:lvl2pPr indent="-355600" lvl="1" marL="914400">
+            <a:lvl2pPr marL="914400" lvl="1" indent="-355600">
               <a:spcBef>
                 <a:spcPts val="600"/>
               </a:spcBef>
@@ -7627,7 +7742,7 @@
               <a:buChar char="❏"/>
               <a:defRPr/>
             </a:lvl2pPr>
-            <a:lvl3pPr indent="-355600" lvl="2" marL="1371600">
+            <a:lvl3pPr marL="1371600" lvl="2" indent="-355600">
               <a:spcBef>
                 <a:spcPts val="600"/>
               </a:spcBef>
@@ -7638,7 +7753,7 @@
               <a:buChar char="❏"/>
               <a:defRPr/>
             </a:lvl3pPr>
-            <a:lvl4pPr indent="-355600" lvl="3" marL="1828800">
+            <a:lvl4pPr marL="1828800" lvl="3" indent="-355600">
               <a:spcBef>
                 <a:spcPts val="600"/>
               </a:spcBef>
@@ -7649,7 +7764,7 @@
               <a:buChar char="❏"/>
               <a:defRPr/>
             </a:lvl4pPr>
-            <a:lvl5pPr indent="-355600" lvl="4" marL="2286000">
+            <a:lvl5pPr marL="2286000" lvl="4" indent="-355600">
               <a:spcBef>
                 <a:spcPts val="600"/>
               </a:spcBef>
@@ -7660,7 +7775,7 @@
               <a:buChar char="❏"/>
               <a:defRPr/>
             </a:lvl5pPr>
-            <a:lvl6pPr indent="-355600" lvl="5" marL="2743200">
+            <a:lvl6pPr marL="2743200" lvl="5" indent="-355600">
               <a:spcBef>
                 <a:spcPts val="600"/>
               </a:spcBef>
@@ -7671,7 +7786,7 @@
               <a:buChar char="❏"/>
               <a:defRPr/>
             </a:lvl6pPr>
-            <a:lvl7pPr indent="-355600" lvl="6" marL="3200400">
+            <a:lvl7pPr marL="3200400" lvl="6" indent="-355600">
               <a:spcBef>
                 <a:spcPts val="600"/>
               </a:spcBef>
@@ -7682,7 +7797,7 @@
               <a:buChar char="❏"/>
               <a:defRPr/>
             </a:lvl7pPr>
-            <a:lvl8pPr indent="-355600" lvl="7" marL="3657600">
+            <a:lvl8pPr marL="3657600" lvl="7" indent="-355600">
               <a:spcBef>
                 <a:spcPts val="600"/>
               </a:spcBef>
@@ -7693,7 +7808,7 @@
               <a:buChar char="❏"/>
               <a:defRPr/>
             </a:lvl8pPr>
-            <a:lvl9pPr indent="-355600" lvl="8" marL="4114800">
+            <a:lvl9pPr marL="4114800" lvl="8" indent="-355600">
               <a:spcBef>
                 <a:spcPts val="600"/>
               </a:spcBef>
@@ -7705,15 +7820,19 @@
               <a:defRPr/>
             </a:lvl9pPr>
           </a:lstStyle>
-          <a:p/>
+          <a:p>
+            <a:endParaRPr/>
+          </a:p>
         </p:txBody>
       </p:sp>
       <p:sp>
         <p:nvSpPr>
           <p:cNvPr id="172" name="Google Shape;172;p6"/>
-          <p:cNvSpPr txBox="1"/>
+          <p:cNvSpPr txBox="1">
+            <a:spLocks noGrp="1"/>
+          </p:cNvSpPr>
           <p:nvPr>
-            <p:ph idx="12" type="sldNum"/>
+            <p:ph type="sldNum" idx="12"/>
           </p:nvPr>
         </p:nvSpPr>
         <p:spPr>
@@ -7726,7 +7845,7 @@
           </a:prstGeom>
         </p:spPr>
         <p:txBody>
-          <a:bodyPr anchorCtr="0" anchor="ctr" bIns="0" lIns="0" spcFirstLastPara="1" rIns="0" wrap="square" tIns="0">
+          <a:bodyPr spcFirstLastPara="1" wrap="square" lIns="0" tIns="0" rIns="0" bIns="0" anchor="ctr" anchorCtr="0">
             <a:noAutofit/>
           </a:bodyPr>
           <a:lstStyle>
@@ -7768,7 +7887,7 @@
             </a:lvl9pPr>
           </a:lstStyle>
           <a:p>
-            <a:pPr indent="0" lvl="0" marL="0" rtl="0" algn="ctr">
+            <a:pPr marL="0" lvl="0" indent="0" algn="ctr" rtl="0">
               <a:spcBef>
                 <a:spcPts val="0"/>
               </a:spcBef>
@@ -7794,11 +7913,11 @@
 </file>
 
 <file path=ppt/slideLayouts/slideLayout6.xml><?xml version="1.0" encoding="utf-8"?>
-<p:sldLayout xmlns:a="http://schemas.openxmlformats.org/drawingml/2006/main" xmlns:r="http://schemas.openxmlformats.org/officeDocument/2006/relationships" xmlns:mc="http://schemas.openxmlformats.org/markup-compatibility/2006" xmlns:mv="urn:schemas-microsoft-com:mac:vml" xmlns:p="http://schemas.openxmlformats.org/presentationml/2006/main" xmlns:c="http://schemas.openxmlformats.org/drawingml/2006/chart" xmlns:dgm="http://schemas.openxmlformats.org/drawingml/2006/diagram" xmlns:o="urn:schemas-microsoft-com:office:office" xmlns:v="urn:schemas-microsoft-com:vml" xmlns:pvml="urn:schemas-microsoft-com:office:powerpoint" xmlns:com="http://schemas.openxmlformats.org/drawingml/2006/compatibility" xmlns:p14="http://schemas.microsoft.com/office/powerpoint/2010/main" xmlns:p15="http://schemas.microsoft.com/office/powerpoint/2012/main" matchingName="Title + 3 columns">
+<p:sldLayout xmlns:a="http://schemas.openxmlformats.org/drawingml/2006/main" xmlns:r="http://schemas.openxmlformats.org/officeDocument/2006/relationships" xmlns:p="http://schemas.openxmlformats.org/presentationml/2006/main" matchingName="Title + 3 columns">
   <p:cSld name="TITLE_AND_TWO_COLUMNS_1">
     <p:spTree>
       <p:nvGrpSpPr>
-        <p:cNvPr id="173" name="Shape 173"/>
+        <p:cNvPr id="1" name="Shape 173"/>
         <p:cNvGrpSpPr/>
         <p:nvPr/>
       </p:nvGrpSpPr>
@@ -8422,7 +8541,9 @@
       <p:sp>
         <p:nvSpPr>
           <p:cNvPr id="199" name="Google Shape;199;p7"/>
-          <p:cNvSpPr txBox="1"/>
+          <p:cNvSpPr txBox="1">
+            <a:spLocks noGrp="1"/>
+          </p:cNvSpPr>
           <p:nvPr>
             <p:ph type="title"/>
           </p:nvPr>
@@ -8437,7 +8558,7 @@
           </a:prstGeom>
         </p:spPr>
         <p:txBody>
-          <a:bodyPr anchorCtr="0" anchor="b" bIns="0" lIns="0" spcFirstLastPara="1" rIns="0" wrap="square" tIns="0">
+          <a:bodyPr spcFirstLastPara="1" wrap="square" lIns="0" tIns="0" rIns="0" bIns="0" anchor="b" anchorCtr="0">
             <a:noAutofit/>
           </a:bodyPr>
           <a:lstStyle>
@@ -8541,15 +8662,19 @@
               <a:defRPr/>
             </a:lvl9pPr>
           </a:lstStyle>
-          <a:p/>
+          <a:p>
+            <a:endParaRPr/>
+          </a:p>
         </p:txBody>
       </p:sp>
       <p:sp>
         <p:nvSpPr>
           <p:cNvPr id="200" name="Google Shape;200;p7"/>
-          <p:cNvSpPr txBox="1"/>
+          <p:cNvSpPr txBox="1">
+            <a:spLocks noGrp="1"/>
+          </p:cNvSpPr>
           <p:nvPr>
-            <p:ph idx="1" type="body"/>
+            <p:ph type="body" idx="1"/>
           </p:nvPr>
         </p:nvSpPr>
         <p:spPr>
@@ -8562,11 +8687,11 @@
           </a:prstGeom>
         </p:spPr>
         <p:txBody>
-          <a:bodyPr anchorCtr="0" anchor="t" bIns="0" lIns="0" spcFirstLastPara="1" rIns="0" wrap="square" tIns="0">
+          <a:bodyPr spcFirstLastPara="1" wrap="square" lIns="0" tIns="0" rIns="0" bIns="0" anchor="t" anchorCtr="0">
             <a:noAutofit/>
           </a:bodyPr>
           <a:lstStyle>
-            <a:lvl1pPr indent="-330200" lvl="0" marL="457200" rtl="0">
+            <a:lvl1pPr marL="457200" lvl="0" indent="-330200" rtl="0">
               <a:spcBef>
                 <a:spcPts val="600"/>
               </a:spcBef>
@@ -8577,7 +8702,7 @@
               <a:buChar char="❑"/>
               <a:defRPr sz="1600"/>
             </a:lvl1pPr>
-            <a:lvl2pPr indent="-330200" lvl="1" marL="914400" rtl="0">
+            <a:lvl2pPr marL="914400" lvl="1" indent="-330200" rtl="0">
               <a:spcBef>
                 <a:spcPts val="600"/>
               </a:spcBef>
@@ -8588,7 +8713,7 @@
               <a:buChar char="❏"/>
               <a:defRPr sz="1600"/>
             </a:lvl2pPr>
-            <a:lvl3pPr indent="-330200" lvl="2" marL="1371600" rtl="0">
+            <a:lvl3pPr marL="1371600" lvl="2" indent="-330200" rtl="0">
               <a:spcBef>
                 <a:spcPts val="600"/>
               </a:spcBef>
@@ -8599,7 +8724,7 @@
               <a:buChar char="❏"/>
               <a:defRPr sz="1600"/>
             </a:lvl3pPr>
-            <a:lvl4pPr indent="-330200" lvl="3" marL="1828800" rtl="0">
+            <a:lvl4pPr marL="1828800" lvl="3" indent="-330200" rtl="0">
               <a:spcBef>
                 <a:spcPts val="600"/>
               </a:spcBef>
@@ -8610,7 +8735,7 @@
               <a:buChar char="❏"/>
               <a:defRPr sz="1600"/>
             </a:lvl4pPr>
-            <a:lvl5pPr indent="-330200" lvl="4" marL="2286000" rtl="0">
+            <a:lvl5pPr marL="2286000" lvl="4" indent="-330200" rtl="0">
               <a:spcBef>
                 <a:spcPts val="600"/>
               </a:spcBef>
@@ -8621,7 +8746,7 @@
               <a:buChar char="❏"/>
               <a:defRPr sz="1600"/>
             </a:lvl5pPr>
-            <a:lvl6pPr indent="-330200" lvl="5" marL="2743200" rtl="0">
+            <a:lvl6pPr marL="2743200" lvl="5" indent="-330200" rtl="0">
               <a:spcBef>
                 <a:spcPts val="600"/>
               </a:spcBef>
@@ -8632,7 +8757,7 @@
               <a:buChar char="❏"/>
               <a:defRPr sz="1600"/>
             </a:lvl6pPr>
-            <a:lvl7pPr indent="-330200" lvl="6" marL="3200400" rtl="0">
+            <a:lvl7pPr marL="3200400" lvl="6" indent="-330200" rtl="0">
               <a:spcBef>
                 <a:spcPts val="600"/>
               </a:spcBef>
@@ -8643,7 +8768,7 @@
               <a:buChar char="❏"/>
               <a:defRPr sz="1600"/>
             </a:lvl7pPr>
-            <a:lvl8pPr indent="-330200" lvl="7" marL="3657600" rtl="0">
+            <a:lvl8pPr marL="3657600" lvl="7" indent="-330200" rtl="0">
               <a:spcBef>
                 <a:spcPts val="600"/>
               </a:spcBef>
@@ -8654,7 +8779,7 @@
               <a:buChar char="❏"/>
               <a:defRPr sz="1600"/>
             </a:lvl8pPr>
-            <a:lvl9pPr indent="-330200" lvl="8" marL="4114800" rtl="0">
+            <a:lvl9pPr marL="4114800" lvl="8" indent="-330200" rtl="0">
               <a:spcBef>
                 <a:spcPts val="600"/>
               </a:spcBef>
@@ -8666,15 +8791,19 @@
               <a:defRPr sz="1600"/>
             </a:lvl9pPr>
           </a:lstStyle>
-          <a:p/>
+          <a:p>
+            <a:endParaRPr/>
+          </a:p>
         </p:txBody>
       </p:sp>
       <p:sp>
         <p:nvSpPr>
           <p:cNvPr id="201" name="Google Shape;201;p7"/>
-          <p:cNvSpPr txBox="1"/>
+          <p:cNvSpPr txBox="1">
+            <a:spLocks noGrp="1"/>
+          </p:cNvSpPr>
           <p:nvPr>
-            <p:ph idx="2" type="body"/>
+            <p:ph type="body" idx="2"/>
           </p:nvPr>
         </p:nvSpPr>
         <p:spPr>
@@ -8687,11 +8816,11 @@
           </a:prstGeom>
         </p:spPr>
         <p:txBody>
-          <a:bodyPr anchorCtr="0" anchor="t" bIns="0" lIns="0" spcFirstLastPara="1" rIns="0" wrap="square" tIns="0">
+          <a:bodyPr spcFirstLastPara="1" wrap="square" lIns="0" tIns="0" rIns="0" bIns="0" anchor="t" anchorCtr="0">
             <a:noAutofit/>
           </a:bodyPr>
           <a:lstStyle>
-            <a:lvl1pPr indent="-330200" lvl="0" marL="457200" rtl="0">
+            <a:lvl1pPr marL="457200" lvl="0" indent="-330200" rtl="0">
               <a:spcBef>
                 <a:spcPts val="600"/>
               </a:spcBef>
@@ -8702,7 +8831,7 @@
               <a:buChar char="❑"/>
               <a:defRPr sz="1600"/>
             </a:lvl1pPr>
-            <a:lvl2pPr indent="-330200" lvl="1" marL="914400" rtl="0">
+            <a:lvl2pPr marL="914400" lvl="1" indent="-330200" rtl="0">
               <a:spcBef>
                 <a:spcPts val="600"/>
               </a:spcBef>
@@ -8713,7 +8842,7 @@
               <a:buChar char="❏"/>
               <a:defRPr sz="1600"/>
             </a:lvl2pPr>
-            <a:lvl3pPr indent="-330200" lvl="2" marL="1371600" rtl="0">
+            <a:lvl3pPr marL="1371600" lvl="2" indent="-330200" rtl="0">
               <a:spcBef>
                 <a:spcPts val="600"/>
               </a:spcBef>
@@ -8724,7 +8853,7 @@
               <a:buChar char="❏"/>
               <a:defRPr sz="1600"/>
             </a:lvl3pPr>
-            <a:lvl4pPr indent="-330200" lvl="3" marL="1828800" rtl="0">
+            <a:lvl4pPr marL="1828800" lvl="3" indent="-330200" rtl="0">
               <a:spcBef>
                 <a:spcPts val="600"/>
               </a:spcBef>
@@ -8735,7 +8864,7 @@
               <a:buChar char="❏"/>
               <a:defRPr sz="1600"/>
             </a:lvl4pPr>
-            <a:lvl5pPr indent="-330200" lvl="4" marL="2286000" rtl="0">
+            <a:lvl5pPr marL="2286000" lvl="4" indent="-330200" rtl="0">
               <a:spcBef>
                 <a:spcPts val="600"/>
               </a:spcBef>
@@ -8746,7 +8875,7 @@
               <a:buChar char="❏"/>
               <a:defRPr sz="1600"/>
             </a:lvl5pPr>
-            <a:lvl6pPr indent="-330200" lvl="5" marL="2743200" rtl="0">
+            <a:lvl6pPr marL="2743200" lvl="5" indent="-330200" rtl="0">
               <a:spcBef>
                 <a:spcPts val="600"/>
               </a:spcBef>
@@ -8757,7 +8886,7 @@
               <a:buChar char="❏"/>
               <a:defRPr sz="1600"/>
             </a:lvl6pPr>
-            <a:lvl7pPr indent="-330200" lvl="6" marL="3200400" rtl="0">
+            <a:lvl7pPr marL="3200400" lvl="6" indent="-330200" rtl="0">
               <a:spcBef>
                 <a:spcPts val="600"/>
               </a:spcBef>
@@ -8768,7 +8897,7 @@
               <a:buChar char="❏"/>
               <a:defRPr sz="1600"/>
             </a:lvl7pPr>
-            <a:lvl8pPr indent="-330200" lvl="7" marL="3657600" rtl="0">
+            <a:lvl8pPr marL="3657600" lvl="7" indent="-330200" rtl="0">
               <a:spcBef>
                 <a:spcPts val="600"/>
               </a:spcBef>
@@ -8779,7 +8908,7 @@
               <a:buChar char="❏"/>
               <a:defRPr sz="1600"/>
             </a:lvl8pPr>
-            <a:lvl9pPr indent="-330200" lvl="8" marL="4114800" rtl="0">
+            <a:lvl9pPr marL="4114800" lvl="8" indent="-330200" rtl="0">
               <a:spcBef>
                 <a:spcPts val="600"/>
               </a:spcBef>
@@ -8791,15 +8920,19 @@
               <a:defRPr sz="1600"/>
             </a:lvl9pPr>
           </a:lstStyle>
-          <a:p/>
+          <a:p>
+            <a:endParaRPr/>
+          </a:p>
         </p:txBody>
       </p:sp>
       <p:sp>
         <p:nvSpPr>
           <p:cNvPr id="202" name="Google Shape;202;p7"/>
-          <p:cNvSpPr txBox="1"/>
+          <p:cNvSpPr txBox="1">
+            <a:spLocks noGrp="1"/>
+          </p:cNvSpPr>
           <p:nvPr>
-            <p:ph idx="3" type="body"/>
+            <p:ph type="body" idx="3"/>
           </p:nvPr>
         </p:nvSpPr>
         <p:spPr>
@@ -8812,11 +8945,11 @@
           </a:prstGeom>
         </p:spPr>
         <p:txBody>
-          <a:bodyPr anchorCtr="0" anchor="t" bIns="0" lIns="0" spcFirstLastPara="1" rIns="0" wrap="square" tIns="0">
+          <a:bodyPr spcFirstLastPara="1" wrap="square" lIns="0" tIns="0" rIns="0" bIns="0" anchor="t" anchorCtr="0">
             <a:noAutofit/>
           </a:bodyPr>
           <a:lstStyle>
-            <a:lvl1pPr indent="-330200" lvl="0" marL="457200" rtl="0">
+            <a:lvl1pPr marL="457200" lvl="0" indent="-330200" rtl="0">
               <a:spcBef>
                 <a:spcPts val="600"/>
               </a:spcBef>
@@ -8827,7 +8960,7 @@
               <a:buChar char="❑"/>
               <a:defRPr sz="1600"/>
             </a:lvl1pPr>
-            <a:lvl2pPr indent="-330200" lvl="1" marL="914400" rtl="0">
+            <a:lvl2pPr marL="914400" lvl="1" indent="-330200" rtl="0">
               <a:spcBef>
                 <a:spcPts val="600"/>
               </a:spcBef>
@@ -8838,7 +8971,7 @@
               <a:buChar char="❏"/>
               <a:defRPr sz="1600"/>
             </a:lvl2pPr>
-            <a:lvl3pPr indent="-330200" lvl="2" marL="1371600" rtl="0">
+            <a:lvl3pPr marL="1371600" lvl="2" indent="-330200" rtl="0">
               <a:spcBef>
                 <a:spcPts val="600"/>
               </a:spcBef>
@@ -8849,7 +8982,7 @@
               <a:buChar char="❏"/>
               <a:defRPr sz="1600"/>
             </a:lvl3pPr>
-            <a:lvl4pPr indent="-330200" lvl="3" marL="1828800" rtl="0">
+            <a:lvl4pPr marL="1828800" lvl="3" indent="-330200" rtl="0">
               <a:spcBef>
                 <a:spcPts val="600"/>
               </a:spcBef>
@@ -8860,7 +8993,7 @@
               <a:buChar char="❏"/>
               <a:defRPr sz="1600"/>
             </a:lvl4pPr>
-            <a:lvl5pPr indent="-330200" lvl="4" marL="2286000" rtl="0">
+            <a:lvl5pPr marL="2286000" lvl="4" indent="-330200" rtl="0">
               <a:spcBef>
                 <a:spcPts val="600"/>
               </a:spcBef>
@@ -8871,7 +9004,7 @@
               <a:buChar char="❏"/>
               <a:defRPr sz="1600"/>
             </a:lvl5pPr>
-            <a:lvl6pPr indent="-330200" lvl="5" marL="2743200" rtl="0">
+            <a:lvl6pPr marL="2743200" lvl="5" indent="-330200" rtl="0">
               <a:spcBef>
                 <a:spcPts val="600"/>
               </a:spcBef>
@@ -8882,7 +9015,7 @@
               <a:buChar char="❏"/>
               <a:defRPr sz="1600"/>
             </a:lvl6pPr>
-            <a:lvl7pPr indent="-330200" lvl="6" marL="3200400" rtl="0">
+            <a:lvl7pPr marL="3200400" lvl="6" indent="-330200" rtl="0">
               <a:spcBef>
                 <a:spcPts val="600"/>
               </a:spcBef>
@@ -8893,7 +9026,7 @@
               <a:buChar char="❏"/>
               <a:defRPr sz="1600"/>
             </a:lvl7pPr>
-            <a:lvl8pPr indent="-330200" lvl="7" marL="3657600" rtl="0">
+            <a:lvl8pPr marL="3657600" lvl="7" indent="-330200" rtl="0">
               <a:spcBef>
                 <a:spcPts val="600"/>
               </a:spcBef>
@@ -8904,7 +9037,7 @@
               <a:buChar char="❏"/>
               <a:defRPr sz="1600"/>
             </a:lvl8pPr>
-            <a:lvl9pPr indent="-330200" lvl="8" marL="4114800" rtl="0">
+            <a:lvl9pPr marL="4114800" lvl="8" indent="-330200" rtl="0">
               <a:spcBef>
                 <a:spcPts val="600"/>
               </a:spcBef>
@@ -8916,15 +9049,19 @@
               <a:defRPr sz="1600"/>
             </a:lvl9pPr>
           </a:lstStyle>
-          <a:p/>
+          <a:p>
+            <a:endParaRPr/>
+          </a:p>
         </p:txBody>
       </p:sp>
       <p:sp>
         <p:nvSpPr>
           <p:cNvPr id="203" name="Google Shape;203;p7"/>
-          <p:cNvSpPr txBox="1"/>
+          <p:cNvSpPr txBox="1">
+            <a:spLocks noGrp="1"/>
+          </p:cNvSpPr>
           <p:nvPr>
-            <p:ph idx="12" type="sldNum"/>
+            <p:ph type="sldNum" idx="12"/>
           </p:nvPr>
         </p:nvSpPr>
         <p:spPr>
@@ -8937,7 +9074,7 @@
           </a:prstGeom>
         </p:spPr>
         <p:txBody>
-          <a:bodyPr anchorCtr="0" anchor="ctr" bIns="0" lIns="0" spcFirstLastPara="1" rIns="0" wrap="square" tIns="0">
+          <a:bodyPr spcFirstLastPara="1" wrap="square" lIns="0" tIns="0" rIns="0" bIns="0" anchor="ctr" anchorCtr="0">
             <a:noAutofit/>
           </a:bodyPr>
           <a:lstStyle>
@@ -8979,7 +9116,7 @@
             </a:lvl9pPr>
           </a:lstStyle>
           <a:p>
-            <a:pPr indent="0" lvl="0" marL="0" rtl="0" algn="ctr">
+            <a:pPr marL="0" lvl="0" indent="0" algn="ctr" rtl="0">
               <a:spcBef>
                 <a:spcPts val="0"/>
               </a:spcBef>
@@ -9005,11 +9142,11 @@
 </file>
 
 <file path=ppt/slideLayouts/slideLayout7.xml><?xml version="1.0" encoding="utf-8"?>
-<p:sldLayout xmlns:a="http://schemas.openxmlformats.org/drawingml/2006/main" xmlns:r="http://schemas.openxmlformats.org/officeDocument/2006/relationships" xmlns:mc="http://schemas.openxmlformats.org/markup-compatibility/2006" xmlns:mv="urn:schemas-microsoft-com:mac:vml" xmlns:p="http://schemas.openxmlformats.org/presentationml/2006/main" xmlns:c="http://schemas.openxmlformats.org/drawingml/2006/chart" xmlns:dgm="http://schemas.openxmlformats.org/drawingml/2006/diagram" xmlns:o="urn:schemas-microsoft-com:office:office" xmlns:v="urn:schemas-microsoft-com:vml" xmlns:pvml="urn:schemas-microsoft-com:office:powerpoint" xmlns:com="http://schemas.openxmlformats.org/drawingml/2006/compatibility" xmlns:p14="http://schemas.microsoft.com/office/powerpoint/2010/main" xmlns:p15="http://schemas.microsoft.com/office/powerpoint/2012/main" matchingName="Title only" type="titleOnly">
+<p:sldLayout xmlns:a="http://schemas.openxmlformats.org/drawingml/2006/main" xmlns:r="http://schemas.openxmlformats.org/officeDocument/2006/relationships" xmlns:p="http://schemas.openxmlformats.org/presentationml/2006/main" matchingName="Title only" type="titleOnly">
   <p:cSld name="TITLE_ONLY">
     <p:spTree>
       <p:nvGrpSpPr>
-        <p:cNvPr id="204" name="Shape 204"/>
+        <p:cNvPr id="1" name="Shape 204"/>
         <p:cNvGrpSpPr/>
         <p:nvPr/>
       </p:nvGrpSpPr>
@@ -9633,7 +9770,9 @@
       <p:sp>
         <p:nvSpPr>
           <p:cNvPr id="230" name="Google Shape;230;p8"/>
-          <p:cNvSpPr txBox="1"/>
+          <p:cNvSpPr txBox="1">
+            <a:spLocks noGrp="1"/>
+          </p:cNvSpPr>
           <p:nvPr>
             <p:ph type="title"/>
           </p:nvPr>
@@ -9648,7 +9787,7 @@
           </a:prstGeom>
         </p:spPr>
         <p:txBody>
-          <a:bodyPr anchorCtr="0" anchor="b" bIns="0" lIns="0" spcFirstLastPara="1" rIns="0" wrap="square" tIns="0">
+          <a:bodyPr spcFirstLastPara="1" wrap="square" lIns="0" tIns="0" rIns="0" bIns="0" anchor="b" anchorCtr="0">
             <a:noAutofit/>
           </a:bodyPr>
           <a:lstStyle>
@@ -9752,15 +9891,19 @@
               <a:defRPr/>
             </a:lvl9pPr>
           </a:lstStyle>
-          <a:p/>
+          <a:p>
+            <a:endParaRPr/>
+          </a:p>
         </p:txBody>
       </p:sp>
       <p:sp>
         <p:nvSpPr>
           <p:cNvPr id="231" name="Google Shape;231;p8"/>
-          <p:cNvSpPr txBox="1"/>
+          <p:cNvSpPr txBox="1">
+            <a:spLocks noGrp="1"/>
+          </p:cNvSpPr>
           <p:nvPr>
-            <p:ph idx="12" type="sldNum"/>
+            <p:ph type="sldNum" idx="12"/>
           </p:nvPr>
         </p:nvSpPr>
         <p:spPr>
@@ -9773,7 +9916,7 @@
           </a:prstGeom>
         </p:spPr>
         <p:txBody>
-          <a:bodyPr anchorCtr="0" anchor="ctr" bIns="0" lIns="0" spcFirstLastPara="1" rIns="0" wrap="square" tIns="0">
+          <a:bodyPr spcFirstLastPara="1" wrap="square" lIns="0" tIns="0" rIns="0" bIns="0" anchor="ctr" anchorCtr="0">
             <a:noAutofit/>
           </a:bodyPr>
           <a:lstStyle>
@@ -9815,7 +9958,7 @@
             </a:lvl9pPr>
           </a:lstStyle>
           <a:p>
-            <a:pPr indent="0" lvl="0" marL="0" rtl="0" algn="ctr">
+            <a:pPr marL="0" lvl="0" indent="0" algn="ctr" rtl="0">
               <a:spcBef>
                 <a:spcPts val="0"/>
               </a:spcBef>
@@ -9841,11 +9984,11 @@
 </file>
 
 <file path=ppt/slideLayouts/slideLayout8.xml><?xml version="1.0" encoding="utf-8"?>
-<p:sldLayout xmlns:a="http://schemas.openxmlformats.org/drawingml/2006/main" xmlns:r="http://schemas.openxmlformats.org/officeDocument/2006/relationships" xmlns:mc="http://schemas.openxmlformats.org/markup-compatibility/2006" xmlns:mv="urn:schemas-microsoft-com:mac:vml" xmlns:p="http://schemas.openxmlformats.org/presentationml/2006/main" xmlns:c="http://schemas.openxmlformats.org/drawingml/2006/chart" xmlns:dgm="http://schemas.openxmlformats.org/drawingml/2006/diagram" xmlns:o="urn:schemas-microsoft-com:office:office" xmlns:v="urn:schemas-microsoft-com:vml" xmlns:pvml="urn:schemas-microsoft-com:office:powerpoint" xmlns:com="http://schemas.openxmlformats.org/drawingml/2006/compatibility" xmlns:p14="http://schemas.microsoft.com/office/powerpoint/2010/main" xmlns:p15="http://schemas.microsoft.com/office/powerpoint/2012/main" matchingName="Caption">
+<p:sldLayout xmlns:a="http://schemas.openxmlformats.org/drawingml/2006/main" xmlns:r="http://schemas.openxmlformats.org/officeDocument/2006/relationships" xmlns:p="http://schemas.openxmlformats.org/presentationml/2006/main" matchingName="Caption">
   <p:cSld name="CAPTION_ONLY">
     <p:spTree>
       <p:nvGrpSpPr>
-        <p:cNvPr id="232" name="Shape 232"/>
+        <p:cNvPr id="1" name="Shape 232"/>
         <p:cNvGrpSpPr/>
         <p:nvPr/>
       </p:nvGrpSpPr>
@@ -10469,9 +10612,11 @@
       <p:sp>
         <p:nvSpPr>
           <p:cNvPr id="258" name="Google Shape;258;p9"/>
-          <p:cNvSpPr txBox="1"/>
+          <p:cNvSpPr txBox="1">
+            <a:spLocks noGrp="1"/>
+          </p:cNvSpPr>
           <p:nvPr>
-            <p:ph idx="1" type="body"/>
+            <p:ph type="body" idx="1"/>
           </p:nvPr>
         </p:nvSpPr>
         <p:spPr>
@@ -10484,11 +10629,11 @@
           </a:prstGeom>
         </p:spPr>
         <p:txBody>
-          <a:bodyPr anchorCtr="0" anchor="t" bIns="0" lIns="0" spcFirstLastPara="1" rIns="0" wrap="square" tIns="0">
+          <a:bodyPr spcFirstLastPara="1" wrap="square" lIns="0" tIns="0" rIns="0" bIns="0" anchor="t" anchorCtr="0">
             <a:noAutofit/>
           </a:bodyPr>
           <a:lstStyle>
-            <a:lvl1pPr indent="-228600" lvl="0" marL="457200">
+            <a:lvl1pPr marL="457200" lvl="0" indent="-228600">
               <a:spcBef>
                 <a:spcPts val="360"/>
               </a:spcBef>
@@ -10500,15 +10645,19 @@
               <a:defRPr sz="1800"/>
             </a:lvl1pPr>
           </a:lstStyle>
-          <a:p/>
+          <a:p>
+            <a:endParaRPr/>
+          </a:p>
         </p:txBody>
       </p:sp>
       <p:sp>
         <p:nvSpPr>
           <p:cNvPr id="259" name="Google Shape;259;p9"/>
-          <p:cNvSpPr txBox="1"/>
+          <p:cNvSpPr txBox="1">
+            <a:spLocks noGrp="1"/>
+          </p:cNvSpPr>
           <p:nvPr>
-            <p:ph idx="12" type="sldNum"/>
+            <p:ph type="sldNum" idx="12"/>
           </p:nvPr>
         </p:nvSpPr>
         <p:spPr>
@@ -10521,7 +10670,7 @@
           </a:prstGeom>
         </p:spPr>
         <p:txBody>
-          <a:bodyPr anchorCtr="0" anchor="ctr" bIns="0" lIns="0" spcFirstLastPara="1" rIns="0" wrap="square" tIns="0">
+          <a:bodyPr spcFirstLastPara="1" wrap="square" lIns="0" tIns="0" rIns="0" bIns="0" anchor="ctr" anchorCtr="0">
             <a:noAutofit/>
           </a:bodyPr>
           <a:lstStyle>
@@ -10563,7 +10712,7 @@
             </a:lvl9pPr>
           </a:lstStyle>
           <a:p>
-            <a:pPr indent="0" lvl="0" marL="0" rtl="0" algn="ctr">
+            <a:pPr marL="0" lvl="0" indent="0" algn="ctr" rtl="0">
               <a:spcBef>
                 <a:spcPts val="0"/>
               </a:spcBef>
@@ -10589,11 +10738,11 @@
 </file>
 
 <file path=ppt/slideLayouts/slideLayout9.xml><?xml version="1.0" encoding="utf-8"?>
-<p:sldLayout xmlns:a="http://schemas.openxmlformats.org/drawingml/2006/main" xmlns:r="http://schemas.openxmlformats.org/officeDocument/2006/relationships" xmlns:mc="http://schemas.openxmlformats.org/markup-compatibility/2006" xmlns:mv="urn:schemas-microsoft-com:mac:vml" xmlns:p="http://schemas.openxmlformats.org/presentationml/2006/main" xmlns:c="http://schemas.openxmlformats.org/drawingml/2006/chart" xmlns:dgm="http://schemas.openxmlformats.org/drawingml/2006/diagram" xmlns:o="urn:schemas-microsoft-com:office:office" xmlns:v="urn:schemas-microsoft-com:vml" xmlns:pvml="urn:schemas-microsoft-com:office:powerpoint" xmlns:com="http://schemas.openxmlformats.org/drawingml/2006/compatibility" xmlns:p14="http://schemas.microsoft.com/office/powerpoint/2010/main" xmlns:p15="http://schemas.microsoft.com/office/powerpoint/2012/main" matchingName="Blank big emboss" type="blank">
+<p:sldLayout xmlns:a="http://schemas.openxmlformats.org/drawingml/2006/main" xmlns:r="http://schemas.openxmlformats.org/officeDocument/2006/relationships" xmlns:p="http://schemas.openxmlformats.org/presentationml/2006/main" matchingName="Blank big emboss" type="blank">
   <p:cSld name="BLANK">
     <p:spTree>
       <p:nvGrpSpPr>
-        <p:cNvPr id="260" name="Shape 260"/>
+        <p:cNvPr id="1" name="Shape 260"/>
         <p:cNvGrpSpPr/>
         <p:nvPr/>
       </p:nvGrpSpPr>
@@ -10608,9 +10757,11 @@
       <p:sp>
         <p:nvSpPr>
           <p:cNvPr id="261" name="Google Shape;261;p10"/>
-          <p:cNvSpPr txBox="1"/>
+          <p:cNvSpPr txBox="1">
+            <a:spLocks noGrp="1"/>
+          </p:cNvSpPr>
           <p:nvPr>
-            <p:ph idx="12" type="sldNum"/>
+            <p:ph type="sldNum" idx="12"/>
           </p:nvPr>
         </p:nvSpPr>
         <p:spPr>
@@ -10623,7 +10774,7 @@
           </a:prstGeom>
         </p:spPr>
         <p:txBody>
-          <a:bodyPr anchorCtr="0" anchor="ctr" bIns="0" lIns="0" spcFirstLastPara="1" rIns="0" wrap="square" tIns="0">
+          <a:bodyPr spcFirstLastPara="1" wrap="square" lIns="0" tIns="0" rIns="0" bIns="0" anchor="ctr" anchorCtr="0">
             <a:noAutofit/>
           </a:bodyPr>
           <a:lstStyle>
@@ -10665,7 +10816,7 @@
             </a:lvl9pPr>
           </a:lstStyle>
           <a:p>
-            <a:pPr indent="0" lvl="0" marL="0" rtl="0" algn="ctr">
+            <a:pPr marL="0" lvl="0" indent="0" algn="ctr" rtl="0">
               <a:spcBef>
                 <a:spcPts val="0"/>
               </a:spcBef>
@@ -11102,7 +11253,7 @@
 </file>
 
 <file path=ppt/slideMasters/slideMaster1.xml><?xml version="1.0" encoding="utf-8"?>
-<p:sldMaster xmlns:a="http://schemas.openxmlformats.org/drawingml/2006/main" xmlns:r="http://schemas.openxmlformats.org/officeDocument/2006/relationships" xmlns:mc="http://schemas.openxmlformats.org/markup-compatibility/2006" xmlns:mv="urn:schemas-microsoft-com:mac:vml" xmlns:p="http://schemas.openxmlformats.org/presentationml/2006/main" xmlns:c="http://schemas.openxmlformats.org/drawingml/2006/chart" xmlns:dgm="http://schemas.openxmlformats.org/drawingml/2006/diagram" xmlns:o="urn:schemas-microsoft-com:office:office" xmlns:v="urn:schemas-microsoft-com:vml" xmlns:pvml="urn:schemas-microsoft-com:office:powerpoint" xmlns:com="http://schemas.openxmlformats.org/drawingml/2006/compatibility" xmlns:p14="http://schemas.microsoft.com/office/powerpoint/2010/main" xmlns:p15="http://schemas.microsoft.com/office/powerpoint/2012/main">
+<p:sldMaster xmlns:a="http://schemas.openxmlformats.org/drawingml/2006/main" xmlns:r="http://schemas.openxmlformats.org/officeDocument/2006/relationships" xmlns:p="http://schemas.openxmlformats.org/presentationml/2006/main">
   <p:cSld name="simple-light">
     <p:bg>
       <p:bgPr>
@@ -11122,15 +11273,16 @@
             </a:gs>
           </a:gsLst>
           <a:path path="circle">
-            <a:fillToRect b="100%" r="100%"/>
+            <a:fillToRect r="100000" b="100000"/>
           </a:path>
-          <a:tileRect l="-100%" t="-100%"/>
+          <a:tileRect l="-100000" t="-100000"/>
         </a:gradFill>
+        <a:effectLst/>
       </p:bgPr>
     </p:bg>
     <p:spTree>
       <p:nvGrpSpPr>
-        <p:cNvPr id="5" name="Shape 5"/>
+        <p:cNvPr id="1" name="Shape 5"/>
         <p:cNvGrpSpPr/>
         <p:nvPr/>
       </p:nvGrpSpPr>
@@ -11145,7 +11297,9 @@
       <p:sp>
         <p:nvSpPr>
           <p:cNvPr id="6" name="Google Shape;6;p1"/>
-          <p:cNvSpPr txBox="1"/>
+          <p:cNvSpPr txBox="1">
+            <a:spLocks noGrp="1"/>
+          </p:cNvSpPr>
           <p:nvPr>
             <p:ph type="title"/>
           </p:nvPr>
@@ -11164,7 +11318,7 @@
           </a:ln>
         </p:spPr>
         <p:txBody>
-          <a:bodyPr anchorCtr="0" anchor="b" bIns="0" lIns="0" spcFirstLastPara="1" rIns="0" wrap="square" tIns="0">
+          <a:bodyPr spcFirstLastPara="1" wrap="square" lIns="0" tIns="0" rIns="0" bIns="0" anchor="b" anchorCtr="0">
             <a:noAutofit/>
           </a:bodyPr>
           <a:lstStyle>
@@ -11181,7 +11335,7 @@
               <a:buSzPts val="1800"/>
               <a:buFont typeface="Poppins"/>
               <a:buNone/>
-              <a:defRPr b="1" sz="1800">
+              <a:defRPr sz="1800" b="1">
                 <a:solidFill>
                   <a:schemeClr val="dk1"/>
                 </a:solidFill>
@@ -11204,7 +11358,7 @@
               <a:buSzPts val="1800"/>
               <a:buFont typeface="Poppins"/>
               <a:buNone/>
-              <a:defRPr b="1" sz="1800">
+              <a:defRPr sz="1800" b="1">
                 <a:solidFill>
                   <a:schemeClr val="dk1"/>
                 </a:solidFill>
@@ -11227,7 +11381,7 @@
               <a:buSzPts val="1800"/>
               <a:buFont typeface="Poppins"/>
               <a:buNone/>
-              <a:defRPr b="1" sz="1800">
+              <a:defRPr sz="1800" b="1">
                 <a:solidFill>
                   <a:schemeClr val="dk1"/>
                 </a:solidFill>
@@ -11250,7 +11404,7 @@
               <a:buSzPts val="1800"/>
               <a:buFont typeface="Poppins"/>
               <a:buNone/>
-              <a:defRPr b="1" sz="1800">
+              <a:defRPr sz="1800" b="1">
                 <a:solidFill>
                   <a:schemeClr val="dk1"/>
                 </a:solidFill>
@@ -11273,7 +11427,7 @@
               <a:buSzPts val="1800"/>
               <a:buFont typeface="Poppins"/>
               <a:buNone/>
-              <a:defRPr b="1" sz="1800">
+              <a:defRPr sz="1800" b="1">
                 <a:solidFill>
                   <a:schemeClr val="dk1"/>
                 </a:solidFill>
@@ -11296,7 +11450,7 @@
               <a:buSzPts val="1800"/>
               <a:buFont typeface="Poppins"/>
               <a:buNone/>
-              <a:defRPr b="1" sz="1800">
+              <a:defRPr sz="1800" b="1">
                 <a:solidFill>
                   <a:schemeClr val="dk1"/>
                 </a:solidFill>
@@ -11319,7 +11473,7 @@
               <a:buSzPts val="1800"/>
               <a:buFont typeface="Poppins"/>
               <a:buNone/>
-              <a:defRPr b="1" sz="1800">
+              <a:defRPr sz="1800" b="1">
                 <a:solidFill>
                   <a:schemeClr val="dk1"/>
                 </a:solidFill>
@@ -11342,7 +11496,7 @@
               <a:buSzPts val="1800"/>
               <a:buFont typeface="Poppins"/>
               <a:buNone/>
-              <a:defRPr b="1" sz="1800">
+              <a:defRPr sz="1800" b="1">
                 <a:solidFill>
                   <a:schemeClr val="dk1"/>
                 </a:solidFill>
@@ -11365,7 +11519,7 @@
               <a:buSzPts val="1800"/>
               <a:buFont typeface="Poppins"/>
               <a:buNone/>
-              <a:defRPr b="1" sz="1800">
+              <a:defRPr sz="1800" b="1">
                 <a:solidFill>
                   <a:schemeClr val="dk1"/>
                 </a:solidFill>
@@ -11376,15 +11530,19 @@
               </a:defRPr>
             </a:lvl9pPr>
           </a:lstStyle>
-          <a:p/>
+          <a:p>
+            <a:endParaRPr/>
+          </a:p>
         </p:txBody>
       </p:sp>
       <p:sp>
         <p:nvSpPr>
           <p:cNvPr id="7" name="Google Shape;7;p1"/>
-          <p:cNvSpPr txBox="1"/>
+          <p:cNvSpPr txBox="1">
+            <a:spLocks noGrp="1"/>
+          </p:cNvSpPr>
           <p:nvPr>
-            <p:ph idx="1" type="body"/>
+            <p:ph type="body" idx="1"/>
           </p:nvPr>
         </p:nvSpPr>
         <p:spPr>
@@ -11401,11 +11559,11 @@
           </a:ln>
         </p:spPr>
         <p:txBody>
-          <a:bodyPr anchorCtr="0" anchor="t" bIns="0" lIns="0" spcFirstLastPara="1" rIns="0" wrap="square" tIns="0">
+          <a:bodyPr spcFirstLastPara="1" wrap="square" lIns="0" tIns="0" rIns="0" bIns="0" anchor="t" anchorCtr="0">
             <a:noAutofit/>
           </a:bodyPr>
           <a:lstStyle>
-            <a:lvl1pPr indent="-355600" lvl="0" marL="457200">
+            <a:lvl1pPr marL="457200" lvl="0" indent="-355600">
               <a:lnSpc>
                 <a:spcPct val="120000"/>
               </a:lnSpc>
@@ -11431,7 +11589,7 @@
                 <a:sym typeface="Montserrat Light"/>
               </a:defRPr>
             </a:lvl1pPr>
-            <a:lvl2pPr indent="-355600" lvl="1" marL="914400">
+            <a:lvl2pPr marL="914400" lvl="1" indent="-355600">
               <a:lnSpc>
                 <a:spcPct val="120000"/>
               </a:lnSpc>
@@ -11457,7 +11615,7 @@
                 <a:sym typeface="Montserrat Light"/>
               </a:defRPr>
             </a:lvl2pPr>
-            <a:lvl3pPr indent="-355600" lvl="2" marL="1371600">
+            <a:lvl3pPr marL="1371600" lvl="2" indent="-355600">
               <a:lnSpc>
                 <a:spcPct val="120000"/>
               </a:lnSpc>
@@ -11483,7 +11641,7 @@
                 <a:sym typeface="Montserrat Light"/>
               </a:defRPr>
             </a:lvl3pPr>
-            <a:lvl4pPr indent="-355600" lvl="3" marL="1828800">
+            <a:lvl4pPr marL="1828800" lvl="3" indent="-355600">
               <a:lnSpc>
                 <a:spcPct val="120000"/>
               </a:lnSpc>
@@ -11509,7 +11667,7 @@
                 <a:sym typeface="Montserrat Light"/>
               </a:defRPr>
             </a:lvl4pPr>
-            <a:lvl5pPr indent="-355600" lvl="4" marL="2286000">
+            <a:lvl5pPr marL="2286000" lvl="4" indent="-355600">
               <a:lnSpc>
                 <a:spcPct val="120000"/>
               </a:lnSpc>
@@ -11535,7 +11693,7 @@
                 <a:sym typeface="Montserrat Light"/>
               </a:defRPr>
             </a:lvl5pPr>
-            <a:lvl6pPr indent="-355600" lvl="5" marL="2743200">
+            <a:lvl6pPr marL="2743200" lvl="5" indent="-355600">
               <a:lnSpc>
                 <a:spcPct val="120000"/>
               </a:lnSpc>
@@ -11561,7 +11719,7 @@
                 <a:sym typeface="Montserrat Light"/>
               </a:defRPr>
             </a:lvl6pPr>
-            <a:lvl7pPr indent="-355600" lvl="6" marL="3200400">
+            <a:lvl7pPr marL="3200400" lvl="6" indent="-355600">
               <a:lnSpc>
                 <a:spcPct val="120000"/>
               </a:lnSpc>
@@ -11587,7 +11745,7 @@
                 <a:sym typeface="Montserrat Light"/>
               </a:defRPr>
             </a:lvl7pPr>
-            <a:lvl8pPr indent="-355600" lvl="7" marL="3657600">
+            <a:lvl8pPr marL="3657600" lvl="7" indent="-355600">
               <a:lnSpc>
                 <a:spcPct val="120000"/>
               </a:lnSpc>
@@ -11613,7 +11771,7 @@
                 <a:sym typeface="Montserrat Light"/>
               </a:defRPr>
             </a:lvl8pPr>
-            <a:lvl9pPr indent="-355600" lvl="8" marL="4114800">
+            <a:lvl9pPr marL="4114800" lvl="8" indent="-355600">
               <a:lnSpc>
                 <a:spcPct val="120000"/>
               </a:lnSpc>
@@ -11640,15 +11798,19 @@
               </a:defRPr>
             </a:lvl9pPr>
           </a:lstStyle>
-          <a:p/>
+          <a:p>
+            <a:endParaRPr/>
+          </a:p>
         </p:txBody>
       </p:sp>
       <p:sp>
         <p:nvSpPr>
           <p:cNvPr id="8" name="Google Shape;8;p1"/>
-          <p:cNvSpPr txBox="1"/>
+          <p:cNvSpPr txBox="1">
+            <a:spLocks noGrp="1"/>
+          </p:cNvSpPr>
           <p:nvPr>
-            <p:ph idx="12" type="sldNum"/>
+            <p:ph type="sldNum" idx="12"/>
           </p:nvPr>
         </p:nvSpPr>
         <p:spPr>
@@ -11665,7 +11827,7 @@
           </a:ln>
         </p:spPr>
         <p:txBody>
-          <a:bodyPr anchorCtr="0" anchor="ctr" bIns="0" lIns="0" spcFirstLastPara="1" rIns="0" wrap="square" tIns="0">
+          <a:bodyPr spcFirstLastPara="1" wrap="square" lIns="0" tIns="0" rIns="0" bIns="0" anchor="ctr" anchorCtr="0">
             <a:noAutofit/>
           </a:bodyPr>
           <a:lstStyle>
@@ -11779,7 +11941,7 @@
             </a:lvl9pPr>
           </a:lstStyle>
           <a:p>
-            <a:pPr indent="0" lvl="0" marL="0" rtl="0" algn="ctr">
+            <a:pPr marL="0" lvl="0" indent="0" algn="ctr" rtl="0">
               <a:spcBef>
                 <a:spcPts val="0"/>
               </a:spcBef>
@@ -11798,7 +11960,7 @@
       </p:sp>
     </p:spTree>
   </p:cSld>
-  <p:clrMap accent1="accent1" accent2="accent2" accent3="accent3" accent4="accent4" accent5="accent5" accent6="accent6" bg1="lt1" bg2="dk2" tx1="dk1" tx2="lt2" folHlink="folHlink" hlink="hlink"/>
+  <p:clrMap bg1="lt1" tx1="dk1" bg2="dk2" tx2="lt2" accent1="accent1" accent2="accent2" accent3="accent3" accent4="accent4" accent5="accent5" accent6="accent6" hlink="hlink" folHlink="folHlink"/>
   <p:sldLayoutIdLst>
     <p:sldLayoutId id="2147483648" r:id="rId1"/>
     <p:sldLayoutId id="2147483649" r:id="rId2"/>
@@ -11814,10 +11976,10 @@
   <p:transition>
     <p:fade thruBlk="1"/>
   </p:transition>
-  <p:hf dt="0" ftr="0" hdr="0"/>
+  <p:hf hdr="0" ftr="0" dt="0"/>
   <p:txStyles>
     <p:titleStyle>
-      <a:defPPr lvl="0" marR="0" rtl="0" algn="l">
+      <a:defPPr marR="0" lvl="0" algn="l" rtl="0">
         <a:lnSpc>
           <a:spcPct val="100000"/>
         </a:lnSpc>
@@ -11828,7 +11990,7 @@
           <a:spcPts val="0"/>
         </a:spcAft>
       </a:defPPr>
-      <a:lvl1pPr lvl="0" marR="0" rtl="0" algn="l">
+      <a:lvl1pPr marR="0" lvl="0" algn="l" rtl="0">
         <a:lnSpc>
           <a:spcPct val="100000"/>
         </a:lnSpc>
@@ -11842,7 +12004,7 @@
           <a:srgbClr val="000000"/>
         </a:buClr>
         <a:buFont typeface="Arial"/>
-        <a:defRPr b="0" i="0" sz="1400" u="none" cap="none" strike="noStrike">
+        <a:defRPr sz="1400" b="0" i="0" u="none" strike="noStrike" cap="none">
           <a:solidFill>
             <a:srgbClr val="000000"/>
           </a:solidFill>
@@ -11852,7 +12014,7 @@
           <a:sym typeface="Arial"/>
         </a:defRPr>
       </a:lvl1pPr>
-      <a:lvl2pPr lvl="1" marR="0" rtl="0" algn="l">
+      <a:lvl2pPr marR="0" lvl="1" algn="l" rtl="0">
         <a:lnSpc>
           <a:spcPct val="100000"/>
         </a:lnSpc>
@@ -11866,7 +12028,7 @@
           <a:srgbClr val="000000"/>
         </a:buClr>
         <a:buFont typeface="Arial"/>
-        <a:defRPr b="0" i="0" sz="1400" u="none" cap="none" strike="noStrike">
+        <a:defRPr sz="1400" b="0" i="0" u="none" strike="noStrike" cap="none">
           <a:solidFill>
             <a:srgbClr val="000000"/>
           </a:solidFill>
@@ -11876,7 +12038,7 @@
           <a:sym typeface="Arial"/>
         </a:defRPr>
       </a:lvl2pPr>
-      <a:lvl3pPr lvl="2" marR="0" rtl="0" algn="l">
+      <a:lvl3pPr marR="0" lvl="2" algn="l" rtl="0">
         <a:lnSpc>
           <a:spcPct val="100000"/>
         </a:lnSpc>
@@ -11890,7 +12052,7 @@
           <a:srgbClr val="000000"/>
         </a:buClr>
         <a:buFont typeface="Arial"/>
-        <a:defRPr b="0" i="0" sz="1400" u="none" cap="none" strike="noStrike">
+        <a:defRPr sz="1400" b="0" i="0" u="none" strike="noStrike" cap="none">
           <a:solidFill>
             <a:srgbClr val="000000"/>
           </a:solidFill>
@@ -11900,7 +12062,7 @@
           <a:sym typeface="Arial"/>
         </a:defRPr>
       </a:lvl3pPr>
-      <a:lvl4pPr lvl="3" marR="0" rtl="0" algn="l">
+      <a:lvl4pPr marR="0" lvl="3" algn="l" rtl="0">
         <a:lnSpc>
           <a:spcPct val="100000"/>
         </a:lnSpc>
@@ -11914,7 +12076,7 @@
           <a:srgbClr val="000000"/>
         </a:buClr>
         <a:buFont typeface="Arial"/>
-        <a:defRPr b="0" i="0" sz="1400" u="none" cap="none" strike="noStrike">
+        <a:defRPr sz="1400" b="0" i="0" u="none" strike="noStrike" cap="none">
           <a:solidFill>
             <a:srgbClr val="000000"/>
           </a:solidFill>
@@ -11924,7 +12086,7 @@
           <a:sym typeface="Arial"/>
         </a:defRPr>
       </a:lvl4pPr>
-      <a:lvl5pPr lvl="4" marR="0" rtl="0" algn="l">
+      <a:lvl5pPr marR="0" lvl="4" algn="l" rtl="0">
         <a:lnSpc>
           <a:spcPct val="100000"/>
         </a:lnSpc>
@@ -11938,7 +12100,7 @@
           <a:srgbClr val="000000"/>
         </a:buClr>
         <a:buFont typeface="Arial"/>
-        <a:defRPr b="0" i="0" sz="1400" u="none" cap="none" strike="noStrike">
+        <a:defRPr sz="1400" b="0" i="0" u="none" strike="noStrike" cap="none">
           <a:solidFill>
             <a:srgbClr val="000000"/>
           </a:solidFill>
@@ -11948,7 +12110,7 @@
           <a:sym typeface="Arial"/>
         </a:defRPr>
       </a:lvl5pPr>
-      <a:lvl6pPr lvl="5" marR="0" rtl="0" algn="l">
+      <a:lvl6pPr marR="0" lvl="5" algn="l" rtl="0">
         <a:lnSpc>
           <a:spcPct val="100000"/>
         </a:lnSpc>
@@ -11962,7 +12124,7 @@
           <a:srgbClr val="000000"/>
         </a:buClr>
         <a:buFont typeface="Arial"/>
-        <a:defRPr b="0" i="0" sz="1400" u="none" cap="none" strike="noStrike">
+        <a:defRPr sz="1400" b="0" i="0" u="none" strike="noStrike" cap="none">
           <a:solidFill>
             <a:srgbClr val="000000"/>
           </a:solidFill>
@@ -11972,7 +12134,7 @@
           <a:sym typeface="Arial"/>
         </a:defRPr>
       </a:lvl6pPr>
-      <a:lvl7pPr lvl="6" marR="0" rtl="0" algn="l">
+      <a:lvl7pPr marR="0" lvl="6" algn="l" rtl="0">
         <a:lnSpc>
           <a:spcPct val="100000"/>
         </a:lnSpc>
@@ -11986,7 +12148,7 @@
           <a:srgbClr val="000000"/>
         </a:buClr>
         <a:buFont typeface="Arial"/>
-        <a:defRPr b="0" i="0" sz="1400" u="none" cap="none" strike="noStrike">
+        <a:defRPr sz="1400" b="0" i="0" u="none" strike="noStrike" cap="none">
           <a:solidFill>
             <a:srgbClr val="000000"/>
           </a:solidFill>
@@ -11996,7 +12158,7 @@
           <a:sym typeface="Arial"/>
         </a:defRPr>
       </a:lvl7pPr>
-      <a:lvl8pPr lvl="7" marR="0" rtl="0" algn="l">
+      <a:lvl8pPr marR="0" lvl="7" algn="l" rtl="0">
         <a:lnSpc>
           <a:spcPct val="100000"/>
         </a:lnSpc>
@@ -12010,7 +12172,7 @@
           <a:srgbClr val="000000"/>
         </a:buClr>
         <a:buFont typeface="Arial"/>
-        <a:defRPr b="0" i="0" sz="1400" u="none" cap="none" strike="noStrike">
+        <a:defRPr sz="1400" b="0" i="0" u="none" strike="noStrike" cap="none">
           <a:solidFill>
             <a:srgbClr val="000000"/>
           </a:solidFill>
@@ -12020,7 +12182,7 @@
           <a:sym typeface="Arial"/>
         </a:defRPr>
       </a:lvl8pPr>
-      <a:lvl9pPr lvl="8" marR="0" rtl="0" algn="l">
+      <a:lvl9pPr marR="0" lvl="8" algn="l" rtl="0">
         <a:lnSpc>
           <a:spcPct val="100000"/>
         </a:lnSpc>
@@ -12034,7 +12196,7 @@
           <a:srgbClr val="000000"/>
         </a:buClr>
         <a:buFont typeface="Arial"/>
-        <a:defRPr b="0" i="0" sz="1400" u="none" cap="none" strike="noStrike">
+        <a:defRPr sz="1400" b="0" i="0" u="none" strike="noStrike" cap="none">
           <a:solidFill>
             <a:srgbClr val="000000"/>
           </a:solidFill>
@@ -12046,7 +12208,7 @@
       </a:lvl9pPr>
     </p:titleStyle>
     <p:bodyStyle>
-      <a:defPPr lvl="0" marR="0" rtl="0" algn="l">
+      <a:defPPr marR="0" lvl="0" algn="l" rtl="0">
         <a:lnSpc>
           <a:spcPct val="100000"/>
         </a:lnSpc>
@@ -12057,7 +12219,7 @@
           <a:spcPts val="0"/>
         </a:spcAft>
       </a:defPPr>
-      <a:lvl1pPr lvl="0" marR="0" rtl="0" algn="l">
+      <a:lvl1pPr marR="0" lvl="0" algn="l" rtl="0">
         <a:lnSpc>
           <a:spcPct val="100000"/>
         </a:lnSpc>
@@ -12071,7 +12233,7 @@
           <a:srgbClr val="000000"/>
         </a:buClr>
         <a:buFont typeface="Arial"/>
-        <a:defRPr b="0" i="0" sz="1400" u="none" cap="none" strike="noStrike">
+        <a:defRPr sz="1400" b="0" i="0" u="none" strike="noStrike" cap="none">
           <a:solidFill>
             <a:srgbClr val="000000"/>
           </a:solidFill>
@@ -12081,7 +12243,7 @@
           <a:sym typeface="Arial"/>
         </a:defRPr>
       </a:lvl1pPr>
-      <a:lvl2pPr lvl="1" marR="0" rtl="0" algn="l">
+      <a:lvl2pPr marR="0" lvl="1" algn="l" rtl="0">
         <a:lnSpc>
           <a:spcPct val="100000"/>
         </a:lnSpc>
@@ -12095,7 +12257,7 @@
           <a:srgbClr val="000000"/>
         </a:buClr>
         <a:buFont typeface="Arial"/>
-        <a:defRPr b="0" i="0" sz="1400" u="none" cap="none" strike="noStrike">
+        <a:defRPr sz="1400" b="0" i="0" u="none" strike="noStrike" cap="none">
           <a:solidFill>
             <a:srgbClr val="000000"/>
           </a:solidFill>
@@ -12105,7 +12267,7 @@
           <a:sym typeface="Arial"/>
         </a:defRPr>
       </a:lvl2pPr>
-      <a:lvl3pPr lvl="2" marR="0" rtl="0" algn="l">
+      <a:lvl3pPr marR="0" lvl="2" algn="l" rtl="0">
         <a:lnSpc>
           <a:spcPct val="100000"/>
         </a:lnSpc>
@@ -12119,7 +12281,7 @@
           <a:srgbClr val="000000"/>
         </a:buClr>
         <a:buFont typeface="Arial"/>
-        <a:defRPr b="0" i="0" sz="1400" u="none" cap="none" strike="noStrike">
+        <a:defRPr sz="1400" b="0" i="0" u="none" strike="noStrike" cap="none">
           <a:solidFill>
             <a:srgbClr val="000000"/>
           </a:solidFill>
@@ -12129,7 +12291,7 @@
           <a:sym typeface="Arial"/>
         </a:defRPr>
       </a:lvl3pPr>
-      <a:lvl4pPr lvl="3" marR="0" rtl="0" algn="l">
+      <a:lvl4pPr marR="0" lvl="3" algn="l" rtl="0">
         <a:lnSpc>
           <a:spcPct val="100000"/>
         </a:lnSpc>
@@ -12143,7 +12305,7 @@
           <a:srgbClr val="000000"/>
         </a:buClr>
         <a:buFont typeface="Arial"/>
-        <a:defRPr b="0" i="0" sz="1400" u="none" cap="none" strike="noStrike">
+        <a:defRPr sz="1400" b="0" i="0" u="none" strike="noStrike" cap="none">
           <a:solidFill>
             <a:srgbClr val="000000"/>
           </a:solidFill>
@@ -12153,7 +12315,7 @@
           <a:sym typeface="Arial"/>
         </a:defRPr>
       </a:lvl4pPr>
-      <a:lvl5pPr lvl="4" marR="0" rtl="0" algn="l">
+      <a:lvl5pPr marR="0" lvl="4" algn="l" rtl="0">
         <a:lnSpc>
           <a:spcPct val="100000"/>
         </a:lnSpc>
@@ -12167,7 +12329,7 @@
           <a:srgbClr val="000000"/>
         </a:buClr>
         <a:buFont typeface="Arial"/>
-        <a:defRPr b="0" i="0" sz="1400" u="none" cap="none" strike="noStrike">
+        <a:defRPr sz="1400" b="0" i="0" u="none" strike="noStrike" cap="none">
           <a:solidFill>
             <a:srgbClr val="000000"/>
           </a:solidFill>
@@ -12177,7 +12339,7 @@
           <a:sym typeface="Arial"/>
         </a:defRPr>
       </a:lvl5pPr>
-      <a:lvl6pPr lvl="5" marR="0" rtl="0" algn="l">
+      <a:lvl6pPr marR="0" lvl="5" algn="l" rtl="0">
         <a:lnSpc>
           <a:spcPct val="100000"/>
         </a:lnSpc>
@@ -12191,7 +12353,7 @@
           <a:srgbClr val="000000"/>
         </a:buClr>
         <a:buFont typeface="Arial"/>
-        <a:defRPr b="0" i="0" sz="1400" u="none" cap="none" strike="noStrike">
+        <a:defRPr sz="1400" b="0" i="0" u="none" strike="noStrike" cap="none">
           <a:solidFill>
             <a:srgbClr val="000000"/>
           </a:solidFill>
@@ -12201,7 +12363,7 @@
           <a:sym typeface="Arial"/>
         </a:defRPr>
       </a:lvl6pPr>
-      <a:lvl7pPr lvl="6" marR="0" rtl="0" algn="l">
+      <a:lvl7pPr marR="0" lvl="6" algn="l" rtl="0">
         <a:lnSpc>
           <a:spcPct val="100000"/>
         </a:lnSpc>
@@ -12215,7 +12377,7 @@
           <a:srgbClr val="000000"/>
         </a:buClr>
         <a:buFont typeface="Arial"/>
-        <a:defRPr b="0" i="0" sz="1400" u="none" cap="none" strike="noStrike">
+        <a:defRPr sz="1400" b="0" i="0" u="none" strike="noStrike" cap="none">
           <a:solidFill>
             <a:srgbClr val="000000"/>
           </a:solidFill>
@@ -12225,7 +12387,7 @@
           <a:sym typeface="Arial"/>
         </a:defRPr>
       </a:lvl7pPr>
-      <a:lvl8pPr lvl="7" marR="0" rtl="0" algn="l">
+      <a:lvl8pPr marR="0" lvl="7" algn="l" rtl="0">
         <a:lnSpc>
           <a:spcPct val="100000"/>
         </a:lnSpc>
@@ -12239,7 +12401,7 @@
           <a:srgbClr val="000000"/>
         </a:buClr>
         <a:buFont typeface="Arial"/>
-        <a:defRPr b="0" i="0" sz="1400" u="none" cap="none" strike="noStrike">
+        <a:defRPr sz="1400" b="0" i="0" u="none" strike="noStrike" cap="none">
           <a:solidFill>
             <a:srgbClr val="000000"/>
           </a:solidFill>
@@ -12249,7 +12411,7 @@
           <a:sym typeface="Arial"/>
         </a:defRPr>
       </a:lvl8pPr>
-      <a:lvl9pPr lvl="8" marR="0" rtl="0" algn="l">
+      <a:lvl9pPr marR="0" lvl="8" algn="l" rtl="0">
         <a:lnSpc>
           <a:spcPct val="100000"/>
         </a:lnSpc>
@@ -12263,7 +12425,7 @@
           <a:srgbClr val="000000"/>
         </a:buClr>
         <a:buFont typeface="Arial"/>
-        <a:defRPr b="0" i="0" sz="1400" u="none" cap="none" strike="noStrike">
+        <a:defRPr sz="1400" b="0" i="0" u="none" strike="noStrike" cap="none">
           <a:solidFill>
             <a:srgbClr val="000000"/>
           </a:solidFill>
@@ -12275,7 +12437,7 @@
       </a:lvl9pPr>
     </p:bodyStyle>
     <p:otherStyle>
-      <a:defPPr lvl="0" marR="0" rtl="0" algn="l">
+      <a:defPPr marR="0" lvl="0" algn="l" rtl="0">
         <a:lnSpc>
           <a:spcPct val="100000"/>
         </a:lnSpc>
@@ -12286,7 +12448,7 @@
           <a:spcPts val="0"/>
         </a:spcAft>
       </a:defPPr>
-      <a:lvl1pPr lvl="0" marR="0" rtl="0" algn="l">
+      <a:lvl1pPr marR="0" lvl="0" algn="l" rtl="0">
         <a:lnSpc>
           <a:spcPct val="100000"/>
         </a:lnSpc>
@@ -12300,7 +12462,7 @@
           <a:srgbClr val="000000"/>
         </a:buClr>
         <a:buFont typeface="Arial"/>
-        <a:defRPr b="0" i="0" sz="1400" u="none" cap="none" strike="noStrike">
+        <a:defRPr sz="1400" b="0" i="0" u="none" strike="noStrike" cap="none">
           <a:solidFill>
             <a:srgbClr val="000000"/>
           </a:solidFill>
@@ -12310,7 +12472,7 @@
           <a:sym typeface="Arial"/>
         </a:defRPr>
       </a:lvl1pPr>
-      <a:lvl2pPr lvl="1" marR="0" rtl="0" algn="l">
+      <a:lvl2pPr marR="0" lvl="1" algn="l" rtl="0">
         <a:lnSpc>
           <a:spcPct val="100000"/>
         </a:lnSpc>
@@ -12324,7 +12486,7 @@
           <a:srgbClr val="000000"/>
         </a:buClr>
         <a:buFont typeface="Arial"/>
-        <a:defRPr b="0" i="0" sz="1400" u="none" cap="none" strike="noStrike">
+        <a:defRPr sz="1400" b="0" i="0" u="none" strike="noStrike" cap="none">
           <a:solidFill>
             <a:srgbClr val="000000"/>
           </a:solidFill>
@@ -12334,7 +12496,7 @@
           <a:sym typeface="Arial"/>
         </a:defRPr>
       </a:lvl2pPr>
-      <a:lvl3pPr lvl="2" marR="0" rtl="0" algn="l">
+      <a:lvl3pPr marR="0" lvl="2" algn="l" rtl="0">
         <a:lnSpc>
           <a:spcPct val="100000"/>
         </a:lnSpc>
@@ -12348,7 +12510,7 @@
           <a:srgbClr val="000000"/>
         </a:buClr>
         <a:buFont typeface="Arial"/>
-        <a:defRPr b="0" i="0" sz="1400" u="none" cap="none" strike="noStrike">
+        <a:defRPr sz="1400" b="0" i="0" u="none" strike="noStrike" cap="none">
           <a:solidFill>
             <a:srgbClr val="000000"/>
           </a:solidFill>
@@ -12358,7 +12520,7 @@
           <a:sym typeface="Arial"/>
         </a:defRPr>
       </a:lvl3pPr>
-      <a:lvl4pPr lvl="3" marR="0" rtl="0" algn="l">
+      <a:lvl4pPr marR="0" lvl="3" algn="l" rtl="0">
         <a:lnSpc>
           <a:spcPct val="100000"/>
         </a:lnSpc>
@@ -12372,7 +12534,7 @@
           <a:srgbClr val="000000"/>
         </a:buClr>
         <a:buFont typeface="Arial"/>
-        <a:defRPr b="0" i="0" sz="1400" u="none" cap="none" strike="noStrike">
+        <a:defRPr sz="1400" b="0" i="0" u="none" strike="noStrike" cap="none">
           <a:solidFill>
             <a:srgbClr val="000000"/>
           </a:solidFill>
@@ -12382,7 +12544,7 @@
           <a:sym typeface="Arial"/>
         </a:defRPr>
       </a:lvl4pPr>
-      <a:lvl5pPr lvl="4" marR="0" rtl="0" algn="l">
+      <a:lvl5pPr marR="0" lvl="4" algn="l" rtl="0">
         <a:lnSpc>
           <a:spcPct val="100000"/>
         </a:lnSpc>
@@ -12396,7 +12558,7 @@
           <a:srgbClr val="000000"/>
         </a:buClr>
         <a:buFont typeface="Arial"/>
-        <a:defRPr b="0" i="0" sz="1400" u="none" cap="none" strike="noStrike">
+        <a:defRPr sz="1400" b="0" i="0" u="none" strike="noStrike" cap="none">
           <a:solidFill>
             <a:srgbClr val="000000"/>
           </a:solidFill>
@@ -12406,7 +12568,7 @@
           <a:sym typeface="Arial"/>
         </a:defRPr>
       </a:lvl5pPr>
-      <a:lvl6pPr lvl="5" marR="0" rtl="0" algn="l">
+      <a:lvl6pPr marR="0" lvl="5" algn="l" rtl="0">
         <a:lnSpc>
           <a:spcPct val="100000"/>
         </a:lnSpc>
@@ -12420,7 +12582,7 @@
           <a:srgbClr val="000000"/>
         </a:buClr>
         <a:buFont typeface="Arial"/>
-        <a:defRPr b="0" i="0" sz="1400" u="none" cap="none" strike="noStrike">
+        <a:defRPr sz="1400" b="0" i="0" u="none" strike="noStrike" cap="none">
           <a:solidFill>
             <a:srgbClr val="000000"/>
           </a:solidFill>
@@ -12430,7 +12592,7 @@
           <a:sym typeface="Arial"/>
         </a:defRPr>
       </a:lvl6pPr>
-      <a:lvl7pPr lvl="6" marR="0" rtl="0" algn="l">
+      <a:lvl7pPr marR="0" lvl="6" algn="l" rtl="0">
         <a:lnSpc>
           <a:spcPct val="100000"/>
         </a:lnSpc>
@@ -12444,7 +12606,7 @@
           <a:srgbClr val="000000"/>
         </a:buClr>
         <a:buFont typeface="Arial"/>
-        <a:defRPr b="0" i="0" sz="1400" u="none" cap="none" strike="noStrike">
+        <a:defRPr sz="1400" b="0" i="0" u="none" strike="noStrike" cap="none">
           <a:solidFill>
             <a:srgbClr val="000000"/>
           </a:solidFill>
@@ -12454,7 +12616,7 @@
           <a:sym typeface="Arial"/>
         </a:defRPr>
       </a:lvl7pPr>
-      <a:lvl8pPr lvl="7" marR="0" rtl="0" algn="l">
+      <a:lvl8pPr marR="0" lvl="7" algn="l" rtl="0">
         <a:lnSpc>
           <a:spcPct val="100000"/>
         </a:lnSpc>
@@ -12468,7 +12630,7 @@
           <a:srgbClr val="000000"/>
         </a:buClr>
         <a:buFont typeface="Arial"/>
-        <a:defRPr b="0" i="0" sz="1400" u="none" cap="none" strike="noStrike">
+        <a:defRPr sz="1400" b="0" i="0" u="none" strike="noStrike" cap="none">
           <a:solidFill>
             <a:srgbClr val="000000"/>
           </a:solidFill>
@@ -12478,7 +12640,7 @@
           <a:sym typeface="Arial"/>
         </a:defRPr>
       </a:lvl8pPr>
-      <a:lvl9pPr lvl="8" marR="0" rtl="0" algn="l">
+      <a:lvl9pPr marR="0" lvl="8" algn="l" rtl="0">
         <a:lnSpc>
           <a:spcPct val="100000"/>
         </a:lnSpc>
@@ -12492,7 +12654,7 @@
           <a:srgbClr val="000000"/>
         </a:buClr>
         <a:buFont typeface="Arial"/>
-        <a:defRPr b="0" i="0" sz="1400" u="none" cap="none" strike="noStrike">
+        <a:defRPr sz="1400" b="0" i="0" u="none" strike="noStrike" cap="none">
           <a:solidFill>
             <a:srgbClr val="000000"/>
           </a:solidFill>
@@ -12508,11 +12670,11 @@
 </file>
 
 <file path=ppt/slides/slide1.xml><?xml version="1.0" encoding="utf-8"?>
-<p:sld xmlns:a="http://schemas.openxmlformats.org/drawingml/2006/main" xmlns:r="http://schemas.openxmlformats.org/officeDocument/2006/relationships" xmlns:mc="http://schemas.openxmlformats.org/markup-compatibility/2006" xmlns:mv="urn:schemas-microsoft-com:mac:vml" xmlns:p="http://schemas.openxmlformats.org/presentationml/2006/main" xmlns:c="http://schemas.openxmlformats.org/drawingml/2006/chart" xmlns:dgm="http://schemas.openxmlformats.org/drawingml/2006/diagram" xmlns:o="urn:schemas-microsoft-com:office:office" xmlns:v="urn:schemas-microsoft-com:vml" xmlns:pvml="urn:schemas-microsoft-com:office:powerpoint" xmlns:com="http://schemas.openxmlformats.org/drawingml/2006/compatibility" xmlns:p14="http://schemas.microsoft.com/office/powerpoint/2010/main" xmlns:p15="http://schemas.microsoft.com/office/powerpoint/2012/main">
+<p:sld xmlns:a="http://schemas.openxmlformats.org/drawingml/2006/main" xmlns:r="http://schemas.openxmlformats.org/officeDocument/2006/relationships" xmlns:p="http://schemas.openxmlformats.org/presentationml/2006/main">
   <p:cSld>
     <p:spTree>
       <p:nvGrpSpPr>
-        <p:cNvPr id="310" name="Shape 310"/>
+        <p:cNvPr id="1" name="Shape 310"/>
         <p:cNvGrpSpPr/>
         <p:nvPr/>
       </p:nvGrpSpPr>
@@ -12527,7 +12689,9 @@
       <p:sp>
         <p:nvSpPr>
           <p:cNvPr id="311" name="Google Shape;311;p12"/>
-          <p:cNvSpPr txBox="1"/>
+          <p:cNvSpPr txBox="1">
+            <a:spLocks noGrp="1"/>
+          </p:cNvSpPr>
           <p:nvPr>
             <p:ph type="ctrTitle"/>
           </p:nvPr>
@@ -12542,12 +12706,12 @@
           </a:prstGeom>
         </p:spPr>
         <p:txBody>
-          <a:bodyPr anchorCtr="0" anchor="ctr" bIns="0" lIns="0" spcFirstLastPara="1" rIns="0" wrap="square" tIns="0">
+          <a:bodyPr spcFirstLastPara="1" wrap="square" lIns="0" tIns="0" rIns="0" bIns="0" anchor="ctr" anchorCtr="0">
             <a:noAutofit/>
           </a:bodyPr>
           <a:lstStyle/>
           <a:p>
-            <a:pPr indent="0" lvl="0" marL="0" rtl="0" algn="l">
+            <a:pPr marL="0" lvl="0" indent="0" algn="l" rtl="0">
               <a:spcBef>
                 <a:spcPts val="0"/>
               </a:spcBef>
@@ -12557,13 +12721,13 @@
               <a:buNone/>
             </a:pPr>
             <a:r>
-              <a:rPr lang="en"/>
+              <a:rPr lang="en" dirty="0"/>
               <a:t>CHAMA TEST:</a:t>
             </a:r>
-            <a:endParaRPr/>
+            <a:endParaRPr dirty="0"/>
           </a:p>
           <a:p>
-            <a:pPr indent="0" lvl="0" marL="0" rtl="0" algn="l">
+            <a:pPr marL="0" lvl="0" indent="0" algn="l" rtl="0">
               <a:spcBef>
                 <a:spcPts val="0"/>
               </a:spcBef>
@@ -12573,13 +12737,21 @@
               <a:buNone/>
             </a:pPr>
             <a:r>
-              <a:rPr lang="en"/>
-              <a:t>What wat Done?</a:t>
+              <a:rPr lang="en" dirty="0"/>
+              <a:t>What wa</a:t>
             </a:r>
-            <a:endParaRPr/>
+            <a:r>
+              <a:rPr lang="en-GB" dirty="0"/>
+              <a:t>s</a:t>
+            </a:r>
+            <a:r>
+              <a:rPr lang="en" dirty="0"/>
+              <a:t> Done?</a:t>
+            </a:r>
+            <a:endParaRPr dirty="0"/>
           </a:p>
           <a:p>
-            <a:pPr indent="0" lvl="0" marL="0" rtl="0" algn="l">
+            <a:pPr marL="0" lvl="0" indent="0" algn="l" rtl="0">
               <a:spcBef>
                 <a:spcPts val="0"/>
               </a:spcBef>
@@ -12589,10 +12761,10 @@
               <a:buNone/>
             </a:pPr>
             <a:r>
-              <a:rPr lang="en"/>
+              <a:rPr lang="en" dirty="0"/>
               <a:t>What should Have?</a:t>
             </a:r>
-            <a:endParaRPr/>
+            <a:endParaRPr dirty="0"/>
           </a:p>
         </p:txBody>
       </p:sp>
@@ -12605,11 +12777,11 @@
 </file>
 
 <file path=ppt/slides/slide10.xml><?xml version="1.0" encoding="utf-8"?>
-<p:sld xmlns:a="http://schemas.openxmlformats.org/drawingml/2006/main" xmlns:r="http://schemas.openxmlformats.org/officeDocument/2006/relationships" xmlns:mc="http://schemas.openxmlformats.org/markup-compatibility/2006" xmlns:mv="urn:schemas-microsoft-com:mac:vml" xmlns:p="http://schemas.openxmlformats.org/presentationml/2006/main" xmlns:c="http://schemas.openxmlformats.org/drawingml/2006/chart" xmlns:dgm="http://schemas.openxmlformats.org/drawingml/2006/diagram" xmlns:o="urn:schemas-microsoft-com:office:office" xmlns:v="urn:schemas-microsoft-com:vml" xmlns:pvml="urn:schemas-microsoft-com:office:powerpoint" xmlns:com="http://schemas.openxmlformats.org/drawingml/2006/compatibility" xmlns:p14="http://schemas.microsoft.com/office/powerpoint/2010/main" xmlns:p15="http://schemas.microsoft.com/office/powerpoint/2012/main">
+<p:sld xmlns:a="http://schemas.openxmlformats.org/drawingml/2006/main" xmlns:r="http://schemas.openxmlformats.org/officeDocument/2006/relationships" xmlns:p="http://schemas.openxmlformats.org/presentationml/2006/main">
   <p:cSld>
     <p:spTree>
       <p:nvGrpSpPr>
-        <p:cNvPr id="391" name="Shape 391"/>
+        <p:cNvPr id="1" name="Shape 391"/>
         <p:cNvGrpSpPr/>
         <p:nvPr/>
       </p:nvGrpSpPr>
@@ -12624,7 +12796,9 @@
       <p:sp>
         <p:nvSpPr>
           <p:cNvPr id="392" name="Google Shape;392;p21"/>
-          <p:cNvSpPr txBox="1"/>
+          <p:cNvSpPr txBox="1">
+            <a:spLocks noGrp="1"/>
+          </p:cNvSpPr>
           <p:nvPr>
             <p:ph type="title"/>
           </p:nvPr>
@@ -12639,12 +12813,12 @@
           </a:prstGeom>
         </p:spPr>
         <p:txBody>
-          <a:bodyPr anchorCtr="0" anchor="b" bIns="0" lIns="0" spcFirstLastPara="1" rIns="0" wrap="square" tIns="0">
+          <a:bodyPr spcFirstLastPara="1" wrap="square" lIns="0" tIns="0" rIns="0" bIns="0" anchor="b" anchorCtr="0">
             <a:noAutofit/>
           </a:bodyPr>
           <a:lstStyle/>
           <a:p>
-            <a:pPr indent="0" lvl="0" marL="0" rtl="0" algn="l">
+            <a:pPr marL="0" lvl="0" indent="0" algn="l" rtl="0">
               <a:spcBef>
                 <a:spcPts val="0"/>
               </a:spcBef>
@@ -12664,9 +12838,11 @@
       <p:sp>
         <p:nvSpPr>
           <p:cNvPr id="393" name="Google Shape;393;p21"/>
-          <p:cNvSpPr txBox="1"/>
+          <p:cNvSpPr txBox="1">
+            <a:spLocks noGrp="1"/>
+          </p:cNvSpPr>
           <p:nvPr>
-            <p:ph idx="1" type="body"/>
+            <p:ph type="body" idx="1"/>
           </p:nvPr>
         </p:nvSpPr>
         <p:spPr>
@@ -12679,12 +12855,12 @@
           </a:prstGeom>
         </p:spPr>
         <p:txBody>
-          <a:bodyPr anchorCtr="0" anchor="t" bIns="0" lIns="0" spcFirstLastPara="1" rIns="0" wrap="square" tIns="0">
+          <a:bodyPr spcFirstLastPara="1" wrap="square" lIns="0" tIns="0" rIns="0" bIns="0" anchor="t" anchorCtr="0">
             <a:noAutofit/>
           </a:bodyPr>
           <a:lstStyle/>
           <a:p>
-            <a:pPr indent="0" lvl="0" marL="0" rtl="0" algn="l">
+            <a:pPr marL="0" lvl="0" indent="0" algn="l" rtl="0">
               <a:spcBef>
                 <a:spcPts val="600"/>
               </a:spcBef>
@@ -12694,7 +12870,7 @@
               <a:buNone/>
             </a:pPr>
             <a:r>
-              <a:rPr b="1" lang="en">
+              <a:rPr lang="en" b="1">
                 <a:latin typeface="Montserrat"/>
                 <a:ea typeface="Montserrat"/>
                 <a:cs typeface="Montserrat"/>
@@ -12710,7 +12886,7 @@
             </a:endParaRPr>
           </a:p>
           <a:p>
-            <a:pPr indent="-330200" lvl="0" marL="457200" rtl="0" algn="l">
+            <a:pPr marL="457200" lvl="0" indent="-330200" algn="l" rtl="0">
               <a:spcBef>
                 <a:spcPts val="600"/>
               </a:spcBef>
@@ -12727,7 +12903,7 @@
             <a:endParaRPr/>
           </a:p>
           <a:p>
-            <a:pPr indent="-330200" lvl="0" marL="457200" rtl="0" algn="l">
+            <a:pPr marL="457200" lvl="0" indent="-330200" algn="l" rtl="0">
               <a:spcBef>
                 <a:spcPts val="0"/>
               </a:spcBef>
@@ -12744,7 +12920,7 @@
             <a:endParaRPr/>
           </a:p>
           <a:p>
-            <a:pPr indent="-330200" lvl="0" marL="457200" rtl="0" algn="l">
+            <a:pPr marL="457200" lvl="0" indent="-330200" algn="l" rtl="0">
               <a:spcBef>
                 <a:spcPts val="0"/>
               </a:spcBef>
@@ -12765,9 +12941,11 @@
       <p:sp>
         <p:nvSpPr>
           <p:cNvPr id="394" name="Google Shape;394;p21"/>
-          <p:cNvSpPr txBox="1"/>
+          <p:cNvSpPr txBox="1">
+            <a:spLocks noGrp="1"/>
+          </p:cNvSpPr>
           <p:nvPr>
-            <p:ph idx="2" type="body"/>
+            <p:ph type="body" idx="2"/>
           </p:nvPr>
         </p:nvSpPr>
         <p:spPr>
@@ -12780,12 +12958,12 @@
           </a:prstGeom>
         </p:spPr>
         <p:txBody>
-          <a:bodyPr anchorCtr="0" anchor="t" bIns="0" lIns="0" spcFirstLastPara="1" rIns="0" wrap="square" tIns="0">
+          <a:bodyPr spcFirstLastPara="1" wrap="square" lIns="0" tIns="0" rIns="0" bIns="0" anchor="t" anchorCtr="0">
             <a:noAutofit/>
           </a:bodyPr>
           <a:lstStyle/>
           <a:p>
-            <a:pPr indent="0" lvl="0" marL="0" rtl="0" algn="l">
+            <a:pPr marL="0" lvl="0" indent="0" algn="l" rtl="0">
               <a:spcBef>
                 <a:spcPts val="600"/>
               </a:spcBef>
@@ -12795,7 +12973,7 @@
               <a:buNone/>
             </a:pPr>
             <a:r>
-              <a:rPr b="1" lang="en">
+              <a:rPr lang="en" b="1">
                 <a:latin typeface="Montserrat"/>
                 <a:ea typeface="Montserrat"/>
                 <a:cs typeface="Montserrat"/>
@@ -12811,7 +12989,7 @@
             </a:endParaRPr>
           </a:p>
           <a:p>
-            <a:pPr indent="-330200" lvl="0" marL="457200" rtl="0" algn="l">
+            <a:pPr marL="457200" lvl="0" indent="-330200" algn="l" rtl="0">
               <a:spcBef>
                 <a:spcPts val="600"/>
               </a:spcBef>
@@ -12828,7 +13006,7 @@
             <a:endParaRPr/>
           </a:p>
           <a:p>
-            <a:pPr indent="-330200" lvl="0" marL="457200" rtl="0" algn="l">
+            <a:pPr marL="457200" lvl="0" indent="-330200" algn="l" rtl="0">
               <a:spcBef>
                 <a:spcPts val="0"/>
               </a:spcBef>
@@ -12849,9 +13027,11 @@
       <p:sp>
         <p:nvSpPr>
           <p:cNvPr id="395" name="Google Shape;395;p21"/>
-          <p:cNvSpPr txBox="1"/>
+          <p:cNvSpPr txBox="1">
+            <a:spLocks noGrp="1"/>
+          </p:cNvSpPr>
           <p:nvPr>
-            <p:ph idx="3" type="body"/>
+            <p:ph type="body" idx="3"/>
           </p:nvPr>
         </p:nvSpPr>
         <p:spPr>
@@ -12864,12 +13044,12 @@
           </a:prstGeom>
         </p:spPr>
         <p:txBody>
-          <a:bodyPr anchorCtr="0" anchor="t" bIns="0" lIns="0" spcFirstLastPara="1" rIns="0" wrap="square" tIns="0">
+          <a:bodyPr spcFirstLastPara="1" wrap="square" lIns="0" tIns="0" rIns="0" bIns="0" anchor="t" anchorCtr="0">
             <a:noAutofit/>
           </a:bodyPr>
           <a:lstStyle/>
           <a:p>
-            <a:pPr indent="0" lvl="0" marL="0" rtl="0" algn="l">
+            <a:pPr marL="0" lvl="0" indent="0" algn="l" rtl="0">
               <a:spcBef>
                 <a:spcPts val="600"/>
               </a:spcBef>
@@ -12879,7 +13059,7 @@
               <a:buNone/>
             </a:pPr>
             <a:r>
-              <a:rPr b="1" lang="en">
+              <a:rPr lang="en" b="1">
                 <a:latin typeface="Montserrat"/>
                 <a:ea typeface="Montserrat"/>
                 <a:cs typeface="Montserrat"/>
@@ -12895,7 +13075,7 @@
             </a:endParaRPr>
           </a:p>
           <a:p>
-            <a:pPr indent="-330200" lvl="0" marL="457200" rtl="0" algn="l">
+            <a:pPr marL="457200" lvl="0" indent="-330200" algn="l" rtl="0">
               <a:spcBef>
                 <a:spcPts val="600"/>
               </a:spcBef>
@@ -12912,7 +13092,7 @@
             <a:endParaRPr/>
           </a:p>
           <a:p>
-            <a:pPr indent="-330200" lvl="0" marL="457200" rtl="0" algn="l">
+            <a:pPr marL="457200" lvl="0" indent="-330200" algn="l" rtl="0">
               <a:spcBef>
                 <a:spcPts val="0"/>
               </a:spcBef>
@@ -12929,7 +13109,7 @@
             <a:endParaRPr/>
           </a:p>
           <a:p>
-            <a:pPr indent="0" lvl="0" marL="0" rtl="0" algn="l">
+            <a:pPr marL="0" lvl="0" indent="0" algn="l" rtl="0">
               <a:spcBef>
                 <a:spcPts val="600"/>
               </a:spcBef>
@@ -12938,9 +13118,6 @@
               </a:spcAft>
               <a:buNone/>
             </a:pPr>
-            <a:r>
-              <a:t/>
-            </a:r>
             <a:endParaRPr/>
           </a:p>
         </p:txBody>
@@ -12948,9 +13125,11 @@
       <p:sp>
         <p:nvSpPr>
           <p:cNvPr id="396" name="Google Shape;396;p21"/>
-          <p:cNvSpPr txBox="1"/>
+          <p:cNvSpPr txBox="1">
+            <a:spLocks noGrp="1"/>
+          </p:cNvSpPr>
           <p:nvPr>
-            <p:ph idx="12" type="sldNum"/>
+            <p:ph type="sldNum" idx="12"/>
           </p:nvPr>
         </p:nvSpPr>
         <p:spPr>
@@ -12963,12 +13142,12 @@
           </a:prstGeom>
         </p:spPr>
         <p:txBody>
-          <a:bodyPr anchorCtr="0" anchor="ctr" bIns="0" lIns="0" spcFirstLastPara="1" rIns="0" wrap="square" tIns="0">
+          <a:bodyPr spcFirstLastPara="1" wrap="square" lIns="0" tIns="0" rIns="0" bIns="0" anchor="ctr" anchorCtr="0">
             <a:noAutofit/>
           </a:bodyPr>
           <a:lstStyle/>
           <a:p>
-            <a:pPr indent="0" lvl="0" marL="0" rtl="0" algn="ctr">
+            <a:pPr marL="0" lvl="0" indent="0" algn="ctr" rtl="0">
               <a:spcBef>
                 <a:spcPts val="0"/>
               </a:spcBef>
@@ -12979,7 +13158,7 @@
             </a:pPr>
             <a:fld id="{00000000-1234-1234-1234-123412341234}" type="slidenum">
               <a:rPr lang="en"/>
-              <a:t>‹#›</a:t>
+              <a:t>10</a:t>
             </a:fld>
             <a:endParaRPr/>
           </a:p>
@@ -12994,11 +13173,11 @@
 </file>
 
 <file path=ppt/slides/slide11.xml><?xml version="1.0" encoding="utf-8"?>
-<p:sld xmlns:a="http://schemas.openxmlformats.org/drawingml/2006/main" xmlns:r="http://schemas.openxmlformats.org/officeDocument/2006/relationships" xmlns:mc="http://schemas.openxmlformats.org/markup-compatibility/2006" xmlns:mv="urn:schemas-microsoft-com:mac:vml" xmlns:p="http://schemas.openxmlformats.org/presentationml/2006/main" xmlns:c="http://schemas.openxmlformats.org/drawingml/2006/chart" xmlns:dgm="http://schemas.openxmlformats.org/drawingml/2006/diagram" xmlns:o="urn:schemas-microsoft-com:office:office" xmlns:v="urn:schemas-microsoft-com:vml" xmlns:pvml="urn:schemas-microsoft-com:office:powerpoint" xmlns:com="http://schemas.openxmlformats.org/drawingml/2006/compatibility" xmlns:p14="http://schemas.microsoft.com/office/powerpoint/2010/main" xmlns:p15="http://schemas.microsoft.com/office/powerpoint/2012/main">
+<p:sld xmlns:a="http://schemas.openxmlformats.org/drawingml/2006/main" xmlns:r="http://schemas.openxmlformats.org/officeDocument/2006/relationships" xmlns:p="http://schemas.openxmlformats.org/presentationml/2006/main">
   <p:cSld>
     <p:spTree>
       <p:nvGrpSpPr>
-        <p:cNvPr id="400" name="Shape 400"/>
+        <p:cNvPr id="1" name="Shape 400"/>
         <p:cNvGrpSpPr/>
         <p:nvPr/>
       </p:nvGrpSpPr>
@@ -13013,7 +13192,9 @@
       <p:sp>
         <p:nvSpPr>
           <p:cNvPr id="401" name="Google Shape;401;p22"/>
-          <p:cNvSpPr txBox="1"/>
+          <p:cNvSpPr txBox="1">
+            <a:spLocks noGrp="1"/>
+          </p:cNvSpPr>
           <p:nvPr>
             <p:ph type="ctrTitle"/>
           </p:nvPr>
@@ -13028,12 +13209,12 @@
           </a:prstGeom>
         </p:spPr>
         <p:txBody>
-          <a:bodyPr anchorCtr="0" anchor="b" bIns="0" lIns="0" spcFirstLastPara="1" rIns="0" wrap="square" tIns="0">
+          <a:bodyPr spcFirstLastPara="1" wrap="square" lIns="0" tIns="0" rIns="0" bIns="0" anchor="b" anchorCtr="0">
             <a:noAutofit/>
           </a:bodyPr>
           <a:lstStyle/>
           <a:p>
-            <a:pPr indent="0" lvl="0" marL="0" rtl="0" algn="l">
+            <a:pPr marL="0" lvl="0" indent="0" algn="l" rtl="0">
               <a:spcBef>
                 <a:spcPts val="0"/>
               </a:spcBef>
@@ -13048,15 +13229,7 @@
                   <a:schemeClr val="accent2"/>
                 </a:solidFill>
               </a:rPr>
-              <a:t>4</a:t>
-            </a:r>
-            <a:r>
-              <a:rPr lang="en">
-                <a:solidFill>
-                  <a:schemeClr val="accent2"/>
-                </a:solidFill>
-              </a:rPr>
-              <a:t>.</a:t>
+              <a:t>4.</a:t>
             </a:r>
             <a:endParaRPr>
               <a:solidFill>
@@ -13065,7 +13238,7 @@
             </a:endParaRPr>
           </a:p>
           <a:p>
-            <a:pPr indent="0" lvl="0" marL="0" rtl="0" algn="l">
+            <a:pPr marL="0" lvl="0" indent="0" algn="l" rtl="0">
               <a:spcBef>
                 <a:spcPts val="0"/>
               </a:spcBef>
@@ -13091,11 +13264,11 @@
 </file>
 
 <file path=ppt/slides/slide12.xml><?xml version="1.0" encoding="utf-8"?>
-<p:sld xmlns:a="http://schemas.openxmlformats.org/drawingml/2006/main" xmlns:r="http://schemas.openxmlformats.org/officeDocument/2006/relationships" xmlns:mc="http://schemas.openxmlformats.org/markup-compatibility/2006" xmlns:mv="urn:schemas-microsoft-com:mac:vml" xmlns:p="http://schemas.openxmlformats.org/presentationml/2006/main" xmlns:c="http://schemas.openxmlformats.org/drawingml/2006/chart" xmlns:dgm="http://schemas.openxmlformats.org/drawingml/2006/diagram" xmlns:o="urn:schemas-microsoft-com:office:office" xmlns:v="urn:schemas-microsoft-com:vml" xmlns:pvml="urn:schemas-microsoft-com:office:powerpoint" xmlns:com="http://schemas.openxmlformats.org/drawingml/2006/compatibility" xmlns:p14="http://schemas.microsoft.com/office/powerpoint/2010/main" xmlns:p15="http://schemas.microsoft.com/office/powerpoint/2012/main">
+<p:sld xmlns:a="http://schemas.openxmlformats.org/drawingml/2006/main" xmlns:r="http://schemas.openxmlformats.org/officeDocument/2006/relationships" xmlns:p="http://schemas.openxmlformats.org/presentationml/2006/main">
   <p:cSld>
     <p:spTree>
       <p:nvGrpSpPr>
-        <p:cNvPr id="405" name="Shape 405"/>
+        <p:cNvPr id="1" name="Shape 405"/>
         <p:cNvGrpSpPr/>
         <p:nvPr/>
       </p:nvGrpSpPr>
@@ -13110,7 +13283,9 @@
       <p:sp>
         <p:nvSpPr>
           <p:cNvPr id="406" name="Google Shape;406;p23"/>
-          <p:cNvSpPr txBox="1"/>
+          <p:cNvSpPr txBox="1">
+            <a:spLocks noGrp="1"/>
+          </p:cNvSpPr>
           <p:nvPr>
             <p:ph type="title"/>
           </p:nvPr>
@@ -13125,12 +13300,12 @@
           </a:prstGeom>
         </p:spPr>
         <p:txBody>
-          <a:bodyPr anchorCtr="0" anchor="b" bIns="0" lIns="0" spcFirstLastPara="1" rIns="0" wrap="square" tIns="0">
+          <a:bodyPr spcFirstLastPara="1" wrap="square" lIns="0" tIns="0" rIns="0" bIns="0" anchor="b" anchorCtr="0">
             <a:noAutofit/>
           </a:bodyPr>
           <a:lstStyle/>
           <a:p>
-            <a:pPr indent="0" lvl="0" marL="0" rtl="0" algn="l">
+            <a:pPr marL="0" lvl="0" indent="0" algn="l" rtl="0">
               <a:spcBef>
                 <a:spcPts val="0"/>
               </a:spcBef>
@@ -13150,9 +13325,11 @@
       <p:sp>
         <p:nvSpPr>
           <p:cNvPr id="407" name="Google Shape;407;p23"/>
-          <p:cNvSpPr txBox="1"/>
+          <p:cNvSpPr txBox="1">
+            <a:spLocks noGrp="1"/>
+          </p:cNvSpPr>
           <p:nvPr>
-            <p:ph idx="1" type="body"/>
+            <p:ph type="body" idx="1"/>
           </p:nvPr>
         </p:nvSpPr>
         <p:spPr>
@@ -13165,12 +13342,12 @@
           </a:prstGeom>
         </p:spPr>
         <p:txBody>
-          <a:bodyPr anchorCtr="0" anchor="t" bIns="0" lIns="0" spcFirstLastPara="1" rIns="0" wrap="square" tIns="0">
+          <a:bodyPr spcFirstLastPara="1" wrap="square" lIns="0" tIns="0" rIns="0" bIns="0" anchor="t" anchorCtr="0">
             <a:noAutofit/>
           </a:bodyPr>
           <a:lstStyle/>
           <a:p>
-            <a:pPr indent="-355600" lvl="0" marL="457200" rtl="0" algn="l">
+            <a:pPr marL="457200" lvl="0" indent="-355600" algn="l" rtl="0">
               <a:spcBef>
                 <a:spcPts val="0"/>
               </a:spcBef>
@@ -13187,7 +13364,7 @@
             <a:endParaRPr/>
           </a:p>
           <a:p>
-            <a:pPr indent="-355600" lvl="0" marL="457200" rtl="0" algn="l">
+            <a:pPr marL="457200" lvl="0" indent="-355600" algn="l" rtl="0">
               <a:spcBef>
                 <a:spcPts val="1000"/>
               </a:spcBef>
@@ -13204,7 +13381,7 @@
             <a:endParaRPr/>
           </a:p>
           <a:p>
-            <a:pPr indent="-355600" lvl="0" marL="457200" rtl="0" algn="l">
+            <a:pPr marL="457200" lvl="0" indent="-355600" algn="l" rtl="0">
               <a:spcBef>
                 <a:spcPts val="1000"/>
               </a:spcBef>
@@ -13221,7 +13398,7 @@
             <a:endParaRPr/>
           </a:p>
           <a:p>
-            <a:pPr indent="-355600" lvl="0" marL="457200" rtl="0" algn="l">
+            <a:pPr marL="457200" lvl="0" indent="-355600" algn="l" rtl="0">
               <a:spcBef>
                 <a:spcPts val="1000"/>
               </a:spcBef>
@@ -13238,7 +13415,7 @@
             <a:endParaRPr/>
           </a:p>
           <a:p>
-            <a:pPr indent="-355600" lvl="0" marL="457200" rtl="0" algn="l">
+            <a:pPr marL="457200" lvl="0" indent="-355600" algn="l" rtl="0">
               <a:spcBef>
                 <a:spcPts val="1000"/>
               </a:spcBef>
@@ -13255,7 +13432,7 @@
             <a:endParaRPr/>
           </a:p>
           <a:p>
-            <a:pPr indent="0" lvl="0" marL="0" rtl="0" algn="l">
+            <a:pPr marL="0" lvl="0" indent="0" algn="l" rtl="0">
               <a:spcBef>
                 <a:spcPts val="1000"/>
               </a:spcBef>
@@ -13264,9 +13441,6 @@
               </a:spcAft>
               <a:buNone/>
             </a:pPr>
-            <a:r>
-              <a:t/>
-            </a:r>
             <a:endParaRPr/>
           </a:p>
         </p:txBody>
@@ -13274,9 +13448,11 @@
       <p:sp>
         <p:nvSpPr>
           <p:cNvPr id="408" name="Google Shape;408;p23"/>
-          <p:cNvSpPr txBox="1"/>
+          <p:cNvSpPr txBox="1">
+            <a:spLocks noGrp="1"/>
+          </p:cNvSpPr>
           <p:nvPr>
-            <p:ph idx="12" type="sldNum"/>
+            <p:ph type="sldNum" idx="12"/>
           </p:nvPr>
         </p:nvSpPr>
         <p:spPr>
@@ -13289,12 +13465,12 @@
           </a:prstGeom>
         </p:spPr>
         <p:txBody>
-          <a:bodyPr anchorCtr="0" anchor="ctr" bIns="0" lIns="0" spcFirstLastPara="1" rIns="0" wrap="square" tIns="0">
+          <a:bodyPr spcFirstLastPara="1" wrap="square" lIns="0" tIns="0" rIns="0" bIns="0" anchor="ctr" anchorCtr="0">
             <a:noAutofit/>
           </a:bodyPr>
           <a:lstStyle/>
           <a:p>
-            <a:pPr indent="0" lvl="0" marL="0" rtl="0" algn="ctr">
+            <a:pPr marL="0" lvl="0" indent="0" algn="ctr" rtl="0">
               <a:spcBef>
                 <a:spcPts val="0"/>
               </a:spcBef>
@@ -13305,7 +13481,7 @@
             </a:pPr>
             <a:fld id="{00000000-1234-1234-1234-123412341234}" type="slidenum">
               <a:rPr lang="en"/>
-              <a:t>‹#›</a:t>
+              <a:t>12</a:t>
             </a:fld>
             <a:endParaRPr/>
           </a:p>
@@ -13320,11 +13496,11 @@
 </file>
 
 <file path=ppt/slides/slide2.xml><?xml version="1.0" encoding="utf-8"?>
-<p:sld xmlns:a="http://schemas.openxmlformats.org/drawingml/2006/main" xmlns:r="http://schemas.openxmlformats.org/officeDocument/2006/relationships" xmlns:mc="http://schemas.openxmlformats.org/markup-compatibility/2006" xmlns:mv="urn:schemas-microsoft-com:mac:vml" xmlns:p="http://schemas.openxmlformats.org/presentationml/2006/main" xmlns:c="http://schemas.openxmlformats.org/drawingml/2006/chart" xmlns:dgm="http://schemas.openxmlformats.org/drawingml/2006/diagram" xmlns:o="urn:schemas-microsoft-com:office:office" xmlns:v="urn:schemas-microsoft-com:vml" xmlns:pvml="urn:schemas-microsoft-com:office:powerpoint" xmlns:com="http://schemas.openxmlformats.org/drawingml/2006/compatibility" xmlns:p14="http://schemas.microsoft.com/office/powerpoint/2010/main" xmlns:p15="http://schemas.microsoft.com/office/powerpoint/2012/main">
+<p:sld xmlns:a="http://schemas.openxmlformats.org/drawingml/2006/main" xmlns:r="http://schemas.openxmlformats.org/officeDocument/2006/relationships" xmlns:p="http://schemas.openxmlformats.org/presentationml/2006/main">
   <p:cSld>
     <p:spTree>
       <p:nvGrpSpPr>
-        <p:cNvPr id="315" name="Shape 315"/>
+        <p:cNvPr id="1" name="Shape 315"/>
         <p:cNvGrpSpPr/>
         <p:nvPr/>
       </p:nvGrpSpPr>
@@ -13339,7 +13515,9 @@
       <p:sp>
         <p:nvSpPr>
           <p:cNvPr id="316" name="Google Shape;316;p13"/>
-          <p:cNvSpPr txBox="1"/>
+          <p:cNvSpPr txBox="1">
+            <a:spLocks noGrp="1"/>
+          </p:cNvSpPr>
           <p:nvPr>
             <p:ph type="ctrTitle"/>
           </p:nvPr>
@@ -13354,12 +13532,12 @@
           </a:prstGeom>
         </p:spPr>
         <p:txBody>
-          <a:bodyPr anchorCtr="0" anchor="b" bIns="0" lIns="0" spcFirstLastPara="1" rIns="0" wrap="square" tIns="0">
+          <a:bodyPr spcFirstLastPara="1" wrap="square" lIns="0" tIns="0" rIns="0" bIns="0" anchor="b" anchorCtr="0">
             <a:noAutofit/>
           </a:bodyPr>
           <a:lstStyle/>
           <a:p>
-            <a:pPr indent="0" lvl="0" marL="0" rtl="0" algn="l">
+            <a:pPr marL="0" lvl="0" indent="0" algn="l" rtl="0">
               <a:spcBef>
                 <a:spcPts val="0"/>
               </a:spcBef>
@@ -13383,7 +13561,7 @@
             </a:endParaRPr>
           </a:p>
           <a:p>
-            <a:pPr indent="0" lvl="0" marL="0" rtl="0" algn="l">
+            <a:pPr marL="0" lvl="0" indent="0" algn="l" rtl="0">
               <a:spcBef>
                 <a:spcPts val="0"/>
               </a:spcBef>
@@ -13403,9 +13581,11 @@
       <p:sp>
         <p:nvSpPr>
           <p:cNvPr id="317" name="Google Shape;317;p13"/>
-          <p:cNvSpPr txBox="1"/>
+          <p:cNvSpPr txBox="1">
+            <a:spLocks noGrp="1"/>
+          </p:cNvSpPr>
           <p:nvPr>
-            <p:ph idx="1" type="subTitle"/>
+            <p:ph type="subTitle" idx="1"/>
           </p:nvPr>
         </p:nvSpPr>
         <p:spPr>
@@ -13418,12 +13598,12 @@
           </a:prstGeom>
         </p:spPr>
         <p:txBody>
-          <a:bodyPr anchorCtr="0" anchor="t" bIns="0" lIns="0" spcFirstLastPara="1" rIns="0" wrap="square" tIns="0">
+          <a:bodyPr spcFirstLastPara="1" wrap="square" lIns="0" tIns="0" rIns="0" bIns="0" anchor="t" anchorCtr="0">
             <a:noAutofit/>
           </a:bodyPr>
           <a:lstStyle/>
           <a:p>
-            <a:pPr indent="0" lvl="0" marL="0" rtl="0" algn="l">
+            <a:pPr marL="0" lvl="0" indent="0" algn="l" rtl="0">
               <a:spcBef>
                 <a:spcPts val="0"/>
               </a:spcBef>
@@ -13439,7 +13619,7 @@
             <a:endParaRPr/>
           </a:p>
           <a:p>
-            <a:pPr indent="0" lvl="0" marL="0" rtl="0" algn="l">
+            <a:pPr marL="0" lvl="0" indent="0" algn="l" rtl="0">
               <a:spcBef>
                 <a:spcPts val="0"/>
               </a:spcBef>
@@ -13465,11 +13645,11 @@
 </file>
 
 <file path=ppt/slides/slide3.xml><?xml version="1.0" encoding="utf-8"?>
-<p:sld xmlns:a="http://schemas.openxmlformats.org/drawingml/2006/main" xmlns:r="http://schemas.openxmlformats.org/officeDocument/2006/relationships" xmlns:mc="http://schemas.openxmlformats.org/markup-compatibility/2006" xmlns:mv="urn:schemas-microsoft-com:mac:vml" xmlns:p="http://schemas.openxmlformats.org/presentationml/2006/main" xmlns:c="http://schemas.openxmlformats.org/drawingml/2006/chart" xmlns:dgm="http://schemas.openxmlformats.org/drawingml/2006/diagram" xmlns:o="urn:schemas-microsoft-com:office:office" xmlns:v="urn:schemas-microsoft-com:vml" xmlns:pvml="urn:schemas-microsoft-com:office:powerpoint" xmlns:com="http://schemas.openxmlformats.org/drawingml/2006/compatibility" xmlns:p14="http://schemas.microsoft.com/office/powerpoint/2010/main" xmlns:p15="http://schemas.microsoft.com/office/powerpoint/2012/main">
+<p:sld xmlns:a="http://schemas.openxmlformats.org/drawingml/2006/main" xmlns:r="http://schemas.openxmlformats.org/officeDocument/2006/relationships" xmlns:p="http://schemas.openxmlformats.org/presentationml/2006/main">
   <p:cSld>
     <p:spTree>
       <p:nvGrpSpPr>
-        <p:cNvPr id="321" name="Shape 321"/>
+        <p:cNvPr id="1" name="Shape 321"/>
         <p:cNvGrpSpPr/>
         <p:nvPr/>
       </p:nvGrpSpPr>
@@ -13484,7 +13664,9 @@
       <p:sp>
         <p:nvSpPr>
           <p:cNvPr id="322" name="Google Shape;322;p14"/>
-          <p:cNvSpPr txBox="1"/>
+          <p:cNvSpPr txBox="1">
+            <a:spLocks noGrp="1"/>
+          </p:cNvSpPr>
           <p:nvPr>
             <p:ph type="title"/>
           </p:nvPr>
@@ -13499,12 +13681,12 @@
           </a:prstGeom>
         </p:spPr>
         <p:txBody>
-          <a:bodyPr anchorCtr="0" anchor="b" bIns="0" lIns="0" spcFirstLastPara="1" rIns="0" wrap="square" tIns="0">
+          <a:bodyPr spcFirstLastPara="1" wrap="square" lIns="0" tIns="0" rIns="0" bIns="0" anchor="b" anchorCtr="0">
             <a:noAutofit/>
           </a:bodyPr>
           <a:lstStyle/>
           <a:p>
-            <a:pPr indent="0" lvl="0" marL="0" rtl="0" algn="l">
+            <a:pPr marL="0" lvl="0" indent="0" algn="l" rtl="0">
               <a:spcBef>
                 <a:spcPts val="0"/>
               </a:spcBef>
@@ -13520,7 +13702,7 @@
             <a:endParaRPr/>
           </a:p>
           <a:p>
-            <a:pPr indent="0" lvl="0" marL="0" rtl="0" algn="l">
+            <a:pPr marL="0" lvl="0" indent="0" algn="l" rtl="0">
               <a:spcBef>
                 <a:spcPts val="0"/>
               </a:spcBef>
@@ -13540,9 +13722,11 @@
       <p:sp>
         <p:nvSpPr>
           <p:cNvPr id="323" name="Google Shape;323;p14"/>
-          <p:cNvSpPr txBox="1"/>
+          <p:cNvSpPr txBox="1">
+            <a:spLocks noGrp="1"/>
+          </p:cNvSpPr>
           <p:nvPr>
-            <p:ph idx="12" type="sldNum"/>
+            <p:ph type="sldNum" idx="12"/>
           </p:nvPr>
         </p:nvSpPr>
         <p:spPr>
@@ -13555,12 +13739,12 @@
           </a:prstGeom>
         </p:spPr>
         <p:txBody>
-          <a:bodyPr anchorCtr="0" anchor="ctr" bIns="0" lIns="0" spcFirstLastPara="1" rIns="0" wrap="square" tIns="0">
+          <a:bodyPr spcFirstLastPara="1" wrap="square" lIns="0" tIns="0" rIns="0" bIns="0" anchor="ctr" anchorCtr="0">
             <a:noAutofit/>
           </a:bodyPr>
           <a:lstStyle/>
           <a:p>
-            <a:pPr indent="0" lvl="0" marL="0" rtl="0" algn="ctr">
+            <a:pPr marL="0" lvl="0" indent="0" algn="ctr" rtl="0">
               <a:spcBef>
                 <a:spcPts val="0"/>
               </a:spcBef>
@@ -13571,7 +13755,7 @@
             </a:pPr>
             <a:fld id="{00000000-1234-1234-1234-123412341234}" type="slidenum">
               <a:rPr lang="en"/>
-              <a:t>‹#›</a:t>
+              <a:t>3</a:t>
             </a:fld>
             <a:endParaRPr/>
           </a:p>
@@ -13611,12 +13795,12 @@
             </a:ln>
           </p:spPr>
           <p:txBody>
-            <a:bodyPr anchorCtr="0" anchor="t" bIns="91425" lIns="91425" spcFirstLastPara="1" rIns="91425" wrap="square" tIns="91425">
+            <a:bodyPr spcFirstLastPara="1" wrap="square" lIns="91425" tIns="91425" rIns="91425" bIns="91425" anchor="t" anchorCtr="0">
               <a:noAutofit/>
             </a:bodyPr>
             <a:lstStyle/>
             <a:p>
-              <a:pPr indent="0" lvl="0" marL="0" rtl="0" algn="ctr">
+              <a:pPr marL="0" lvl="0" indent="0" algn="ctr" rtl="0">
                 <a:lnSpc>
                   <a:spcPct val="115000"/>
                 </a:lnSpc>
@@ -13665,8 +13849,8 @@
             </a:xfrm>
             <a:prstGeom prst="rightArrow">
               <a:avLst>
-                <a:gd fmla="val 25514" name="adj1"/>
-                <a:gd fmla="val 64322" name="adj2"/>
+                <a:gd name="adj1" fmla="val 25514"/>
+                <a:gd name="adj2" fmla="val 64322"/>
               </a:avLst>
             </a:prstGeom>
             <a:solidFill>
@@ -13677,12 +13861,12 @@
             </a:ln>
           </p:spPr>
           <p:txBody>
-            <a:bodyPr anchorCtr="0" anchor="ctr" bIns="91425" lIns="91425" spcFirstLastPara="1" rIns="91425" wrap="square" tIns="91425">
+            <a:bodyPr spcFirstLastPara="1" wrap="square" lIns="91425" tIns="91425" rIns="91425" bIns="91425" anchor="ctr" anchorCtr="0">
               <a:noAutofit/>
             </a:bodyPr>
             <a:lstStyle/>
             <a:p>
-              <a:pPr indent="0" lvl="0" marL="0" rtl="0" algn="l">
+              <a:pPr marL="0" lvl="0" indent="0" algn="l" rtl="0">
                 <a:spcBef>
                   <a:spcPts val="0"/>
                 </a:spcBef>
@@ -13691,9 +13875,6 @@
                 </a:spcAft>
                 <a:buNone/>
               </a:pPr>
-              <a:r>
-                <a:t/>
-              </a:r>
               <a:endParaRPr>
                 <a:latin typeface="Montserrat"/>
                 <a:ea typeface="Montserrat"/>
@@ -13711,14 +13892,14 @@
           <p:nvPr/>
         </p:nvSpPr>
         <p:spPr>
-          <a:xfrm flipH="1" rot="2995532">
+          <a:xfrm rot="2995532" flipH="1">
             <a:off x="3464895" y="2927620"/>
             <a:ext cx="2250759" cy="154762"/>
           </a:xfrm>
           <a:prstGeom prst="rightArrow">
             <a:avLst>
-              <a:gd fmla="val 52941" name="adj1"/>
-              <a:gd fmla="val 64322" name="adj2"/>
+              <a:gd name="adj1" fmla="val 52941"/>
+              <a:gd name="adj2" fmla="val 64322"/>
             </a:avLst>
           </a:prstGeom>
           <a:solidFill>
@@ -13729,12 +13910,12 @@
           </a:ln>
         </p:spPr>
         <p:txBody>
-          <a:bodyPr anchorCtr="0" anchor="ctr" bIns="91425" lIns="91425" spcFirstLastPara="1" rIns="91425" wrap="square" tIns="91425">
+          <a:bodyPr spcFirstLastPara="1" wrap="square" lIns="91425" tIns="91425" rIns="91425" bIns="91425" anchor="ctr" anchorCtr="0">
             <a:noAutofit/>
           </a:bodyPr>
           <a:lstStyle/>
           <a:p>
-            <a:pPr indent="0" lvl="0" marL="0" rtl="0" algn="l">
+            <a:pPr marL="0" lvl="0" indent="0" algn="l" rtl="0">
               <a:spcBef>
                 <a:spcPts val="0"/>
               </a:spcBef>
@@ -13743,9 +13924,6 @@
               </a:spcAft>
               <a:buNone/>
             </a:pPr>
-            <a:r>
-              <a:t/>
-            </a:r>
             <a:endParaRPr>
               <a:latin typeface="Montserrat"/>
               <a:ea typeface="Montserrat"/>
@@ -13776,7 +13954,7 @@
             <a:noFill/>
           </a:ln>
           <a:effectLst>
-            <a:outerShdw blurRad="57150" rotWithShape="0" algn="bl" dir="5400000" dist="19050">
+            <a:outerShdw blurRad="57150" dist="19050" dir="5400000" algn="bl" rotWithShape="0">
               <a:srgbClr val="212121">
                 <a:alpha val="38000"/>
               </a:srgbClr>
@@ -13784,12 +13962,12 @@
           </a:effectLst>
         </p:spPr>
         <p:txBody>
-          <a:bodyPr anchorCtr="0" anchor="ctr" bIns="91425" lIns="91425" spcFirstLastPara="1" rIns="91425" wrap="square" tIns="91425">
+          <a:bodyPr spcFirstLastPara="1" wrap="square" lIns="91425" tIns="91425" rIns="91425" bIns="91425" anchor="ctr" anchorCtr="0">
             <a:noAutofit/>
           </a:bodyPr>
           <a:lstStyle/>
           <a:p>
-            <a:pPr indent="0" lvl="0" marL="0" rtl="0" algn="ctr">
+            <a:pPr marL="0" lvl="0" indent="0" algn="ctr" rtl="0">
               <a:spcBef>
                 <a:spcPts val="0"/>
               </a:spcBef>
@@ -13856,12 +14034,12 @@
             </a:ln>
           </p:spPr>
           <p:txBody>
-            <a:bodyPr anchorCtr="0" anchor="t" bIns="91425" lIns="91425" spcFirstLastPara="1" rIns="91425" wrap="square" tIns="91425">
+            <a:bodyPr spcFirstLastPara="1" wrap="square" lIns="91425" tIns="91425" rIns="91425" bIns="91425" anchor="t" anchorCtr="0">
               <a:noAutofit/>
             </a:bodyPr>
             <a:lstStyle/>
             <a:p>
-              <a:pPr indent="0" lvl="0" marL="0" rtl="0" algn="ctr">
+              <a:pPr marL="0" lvl="0" indent="0" algn="ctr" rtl="0">
                 <a:lnSpc>
                   <a:spcPct val="115000"/>
                 </a:lnSpc>
@@ -13904,14 +14082,14 @@
             <p:nvPr/>
           </p:nvSpPr>
           <p:spPr>
-            <a:xfrm flipH="1" rot="5399266">
+            <a:xfrm rot="5399266" flipH="1">
               <a:off x="2604899" y="2546951"/>
               <a:ext cx="1405200" cy="152700"/>
             </a:xfrm>
             <a:prstGeom prst="rightArrow">
               <a:avLst>
-                <a:gd fmla="val 25514" name="adj1"/>
-                <a:gd fmla="val 64322" name="adj2"/>
+                <a:gd name="adj1" fmla="val 25514"/>
+                <a:gd name="adj2" fmla="val 64322"/>
               </a:avLst>
             </a:prstGeom>
             <a:solidFill>
@@ -13922,12 +14100,12 @@
             </a:ln>
           </p:spPr>
           <p:txBody>
-            <a:bodyPr anchorCtr="0" anchor="ctr" bIns="91425" lIns="91425" spcFirstLastPara="1" rIns="91425" wrap="square" tIns="91425">
+            <a:bodyPr spcFirstLastPara="1" wrap="square" lIns="91425" tIns="91425" rIns="91425" bIns="91425" anchor="ctr" anchorCtr="0">
               <a:noAutofit/>
             </a:bodyPr>
             <a:lstStyle/>
             <a:p>
-              <a:pPr indent="0" lvl="0" marL="0" rtl="0" algn="l">
+              <a:pPr marL="0" lvl="0" indent="0" algn="l" rtl="0">
                 <a:spcBef>
                   <a:spcPts val="0"/>
                 </a:spcBef>
@@ -13936,9 +14114,6 @@
                 </a:spcAft>
                 <a:buNone/>
               </a:pPr>
-              <a:r>
-                <a:t/>
-              </a:r>
               <a:endParaRPr>
                 <a:latin typeface="Montserrat"/>
                 <a:ea typeface="Montserrat"/>
@@ -13976,8 +14151,8 @@
             </a:xfrm>
             <a:prstGeom prst="rightArrow">
               <a:avLst>
-                <a:gd fmla="val 25514" name="adj1"/>
-                <a:gd fmla="val 64322" name="adj2"/>
+                <a:gd name="adj1" fmla="val 25514"/>
+                <a:gd name="adj2" fmla="val 64322"/>
               </a:avLst>
             </a:prstGeom>
             <a:solidFill>
@@ -13988,12 +14163,12 @@
             </a:ln>
           </p:spPr>
           <p:txBody>
-            <a:bodyPr anchorCtr="0" anchor="ctr" bIns="91425" lIns="91425" spcFirstLastPara="1" rIns="91425" wrap="square" tIns="91425">
+            <a:bodyPr spcFirstLastPara="1" wrap="square" lIns="91425" tIns="91425" rIns="91425" bIns="91425" anchor="ctr" anchorCtr="0">
               <a:noAutofit/>
             </a:bodyPr>
             <a:lstStyle/>
             <a:p>
-              <a:pPr indent="0" lvl="0" marL="0" rtl="0" algn="l">
+              <a:pPr marL="0" lvl="0" indent="0" algn="l" rtl="0">
                 <a:spcBef>
                   <a:spcPts val="0"/>
                 </a:spcBef>
@@ -14002,9 +14177,6 @@
                 </a:spcAft>
                 <a:buNone/>
               </a:pPr>
-              <a:r>
-                <a:t/>
-              </a:r>
               <a:endParaRPr>
                 <a:latin typeface="Montserrat"/>
                 <a:ea typeface="Montserrat"/>
@@ -14035,7 +14207,7 @@
               <a:noFill/>
             </a:ln>
             <a:effectLst>
-              <a:outerShdw blurRad="57150" rotWithShape="0" algn="bl" dir="5400000" dist="19050">
+              <a:outerShdw blurRad="57150" dist="19050" dir="5400000" algn="bl" rotWithShape="0">
                 <a:srgbClr val="212121">
                   <a:alpha val="38000"/>
                 </a:srgbClr>
@@ -14043,12 +14215,12 @@
             </a:effectLst>
           </p:spPr>
           <p:txBody>
-            <a:bodyPr anchorCtr="0" anchor="ctr" bIns="91425" lIns="91425" spcFirstLastPara="1" rIns="91425" wrap="square" tIns="91425">
+            <a:bodyPr spcFirstLastPara="1" wrap="square" lIns="91425" tIns="91425" rIns="91425" bIns="91425" anchor="ctr" anchorCtr="0">
               <a:noAutofit/>
             </a:bodyPr>
             <a:lstStyle/>
             <a:p>
-              <a:pPr indent="0" lvl="0" marL="0" rtl="0" algn="l">
+              <a:pPr marL="0" lvl="0" indent="0" algn="l" rtl="0">
                 <a:spcBef>
                   <a:spcPts val="0"/>
                 </a:spcBef>
@@ -14108,9 +14280,13 @@
               <a:ext cx="466500" cy="197850"/>
             </a:xfrm>
             <a:custGeom>
-              <a:rect b="b" l="l" r="r" t="t"/>
+              <a:avLst/>
+              <a:gdLst/>
+              <a:ahLst/>
+              <a:cxnLst/>
+              <a:rect l="l" t="t" r="r" b="b"/>
               <a:pathLst>
-                <a:path extrusionOk="0" h="7914" w="18660">
+                <a:path w="18660" h="7914" extrusionOk="0">
                   <a:moveTo>
                     <a:pt x="391" y="1"/>
                   </a:moveTo>
@@ -14180,12 +14356,12 @@
             </a:ln>
           </p:spPr>
           <p:txBody>
-            <a:bodyPr anchorCtr="0" anchor="ctr" bIns="91425" lIns="91425" spcFirstLastPara="1" rIns="91425" wrap="square" tIns="91425">
+            <a:bodyPr spcFirstLastPara="1" wrap="square" lIns="91425" tIns="91425" rIns="91425" bIns="91425" anchor="ctr" anchorCtr="0">
               <a:noAutofit/>
             </a:bodyPr>
             <a:lstStyle/>
             <a:p>
-              <a:pPr indent="0" lvl="0" marL="0" rtl="0" algn="l">
+              <a:pPr marL="0" lvl="0" indent="0" algn="l" rtl="0">
                 <a:spcBef>
                   <a:spcPts val="0"/>
                 </a:spcBef>
@@ -14194,9 +14370,6 @@
                 </a:spcAft>
                 <a:buNone/>
               </a:pPr>
-              <a:r>
-                <a:t/>
-              </a:r>
               <a:endParaRPr/>
             </a:p>
           </p:txBody>
@@ -14213,9 +14386,13 @@
               <a:ext cx="466500" cy="283325"/>
             </a:xfrm>
             <a:custGeom>
-              <a:rect b="b" l="l" r="r" t="t"/>
+              <a:avLst/>
+              <a:gdLst/>
+              <a:ahLst/>
+              <a:cxnLst/>
+              <a:rect l="l" t="t" r="r" b="b"/>
               <a:pathLst>
-                <a:path extrusionOk="0" h="11333" w="18660">
+                <a:path w="18660" h="11333" extrusionOk="0">
                   <a:moveTo>
                     <a:pt x="0" y="0"/>
                   </a:moveTo>
@@ -14327,12 +14504,12 @@
             </a:ln>
           </p:spPr>
           <p:txBody>
-            <a:bodyPr anchorCtr="0" anchor="ctr" bIns="91425" lIns="91425" spcFirstLastPara="1" rIns="91425" wrap="square" tIns="91425">
+            <a:bodyPr spcFirstLastPara="1" wrap="square" lIns="91425" tIns="91425" rIns="91425" bIns="91425" anchor="ctr" anchorCtr="0">
               <a:noAutofit/>
             </a:bodyPr>
             <a:lstStyle/>
             <a:p>
-              <a:pPr indent="0" lvl="0" marL="0" rtl="0" algn="l">
+              <a:pPr marL="0" lvl="0" indent="0" algn="l" rtl="0">
                 <a:spcBef>
                   <a:spcPts val="0"/>
                 </a:spcBef>
@@ -14341,9 +14518,6 @@
                 </a:spcAft>
                 <a:buNone/>
               </a:pPr>
-              <a:r>
-                <a:t/>
-              </a:r>
               <a:endParaRPr/>
             </a:p>
           </p:txBody>
@@ -14375,9 +14549,13 @@
               <a:ext cx="349900" cy="349875"/>
             </a:xfrm>
             <a:custGeom>
-              <a:rect b="b" l="l" r="r" t="t"/>
+              <a:avLst/>
+              <a:gdLst/>
+              <a:ahLst/>
+              <a:cxnLst/>
+              <a:rect l="l" t="t" r="r" b="b"/>
               <a:pathLst>
-                <a:path extrusionOk="0" h="13995" w="13996">
+                <a:path w="13996" h="13995" extrusionOk="0">
                   <a:moveTo>
                     <a:pt x="6986" y="4714"/>
                   </a:moveTo>
@@ -15126,12 +15304,12 @@
             </a:ln>
           </p:spPr>
           <p:txBody>
-            <a:bodyPr anchorCtr="0" anchor="ctr" bIns="91425" lIns="91425" spcFirstLastPara="1" rIns="91425" wrap="square" tIns="91425">
+            <a:bodyPr spcFirstLastPara="1" wrap="square" lIns="91425" tIns="91425" rIns="91425" bIns="91425" anchor="ctr" anchorCtr="0">
               <a:noAutofit/>
             </a:bodyPr>
             <a:lstStyle/>
             <a:p>
-              <a:pPr indent="0" lvl="0" marL="0" rtl="0" algn="l">
+              <a:pPr marL="0" lvl="0" indent="0" algn="l" rtl="0">
                 <a:spcBef>
                   <a:spcPts val="0"/>
                 </a:spcBef>
@@ -15140,9 +15318,6 @@
                 </a:spcAft>
                 <a:buNone/>
               </a:pPr>
-              <a:r>
-                <a:t/>
-              </a:r>
               <a:endParaRPr>
                 <a:highlight>
                   <a:schemeClr val="lt1"/>
@@ -15163,9 +15338,13 @@
               <a:ext cx="199075" cy="199075"/>
             </a:xfrm>
             <a:custGeom>
-              <a:rect b="b" l="l" r="r" t="t"/>
+              <a:avLst/>
+              <a:gdLst/>
+              <a:ahLst/>
+              <a:cxnLst/>
+              <a:rect l="l" t="t" r="r" b="b"/>
               <a:pathLst>
-                <a:path extrusionOk="0" h="7963" w="7963">
+                <a:path w="7963" h="7963" extrusionOk="0">
                   <a:moveTo>
                     <a:pt x="3933" y="2296"/>
                   </a:moveTo>
@@ -15770,12 +15949,12 @@
             </a:ln>
           </p:spPr>
           <p:txBody>
-            <a:bodyPr anchorCtr="0" anchor="ctr" bIns="91425" lIns="91425" spcFirstLastPara="1" rIns="91425" wrap="square" tIns="91425">
+            <a:bodyPr spcFirstLastPara="1" wrap="square" lIns="91425" tIns="91425" rIns="91425" bIns="91425" anchor="ctr" anchorCtr="0">
               <a:noAutofit/>
             </a:bodyPr>
             <a:lstStyle/>
             <a:p>
-              <a:pPr indent="0" lvl="0" marL="0" rtl="0" algn="l">
+              <a:pPr marL="0" lvl="0" indent="0" algn="l" rtl="0">
                 <a:spcBef>
                   <a:spcPts val="0"/>
                 </a:spcBef>
@@ -15784,9 +15963,6 @@
                 </a:spcAft>
                 <a:buNone/>
               </a:pPr>
-              <a:r>
-                <a:t/>
-              </a:r>
               <a:endParaRPr/>
             </a:p>
           </p:txBody>
@@ -15812,12 +15988,12 @@
           </a:ln>
         </p:spPr>
         <p:txBody>
-          <a:bodyPr anchorCtr="0" anchor="t" bIns="91425" lIns="91425" spcFirstLastPara="1" rIns="91425" wrap="square" tIns="91425">
+          <a:bodyPr spcFirstLastPara="1" wrap="square" lIns="91425" tIns="91425" rIns="91425" bIns="91425" anchor="t" anchorCtr="0">
             <a:noAutofit/>
           </a:bodyPr>
           <a:lstStyle/>
           <a:p>
-            <a:pPr indent="0" lvl="0" marL="0" rtl="0" algn="l">
+            <a:pPr marL="0" lvl="0" indent="0" algn="l" rtl="0">
               <a:spcBef>
                 <a:spcPts val="0"/>
               </a:spcBef>
@@ -15880,9 +16056,13 @@
               <a:ext cx="349900" cy="349875"/>
             </a:xfrm>
             <a:custGeom>
-              <a:rect b="b" l="l" r="r" t="t"/>
+              <a:avLst/>
+              <a:gdLst/>
+              <a:ahLst/>
+              <a:cxnLst/>
+              <a:rect l="l" t="t" r="r" b="b"/>
               <a:pathLst>
-                <a:path extrusionOk="0" h="13995" w="13996">
+                <a:path w="13996" h="13995" extrusionOk="0">
                   <a:moveTo>
                     <a:pt x="6986" y="4714"/>
                   </a:moveTo>
@@ -16631,12 +16811,12 @@
             </a:ln>
           </p:spPr>
           <p:txBody>
-            <a:bodyPr anchorCtr="0" anchor="ctr" bIns="91425" lIns="91425" spcFirstLastPara="1" rIns="91425" wrap="square" tIns="91425">
+            <a:bodyPr spcFirstLastPara="1" wrap="square" lIns="91425" tIns="91425" rIns="91425" bIns="91425" anchor="ctr" anchorCtr="0">
               <a:noAutofit/>
             </a:bodyPr>
             <a:lstStyle/>
             <a:p>
-              <a:pPr indent="0" lvl="0" marL="0" rtl="0" algn="l">
+              <a:pPr marL="0" lvl="0" indent="0" algn="l" rtl="0">
                 <a:spcBef>
                   <a:spcPts val="0"/>
                 </a:spcBef>
@@ -16645,9 +16825,6 @@
                 </a:spcAft>
                 <a:buNone/>
               </a:pPr>
-              <a:r>
-                <a:t/>
-              </a:r>
               <a:endParaRPr>
                 <a:highlight>
                   <a:schemeClr val="lt1"/>
@@ -16668,9 +16845,13 @@
               <a:ext cx="199075" cy="199075"/>
             </a:xfrm>
             <a:custGeom>
-              <a:rect b="b" l="l" r="r" t="t"/>
+              <a:avLst/>
+              <a:gdLst/>
+              <a:ahLst/>
+              <a:cxnLst/>
+              <a:rect l="l" t="t" r="r" b="b"/>
               <a:pathLst>
-                <a:path extrusionOk="0" h="7963" w="7963">
+                <a:path w="7963" h="7963" extrusionOk="0">
                   <a:moveTo>
                     <a:pt x="3933" y="2296"/>
                   </a:moveTo>
@@ -17275,12 +17456,12 @@
             </a:ln>
           </p:spPr>
           <p:txBody>
-            <a:bodyPr anchorCtr="0" anchor="ctr" bIns="91425" lIns="91425" spcFirstLastPara="1" rIns="91425" wrap="square" tIns="91425">
+            <a:bodyPr spcFirstLastPara="1" wrap="square" lIns="91425" tIns="91425" rIns="91425" bIns="91425" anchor="ctr" anchorCtr="0">
               <a:noAutofit/>
             </a:bodyPr>
             <a:lstStyle/>
             <a:p>
-              <a:pPr indent="0" lvl="0" marL="0" rtl="0" algn="l">
+              <a:pPr marL="0" lvl="0" indent="0" algn="l" rtl="0">
                 <a:spcBef>
                   <a:spcPts val="0"/>
                 </a:spcBef>
@@ -17289,9 +17470,6 @@
                 </a:spcAft>
                 <a:buNone/>
               </a:pPr>
-              <a:r>
-                <a:t/>
-              </a:r>
               <a:endParaRPr/>
             </a:p>
           </p:txBody>
@@ -17317,12 +17495,12 @@
           </a:ln>
         </p:spPr>
         <p:txBody>
-          <a:bodyPr anchorCtr="0" anchor="t" bIns="91425" lIns="91425" spcFirstLastPara="1" rIns="91425" wrap="square" tIns="91425">
+          <a:bodyPr spcFirstLastPara="1" wrap="square" lIns="91425" tIns="91425" rIns="91425" bIns="91425" anchor="t" anchorCtr="0">
             <a:noAutofit/>
           </a:bodyPr>
           <a:lstStyle/>
           <a:p>
-            <a:pPr indent="0" lvl="0" marL="0" rtl="0" algn="l">
+            <a:pPr marL="0" lvl="0" indent="0" algn="l" rtl="0">
               <a:spcBef>
                 <a:spcPts val="0"/>
               </a:spcBef>
@@ -17356,11 +17534,11 @@
 </file>
 
 <file path=ppt/slides/slide4.xml><?xml version="1.0" encoding="utf-8"?>
-<p:sld xmlns:a="http://schemas.openxmlformats.org/drawingml/2006/main" xmlns:r="http://schemas.openxmlformats.org/officeDocument/2006/relationships" xmlns:mc="http://schemas.openxmlformats.org/markup-compatibility/2006" xmlns:mv="urn:schemas-microsoft-com:mac:vml" xmlns:p="http://schemas.openxmlformats.org/presentationml/2006/main" xmlns:c="http://schemas.openxmlformats.org/drawingml/2006/chart" xmlns:dgm="http://schemas.openxmlformats.org/drawingml/2006/diagram" xmlns:o="urn:schemas-microsoft-com:office:office" xmlns:v="urn:schemas-microsoft-com:vml" xmlns:pvml="urn:schemas-microsoft-com:office:powerpoint" xmlns:com="http://schemas.openxmlformats.org/drawingml/2006/compatibility" xmlns:p14="http://schemas.microsoft.com/office/powerpoint/2010/main" xmlns:p15="http://schemas.microsoft.com/office/powerpoint/2012/main">
+<p:sld xmlns:a="http://schemas.openxmlformats.org/drawingml/2006/main" xmlns:r="http://schemas.openxmlformats.org/officeDocument/2006/relationships" xmlns:p="http://schemas.openxmlformats.org/presentationml/2006/main">
   <p:cSld>
     <p:spTree>
       <p:nvGrpSpPr>
-        <p:cNvPr id="349" name="Shape 349"/>
+        <p:cNvPr id="1" name="Shape 349"/>
         <p:cNvGrpSpPr/>
         <p:nvPr/>
       </p:nvGrpSpPr>
@@ -17375,7 +17553,9 @@
       <p:sp>
         <p:nvSpPr>
           <p:cNvPr id="350" name="Google Shape;350;p15"/>
-          <p:cNvSpPr txBox="1"/>
+          <p:cNvSpPr txBox="1">
+            <a:spLocks noGrp="1"/>
+          </p:cNvSpPr>
           <p:nvPr>
             <p:ph type="title"/>
           </p:nvPr>
@@ -17390,12 +17570,12 @@
           </a:prstGeom>
         </p:spPr>
         <p:txBody>
-          <a:bodyPr anchorCtr="0" anchor="b" bIns="0" lIns="0" spcFirstLastPara="1" rIns="0" wrap="square" tIns="0">
+          <a:bodyPr spcFirstLastPara="1" wrap="square" lIns="0" tIns="0" rIns="0" bIns="0" anchor="b" anchorCtr="0">
             <a:noAutofit/>
           </a:bodyPr>
           <a:lstStyle/>
           <a:p>
-            <a:pPr indent="0" lvl="0" marL="0" rtl="0" algn="l">
+            <a:pPr marL="0" lvl="0" indent="0" algn="l" rtl="0">
               <a:spcBef>
                 <a:spcPts val="0"/>
               </a:spcBef>
@@ -17415,9 +17595,11 @@
       <p:sp>
         <p:nvSpPr>
           <p:cNvPr id="351" name="Google Shape;351;p15"/>
-          <p:cNvSpPr txBox="1"/>
+          <p:cNvSpPr txBox="1">
+            <a:spLocks noGrp="1"/>
+          </p:cNvSpPr>
           <p:nvPr>
-            <p:ph idx="1" type="body"/>
+            <p:ph type="body" idx="1"/>
           </p:nvPr>
         </p:nvSpPr>
         <p:spPr>
@@ -17430,12 +17612,12 @@
           </a:prstGeom>
         </p:spPr>
         <p:txBody>
-          <a:bodyPr anchorCtr="0" anchor="t" bIns="0" lIns="0" spcFirstLastPara="1" rIns="0" wrap="square" tIns="0">
+          <a:bodyPr spcFirstLastPara="1" wrap="square" lIns="0" tIns="0" rIns="0" bIns="0" anchor="t" anchorCtr="0">
             <a:noAutofit/>
           </a:bodyPr>
           <a:lstStyle/>
           <a:p>
-            <a:pPr indent="-355600" lvl="0" marL="457200" rtl="0" algn="l">
+            <a:pPr marL="457200" lvl="0" indent="-355600" algn="l" rtl="0">
               <a:spcBef>
                 <a:spcPts val="0"/>
               </a:spcBef>
@@ -17452,7 +17634,7 @@
             <a:endParaRPr/>
           </a:p>
           <a:p>
-            <a:pPr indent="-355600" lvl="0" marL="457200" rtl="0" algn="l">
+            <a:pPr marL="457200" lvl="0" indent="-355600" algn="l" rtl="0">
               <a:spcBef>
                 <a:spcPts val="1000"/>
               </a:spcBef>
@@ -17469,7 +17651,7 @@
             <a:endParaRPr/>
           </a:p>
           <a:p>
-            <a:pPr indent="0" lvl="0" marL="457200" rtl="0" algn="l">
+            <a:pPr marL="457200" lvl="0" indent="0" algn="l" rtl="0">
               <a:spcBef>
                 <a:spcPts val="1000"/>
               </a:spcBef>
@@ -17478,13 +17660,10 @@
               </a:spcAft>
               <a:buNone/>
             </a:pPr>
-            <a:r>
-              <a:t/>
-            </a:r>
             <a:endParaRPr/>
           </a:p>
           <a:p>
-            <a:pPr indent="0" lvl="0" marL="0" rtl="0" algn="l">
+            <a:pPr marL="0" lvl="0" indent="0" algn="l" rtl="0">
               <a:spcBef>
                 <a:spcPts val="1000"/>
               </a:spcBef>
@@ -17504,9 +17683,11 @@
       <p:sp>
         <p:nvSpPr>
           <p:cNvPr id="352" name="Google Shape;352;p15"/>
-          <p:cNvSpPr txBox="1"/>
+          <p:cNvSpPr txBox="1">
+            <a:spLocks noGrp="1"/>
+          </p:cNvSpPr>
           <p:nvPr>
-            <p:ph idx="12" type="sldNum"/>
+            <p:ph type="sldNum" idx="12"/>
           </p:nvPr>
         </p:nvSpPr>
         <p:spPr>
@@ -17519,12 +17700,12 @@
           </a:prstGeom>
         </p:spPr>
         <p:txBody>
-          <a:bodyPr anchorCtr="0" anchor="ctr" bIns="0" lIns="0" spcFirstLastPara="1" rIns="0" wrap="square" tIns="0">
+          <a:bodyPr spcFirstLastPara="1" wrap="square" lIns="0" tIns="0" rIns="0" bIns="0" anchor="ctr" anchorCtr="0">
             <a:noAutofit/>
           </a:bodyPr>
           <a:lstStyle/>
           <a:p>
-            <a:pPr indent="0" lvl="0" marL="0" rtl="0" algn="ctr">
+            <a:pPr marL="0" lvl="0" indent="0" algn="ctr" rtl="0">
               <a:spcBef>
                 <a:spcPts val="0"/>
               </a:spcBef>
@@ -17535,7 +17716,7 @@
             </a:pPr>
             <a:fld id="{00000000-1234-1234-1234-123412341234}" type="slidenum">
               <a:rPr lang="en"/>
-              <a:t>‹#›</a:t>
+              <a:t>4</a:t>
             </a:fld>
             <a:endParaRPr/>
           </a:p>
@@ -17550,11 +17731,11 @@
 </file>
 
 <file path=ppt/slides/slide5.xml><?xml version="1.0" encoding="utf-8"?>
-<p:sld xmlns:a="http://schemas.openxmlformats.org/drawingml/2006/main" xmlns:r="http://schemas.openxmlformats.org/officeDocument/2006/relationships" xmlns:mc="http://schemas.openxmlformats.org/markup-compatibility/2006" xmlns:mv="urn:schemas-microsoft-com:mac:vml" xmlns:p="http://schemas.openxmlformats.org/presentationml/2006/main" xmlns:c="http://schemas.openxmlformats.org/drawingml/2006/chart" xmlns:dgm="http://schemas.openxmlformats.org/drawingml/2006/diagram" xmlns:o="urn:schemas-microsoft-com:office:office" xmlns:v="urn:schemas-microsoft-com:vml" xmlns:pvml="urn:schemas-microsoft-com:office:powerpoint" xmlns:com="http://schemas.openxmlformats.org/drawingml/2006/compatibility" xmlns:p14="http://schemas.microsoft.com/office/powerpoint/2010/main" xmlns:p15="http://schemas.microsoft.com/office/powerpoint/2012/main">
+<p:sld xmlns:a="http://schemas.openxmlformats.org/drawingml/2006/main" xmlns:r="http://schemas.openxmlformats.org/officeDocument/2006/relationships" xmlns:p="http://schemas.openxmlformats.org/presentationml/2006/main">
   <p:cSld>
     <p:spTree>
       <p:nvGrpSpPr>
-        <p:cNvPr id="356" name="Shape 356"/>
+        <p:cNvPr id="1" name="Shape 356"/>
         <p:cNvGrpSpPr/>
         <p:nvPr/>
       </p:nvGrpSpPr>
@@ -17569,7 +17750,9 @@
       <p:sp>
         <p:nvSpPr>
           <p:cNvPr id="357" name="Google Shape;357;p16"/>
-          <p:cNvSpPr txBox="1"/>
+          <p:cNvSpPr txBox="1">
+            <a:spLocks noGrp="1"/>
+          </p:cNvSpPr>
           <p:nvPr>
             <p:ph type="ctrTitle"/>
           </p:nvPr>
@@ -17584,12 +17767,12 @@
           </a:prstGeom>
         </p:spPr>
         <p:txBody>
-          <a:bodyPr anchorCtr="0" anchor="b" bIns="0" lIns="0" spcFirstLastPara="1" rIns="0" wrap="square" tIns="0">
+          <a:bodyPr spcFirstLastPara="1" wrap="square" lIns="0" tIns="0" rIns="0" bIns="0" anchor="b" anchorCtr="0">
             <a:noAutofit/>
           </a:bodyPr>
           <a:lstStyle/>
           <a:p>
-            <a:pPr indent="0" lvl="0" marL="0" rtl="0" algn="l">
+            <a:pPr marL="0" lvl="0" indent="0" algn="l" rtl="0">
               <a:spcBef>
                 <a:spcPts val="0"/>
               </a:spcBef>
@@ -17604,15 +17787,7 @@
                   <a:schemeClr val="accent2"/>
                 </a:solidFill>
               </a:rPr>
-              <a:t>2</a:t>
-            </a:r>
-            <a:r>
-              <a:rPr lang="en">
-                <a:solidFill>
-                  <a:schemeClr val="accent2"/>
-                </a:solidFill>
-              </a:rPr>
-              <a:t>.</a:t>
+              <a:t>2.</a:t>
             </a:r>
             <a:endParaRPr>
               <a:solidFill>
@@ -17621,7 +17796,7 @@
             </a:endParaRPr>
           </a:p>
           <a:p>
-            <a:pPr indent="0" lvl="0" marL="0" rtl="0" algn="l">
+            <a:pPr marL="0" lvl="0" indent="0" algn="l" rtl="0">
               <a:spcBef>
                 <a:spcPts val="0"/>
               </a:spcBef>
@@ -17641,9 +17816,11 @@
       <p:sp>
         <p:nvSpPr>
           <p:cNvPr id="358" name="Google Shape;358;p16"/>
-          <p:cNvSpPr txBox="1"/>
+          <p:cNvSpPr txBox="1">
+            <a:spLocks noGrp="1"/>
+          </p:cNvSpPr>
           <p:nvPr>
-            <p:ph idx="1" type="subTitle"/>
+            <p:ph type="subTitle" idx="1"/>
           </p:nvPr>
         </p:nvSpPr>
         <p:spPr>
@@ -17656,12 +17833,12 @@
           </a:prstGeom>
         </p:spPr>
         <p:txBody>
-          <a:bodyPr anchorCtr="0" anchor="t" bIns="0" lIns="0" spcFirstLastPara="1" rIns="0" wrap="square" tIns="0">
+          <a:bodyPr spcFirstLastPara="1" wrap="square" lIns="0" tIns="0" rIns="0" bIns="0" anchor="t" anchorCtr="0">
             <a:noAutofit/>
           </a:bodyPr>
           <a:lstStyle/>
           <a:p>
-            <a:pPr indent="0" lvl="0" marL="0" rtl="0" algn="l">
+            <a:pPr marL="0" lvl="0" indent="0" algn="l" rtl="0">
               <a:spcBef>
                 <a:spcPts val="0"/>
               </a:spcBef>
@@ -17671,13 +17848,21 @@
               <a:buNone/>
             </a:pPr>
             <a:r>
-              <a:rPr lang="en"/>
-              <a:t>What not Comos?</a:t>
+              <a:rPr lang="en" dirty="0"/>
+              <a:t>What not Co</a:t>
             </a:r>
-            <a:endParaRPr/>
+            <a:r>
+              <a:rPr lang="en-GB" dirty="0"/>
+              <a:t>s</a:t>
+            </a:r>
+            <a:r>
+              <a:rPr lang="en" dirty="0"/>
+              <a:t>mos?</a:t>
+            </a:r>
+            <a:endParaRPr dirty="0"/>
           </a:p>
           <a:p>
-            <a:pPr indent="0" lvl="0" marL="0" rtl="0" algn="l">
+            <a:pPr marL="0" lvl="0" indent="0" algn="l" rtl="0">
               <a:spcBef>
                 <a:spcPts val="0"/>
               </a:spcBef>
@@ -17687,10 +17872,10 @@
               <a:buNone/>
             </a:pPr>
             <a:r>
-              <a:rPr lang="en"/>
+              <a:rPr lang="en" dirty="0"/>
               <a:t>Why Table storage?</a:t>
             </a:r>
-            <a:endParaRPr/>
+            <a:endParaRPr dirty="0"/>
           </a:p>
         </p:txBody>
       </p:sp>
@@ -17703,11 +17888,11 @@
 </file>
 
 <file path=ppt/slides/slide6.xml><?xml version="1.0" encoding="utf-8"?>
-<p:sld xmlns:a="http://schemas.openxmlformats.org/drawingml/2006/main" xmlns:r="http://schemas.openxmlformats.org/officeDocument/2006/relationships" xmlns:mc="http://schemas.openxmlformats.org/markup-compatibility/2006" xmlns:mv="urn:schemas-microsoft-com:mac:vml" xmlns:p="http://schemas.openxmlformats.org/presentationml/2006/main" xmlns:c="http://schemas.openxmlformats.org/drawingml/2006/chart" xmlns:dgm="http://schemas.openxmlformats.org/drawingml/2006/diagram" xmlns:o="urn:schemas-microsoft-com:office:office" xmlns:v="urn:schemas-microsoft-com:vml" xmlns:pvml="urn:schemas-microsoft-com:office:powerpoint" xmlns:com="http://schemas.openxmlformats.org/drawingml/2006/compatibility" xmlns:p14="http://schemas.microsoft.com/office/powerpoint/2010/main" xmlns:p15="http://schemas.microsoft.com/office/powerpoint/2012/main">
+<p:sld xmlns:a="http://schemas.openxmlformats.org/drawingml/2006/main" xmlns:r="http://schemas.openxmlformats.org/officeDocument/2006/relationships" xmlns:p="http://schemas.openxmlformats.org/presentationml/2006/main">
   <p:cSld>
     <p:spTree>
       <p:nvGrpSpPr>
-        <p:cNvPr id="362" name="Shape 362"/>
+        <p:cNvPr id="1" name="Shape 362"/>
         <p:cNvGrpSpPr/>
         <p:nvPr/>
       </p:nvGrpSpPr>
@@ -17722,7 +17907,9 @@
       <p:sp>
         <p:nvSpPr>
           <p:cNvPr id="363" name="Google Shape;363;p17"/>
-          <p:cNvSpPr txBox="1"/>
+          <p:cNvSpPr txBox="1">
+            <a:spLocks noGrp="1"/>
+          </p:cNvSpPr>
           <p:nvPr>
             <p:ph type="title"/>
           </p:nvPr>
@@ -17737,12 +17924,12 @@
           </a:prstGeom>
         </p:spPr>
         <p:txBody>
-          <a:bodyPr anchorCtr="0" anchor="b" bIns="0" lIns="0" spcFirstLastPara="1" rIns="0" wrap="square" tIns="0">
+          <a:bodyPr spcFirstLastPara="1" wrap="square" lIns="0" tIns="0" rIns="0" bIns="0" anchor="b" anchorCtr="0">
             <a:noAutofit/>
           </a:bodyPr>
           <a:lstStyle/>
           <a:p>
-            <a:pPr indent="0" lvl="0" marL="0" rtl="0" algn="l">
+            <a:pPr marL="0" lvl="0" indent="0" algn="l" rtl="0">
               <a:spcBef>
                 <a:spcPts val="0"/>
               </a:spcBef>
@@ -17762,9 +17949,11 @@
       <p:sp>
         <p:nvSpPr>
           <p:cNvPr id="364" name="Google Shape;364;p17"/>
-          <p:cNvSpPr txBox="1"/>
+          <p:cNvSpPr txBox="1">
+            <a:spLocks noGrp="1"/>
+          </p:cNvSpPr>
           <p:nvPr>
-            <p:ph idx="1" type="body"/>
+            <p:ph type="body" idx="1"/>
           </p:nvPr>
         </p:nvSpPr>
         <p:spPr>
@@ -17777,12 +17966,12 @@
           </a:prstGeom>
         </p:spPr>
         <p:txBody>
-          <a:bodyPr anchorCtr="0" anchor="t" bIns="0" lIns="0" spcFirstLastPara="1" rIns="0" wrap="square" tIns="0">
+          <a:bodyPr spcFirstLastPara="1" wrap="square" lIns="0" tIns="0" rIns="0" bIns="0" anchor="t" anchorCtr="0">
             <a:noAutofit/>
           </a:bodyPr>
           <a:lstStyle/>
           <a:p>
-            <a:pPr indent="-355600" lvl="0" marL="457200" rtl="0" algn="l">
+            <a:pPr marL="457200" lvl="0" indent="-355600" algn="l" rtl="0">
               <a:spcBef>
                 <a:spcPts val="0"/>
               </a:spcBef>
@@ -17799,7 +17988,7 @@
             <a:endParaRPr/>
           </a:p>
           <a:p>
-            <a:pPr indent="-355600" lvl="0" marL="457200" rtl="0" algn="l">
+            <a:pPr marL="457200" lvl="0" indent="-355600" algn="l" rtl="0">
               <a:spcBef>
                 <a:spcPts val="1000"/>
               </a:spcBef>
@@ -17816,7 +18005,7 @@
             <a:endParaRPr/>
           </a:p>
           <a:p>
-            <a:pPr indent="-355600" lvl="0" marL="457200" rtl="0" algn="l">
+            <a:pPr marL="457200" lvl="0" indent="-355600" algn="l" rtl="0">
               <a:spcBef>
                 <a:spcPts val="1000"/>
               </a:spcBef>
@@ -17833,7 +18022,7 @@
             <a:endParaRPr/>
           </a:p>
           <a:p>
-            <a:pPr indent="0" lvl="0" marL="0" rtl="0" algn="l">
+            <a:pPr marL="0" lvl="0" indent="0" algn="l" rtl="0">
               <a:spcBef>
                 <a:spcPts val="1000"/>
               </a:spcBef>
@@ -17842,9 +18031,6 @@
               </a:spcAft>
               <a:buNone/>
             </a:pPr>
-            <a:r>
-              <a:t/>
-            </a:r>
             <a:endParaRPr/>
           </a:p>
         </p:txBody>
@@ -17852,9 +18038,11 @@
       <p:sp>
         <p:nvSpPr>
           <p:cNvPr id="365" name="Google Shape;365;p17"/>
-          <p:cNvSpPr txBox="1"/>
+          <p:cNvSpPr txBox="1">
+            <a:spLocks noGrp="1"/>
+          </p:cNvSpPr>
           <p:nvPr>
-            <p:ph idx="12" type="sldNum"/>
+            <p:ph type="sldNum" idx="12"/>
           </p:nvPr>
         </p:nvSpPr>
         <p:spPr>
@@ -17867,12 +18055,12 @@
           </a:prstGeom>
         </p:spPr>
         <p:txBody>
-          <a:bodyPr anchorCtr="0" anchor="ctr" bIns="0" lIns="0" spcFirstLastPara="1" rIns="0" wrap="square" tIns="0">
+          <a:bodyPr spcFirstLastPara="1" wrap="square" lIns="0" tIns="0" rIns="0" bIns="0" anchor="ctr" anchorCtr="0">
             <a:noAutofit/>
           </a:bodyPr>
           <a:lstStyle/>
           <a:p>
-            <a:pPr indent="0" lvl="0" marL="0" rtl="0" algn="ctr">
+            <a:pPr marL="0" lvl="0" indent="0" algn="ctr" rtl="0">
               <a:spcBef>
                 <a:spcPts val="0"/>
               </a:spcBef>
@@ -17883,7 +18071,7 @@
             </a:pPr>
             <a:fld id="{00000000-1234-1234-1234-123412341234}" type="slidenum">
               <a:rPr lang="en"/>
-              <a:t>‹#›</a:t>
+              <a:t>6</a:t>
             </a:fld>
             <a:endParaRPr/>
           </a:p>
@@ -17898,11 +18086,11 @@
 </file>
 
 <file path=ppt/slides/slide7.xml><?xml version="1.0" encoding="utf-8"?>
-<p:sld xmlns:a="http://schemas.openxmlformats.org/drawingml/2006/main" xmlns:r="http://schemas.openxmlformats.org/officeDocument/2006/relationships" xmlns:mc="http://schemas.openxmlformats.org/markup-compatibility/2006" xmlns:mv="urn:schemas-microsoft-com:mac:vml" xmlns:p="http://schemas.openxmlformats.org/presentationml/2006/main" xmlns:c="http://schemas.openxmlformats.org/drawingml/2006/chart" xmlns:dgm="http://schemas.openxmlformats.org/drawingml/2006/diagram" xmlns:o="urn:schemas-microsoft-com:office:office" xmlns:v="urn:schemas-microsoft-com:vml" xmlns:pvml="urn:schemas-microsoft-com:office:powerpoint" xmlns:com="http://schemas.openxmlformats.org/drawingml/2006/compatibility" xmlns:p14="http://schemas.microsoft.com/office/powerpoint/2010/main" xmlns:p15="http://schemas.microsoft.com/office/powerpoint/2012/main">
+<p:sld xmlns:a="http://schemas.openxmlformats.org/drawingml/2006/main" xmlns:r="http://schemas.openxmlformats.org/officeDocument/2006/relationships" xmlns:p="http://schemas.openxmlformats.org/presentationml/2006/main">
   <p:cSld>
     <p:spTree>
       <p:nvGrpSpPr>
-        <p:cNvPr id="369" name="Shape 369"/>
+        <p:cNvPr id="1" name="Shape 369"/>
         <p:cNvGrpSpPr/>
         <p:nvPr/>
       </p:nvGrpSpPr>
@@ -17917,9 +18105,11 @@
       <p:sp>
         <p:nvSpPr>
           <p:cNvPr id="370" name="Google Shape;370;p18"/>
-          <p:cNvSpPr txBox="1"/>
+          <p:cNvSpPr txBox="1">
+            <a:spLocks noGrp="1"/>
+          </p:cNvSpPr>
           <p:nvPr>
-            <p:ph idx="1" type="body"/>
+            <p:ph type="body" idx="1"/>
           </p:nvPr>
         </p:nvSpPr>
         <p:spPr>
@@ -17932,12 +18122,12 @@
           </a:prstGeom>
         </p:spPr>
         <p:txBody>
-          <a:bodyPr anchorCtr="0" anchor="t" bIns="0" lIns="0" spcFirstLastPara="1" rIns="0" wrap="square" tIns="0">
+          <a:bodyPr spcFirstLastPara="1" wrap="square" lIns="0" tIns="0" rIns="0" bIns="0" anchor="t" anchorCtr="0">
             <a:noAutofit/>
           </a:bodyPr>
           <a:lstStyle/>
           <a:p>
-            <a:pPr indent="0" lvl="0" marL="0" rtl="0" algn="l">
+            <a:pPr marL="0" lvl="0" indent="0" algn="l" rtl="0">
               <a:spcBef>
                 <a:spcPts val="600"/>
               </a:spcBef>
@@ -17947,7 +18137,7 @@
               <a:buNone/>
             </a:pPr>
             <a:r>
-              <a:rPr b="1" lang="en">
+              <a:rPr lang="en" b="1">
                 <a:latin typeface="Montserrat"/>
                 <a:ea typeface="Montserrat"/>
                 <a:cs typeface="Montserrat"/>
@@ -17963,7 +18153,7 @@
             </a:endParaRPr>
           </a:p>
           <a:p>
-            <a:pPr indent="-355600" lvl="0" marL="457200" rtl="0" algn="l">
+            <a:pPr marL="457200" lvl="0" indent="-355600" algn="l" rtl="0">
               <a:spcBef>
                 <a:spcPts val="600"/>
               </a:spcBef>
@@ -17980,7 +18170,7 @@
             <a:endParaRPr/>
           </a:p>
           <a:p>
-            <a:pPr indent="-355600" lvl="0" marL="457200" rtl="0" algn="l">
+            <a:pPr marL="457200" lvl="0" indent="-355600" algn="l" rtl="0">
               <a:spcBef>
                 <a:spcPts val="0"/>
               </a:spcBef>
@@ -17997,7 +18187,7 @@
             <a:endParaRPr/>
           </a:p>
           <a:p>
-            <a:pPr indent="-355600" lvl="0" marL="457200" rtl="0" algn="l">
+            <a:pPr marL="457200" lvl="0" indent="-355600" algn="l" rtl="0">
               <a:spcBef>
                 <a:spcPts val="0"/>
               </a:spcBef>
@@ -18018,7 +18208,9 @@
       <p:sp>
         <p:nvSpPr>
           <p:cNvPr id="371" name="Google Shape;371;p18"/>
-          <p:cNvSpPr txBox="1"/>
+          <p:cNvSpPr txBox="1">
+            <a:spLocks noGrp="1"/>
+          </p:cNvSpPr>
           <p:nvPr>
             <p:ph type="title"/>
           </p:nvPr>
@@ -18033,12 +18225,12 @@
           </a:prstGeom>
         </p:spPr>
         <p:txBody>
-          <a:bodyPr anchorCtr="0" anchor="b" bIns="0" lIns="0" spcFirstLastPara="1" rIns="0" wrap="square" tIns="0">
+          <a:bodyPr spcFirstLastPara="1" wrap="square" lIns="0" tIns="0" rIns="0" bIns="0" anchor="b" anchorCtr="0">
             <a:noAutofit/>
           </a:bodyPr>
           <a:lstStyle/>
           <a:p>
-            <a:pPr indent="0" lvl="0" marL="0" rtl="0" algn="l">
+            <a:pPr marL="0" lvl="0" indent="0" algn="l" rtl="0">
               <a:spcBef>
                 <a:spcPts val="0"/>
               </a:spcBef>
@@ -18058,9 +18250,11 @@
       <p:sp>
         <p:nvSpPr>
           <p:cNvPr id="372" name="Google Shape;372;p18"/>
-          <p:cNvSpPr txBox="1"/>
+          <p:cNvSpPr txBox="1">
+            <a:spLocks noGrp="1"/>
+          </p:cNvSpPr>
           <p:nvPr>
-            <p:ph idx="2" type="body"/>
+            <p:ph type="body" idx="2"/>
           </p:nvPr>
         </p:nvSpPr>
         <p:spPr>
@@ -18073,12 +18267,12 @@
           </a:prstGeom>
         </p:spPr>
         <p:txBody>
-          <a:bodyPr anchorCtr="0" anchor="t" bIns="0" lIns="0" spcFirstLastPara="1" rIns="0" wrap="square" tIns="0">
+          <a:bodyPr spcFirstLastPara="1" wrap="square" lIns="0" tIns="0" rIns="0" bIns="0" anchor="t" anchorCtr="0">
             <a:noAutofit/>
           </a:bodyPr>
           <a:lstStyle/>
           <a:p>
-            <a:pPr indent="0" lvl="0" marL="0" rtl="0" algn="l">
+            <a:pPr marL="0" lvl="0" indent="0" algn="l" rtl="0">
               <a:spcBef>
                 <a:spcPts val="600"/>
               </a:spcBef>
@@ -18088,7 +18282,7 @@
               <a:buNone/>
             </a:pPr>
             <a:r>
-              <a:rPr b="1" lang="en">
+              <a:rPr lang="en" b="1">
                 <a:latin typeface="Montserrat"/>
                 <a:ea typeface="Montserrat"/>
                 <a:cs typeface="Montserrat"/>
@@ -18104,7 +18298,7 @@
             </a:endParaRPr>
           </a:p>
           <a:p>
-            <a:pPr indent="-355600" lvl="0" marL="457200" rtl="0" algn="l">
+            <a:pPr marL="457200" lvl="0" indent="-355600" algn="l" rtl="0">
               <a:spcBef>
                 <a:spcPts val="600"/>
               </a:spcBef>
@@ -18121,7 +18315,7 @@
             <a:endParaRPr/>
           </a:p>
           <a:p>
-            <a:pPr indent="-355600" lvl="0" marL="457200" rtl="0" algn="l">
+            <a:pPr marL="457200" lvl="0" indent="-355600" algn="l" rtl="0">
               <a:spcBef>
                 <a:spcPts val="0"/>
               </a:spcBef>
@@ -18138,7 +18332,7 @@
             <a:endParaRPr/>
           </a:p>
           <a:p>
-            <a:pPr indent="0" lvl="0" marL="457200" rtl="0" algn="l">
+            <a:pPr marL="457200" lvl="0" indent="0" algn="l" rtl="0">
               <a:spcBef>
                 <a:spcPts val="600"/>
               </a:spcBef>
@@ -18147,9 +18341,6 @@
               </a:spcAft>
               <a:buNone/>
             </a:pPr>
-            <a:r>
-              <a:t/>
-            </a:r>
             <a:endParaRPr/>
           </a:p>
         </p:txBody>
@@ -18157,9 +18348,11 @@
       <p:sp>
         <p:nvSpPr>
           <p:cNvPr id="373" name="Google Shape;373;p18"/>
-          <p:cNvSpPr txBox="1"/>
+          <p:cNvSpPr txBox="1">
+            <a:spLocks noGrp="1"/>
+          </p:cNvSpPr>
           <p:nvPr>
-            <p:ph idx="12" type="sldNum"/>
+            <p:ph type="sldNum" idx="12"/>
           </p:nvPr>
         </p:nvSpPr>
         <p:spPr>
@@ -18172,12 +18365,12 @@
           </a:prstGeom>
         </p:spPr>
         <p:txBody>
-          <a:bodyPr anchorCtr="0" anchor="ctr" bIns="0" lIns="0" spcFirstLastPara="1" rIns="0" wrap="square" tIns="0">
+          <a:bodyPr spcFirstLastPara="1" wrap="square" lIns="0" tIns="0" rIns="0" bIns="0" anchor="ctr" anchorCtr="0">
             <a:noAutofit/>
           </a:bodyPr>
           <a:lstStyle/>
           <a:p>
-            <a:pPr indent="0" lvl="0" marL="0" rtl="0" algn="ctr">
+            <a:pPr marL="0" lvl="0" indent="0" algn="ctr" rtl="0">
               <a:spcBef>
                 <a:spcPts val="0"/>
               </a:spcBef>
@@ -18188,7 +18381,7 @@
             </a:pPr>
             <a:fld id="{00000000-1234-1234-1234-123412341234}" type="slidenum">
               <a:rPr lang="en"/>
-              <a:t>‹#›</a:t>
+              <a:t>7</a:t>
             </a:fld>
             <a:endParaRPr/>
           </a:p>
@@ -18203,11 +18396,11 @@
 </file>
 
 <file path=ppt/slides/slide8.xml><?xml version="1.0" encoding="utf-8"?>
-<p:sld xmlns:a="http://schemas.openxmlformats.org/drawingml/2006/main" xmlns:r="http://schemas.openxmlformats.org/officeDocument/2006/relationships" xmlns:mc="http://schemas.openxmlformats.org/markup-compatibility/2006" xmlns:mv="urn:schemas-microsoft-com:mac:vml" xmlns:p="http://schemas.openxmlformats.org/presentationml/2006/main" xmlns:c="http://schemas.openxmlformats.org/drawingml/2006/chart" xmlns:dgm="http://schemas.openxmlformats.org/drawingml/2006/diagram" xmlns:o="urn:schemas-microsoft-com:office:office" xmlns:v="urn:schemas-microsoft-com:vml" xmlns:pvml="urn:schemas-microsoft-com:office:powerpoint" xmlns:com="http://schemas.openxmlformats.org/drawingml/2006/compatibility" xmlns:p14="http://schemas.microsoft.com/office/powerpoint/2010/main" xmlns:p15="http://schemas.microsoft.com/office/powerpoint/2012/main">
+<p:sld xmlns:a="http://schemas.openxmlformats.org/drawingml/2006/main" xmlns:r="http://schemas.openxmlformats.org/officeDocument/2006/relationships" xmlns:p="http://schemas.openxmlformats.org/presentationml/2006/main">
   <p:cSld>
     <p:spTree>
       <p:nvGrpSpPr>
-        <p:cNvPr id="377" name="Shape 377"/>
+        <p:cNvPr id="1" name="Shape 377"/>
         <p:cNvGrpSpPr/>
         <p:nvPr/>
       </p:nvGrpSpPr>
@@ -18222,9 +18415,11 @@
       <p:sp>
         <p:nvSpPr>
           <p:cNvPr id="378" name="Google Shape;378;p19"/>
-          <p:cNvSpPr txBox="1"/>
+          <p:cNvSpPr txBox="1">
+            <a:spLocks noGrp="1"/>
+          </p:cNvSpPr>
           <p:nvPr>
-            <p:ph idx="1" type="body"/>
+            <p:ph type="body" idx="1"/>
           </p:nvPr>
         </p:nvSpPr>
         <p:spPr>
@@ -18237,12 +18432,12 @@
           </a:prstGeom>
         </p:spPr>
         <p:txBody>
-          <a:bodyPr anchorCtr="0" anchor="t" bIns="0" lIns="0" spcFirstLastPara="1" rIns="0" wrap="square" tIns="0">
+          <a:bodyPr spcFirstLastPara="1" wrap="square" lIns="0" tIns="0" rIns="0" bIns="0" anchor="t" anchorCtr="0">
             <a:noAutofit/>
           </a:bodyPr>
           <a:lstStyle/>
           <a:p>
-            <a:pPr indent="0" lvl="0" marL="0" rtl="0" algn="l">
+            <a:pPr marL="0" lvl="0" indent="0" algn="l" rtl="0">
               <a:spcBef>
                 <a:spcPts val="600"/>
               </a:spcBef>
@@ -18252,7 +18447,7 @@
               <a:buNone/>
             </a:pPr>
             <a:r>
-              <a:rPr b="1" lang="en">
+              <a:rPr lang="en" b="1">
                 <a:latin typeface="Montserrat"/>
                 <a:ea typeface="Montserrat"/>
                 <a:cs typeface="Montserrat"/>
@@ -18268,7 +18463,7 @@
             </a:endParaRPr>
           </a:p>
           <a:p>
-            <a:pPr indent="-355600" lvl="0" marL="457200" rtl="0" algn="l">
+            <a:pPr marL="457200" lvl="0" indent="-355600" algn="l" rtl="0">
               <a:spcBef>
                 <a:spcPts val="600"/>
               </a:spcBef>
@@ -18285,7 +18480,7 @@
             <a:endParaRPr/>
           </a:p>
           <a:p>
-            <a:pPr indent="-355600" lvl="0" marL="457200" rtl="0" algn="l">
+            <a:pPr marL="457200" lvl="0" indent="-355600" algn="l" rtl="0">
               <a:spcBef>
                 <a:spcPts val="0"/>
               </a:spcBef>
@@ -18302,7 +18497,7 @@
             <a:endParaRPr/>
           </a:p>
           <a:p>
-            <a:pPr indent="-355600" lvl="0" marL="457200" rtl="0" algn="l">
+            <a:pPr marL="457200" lvl="0" indent="-355600" algn="l" rtl="0">
               <a:spcBef>
                 <a:spcPts val="0"/>
               </a:spcBef>
@@ -18323,7 +18518,9 @@
       <p:sp>
         <p:nvSpPr>
           <p:cNvPr id="379" name="Google Shape;379;p19"/>
-          <p:cNvSpPr txBox="1"/>
+          <p:cNvSpPr txBox="1">
+            <a:spLocks noGrp="1"/>
+          </p:cNvSpPr>
           <p:nvPr>
             <p:ph type="title"/>
           </p:nvPr>
@@ -18338,12 +18535,12 @@
           </a:prstGeom>
         </p:spPr>
         <p:txBody>
-          <a:bodyPr anchorCtr="0" anchor="b" bIns="0" lIns="0" spcFirstLastPara="1" rIns="0" wrap="square" tIns="0">
+          <a:bodyPr spcFirstLastPara="1" wrap="square" lIns="0" tIns="0" rIns="0" bIns="0" anchor="b" anchorCtr="0">
             <a:noAutofit/>
           </a:bodyPr>
           <a:lstStyle/>
           <a:p>
-            <a:pPr indent="0" lvl="0" marL="0" rtl="0" algn="l">
+            <a:pPr marL="0" lvl="0" indent="0" algn="l" rtl="0">
               <a:spcBef>
                 <a:spcPts val="0"/>
               </a:spcBef>
@@ -18363,9 +18560,11 @@
       <p:sp>
         <p:nvSpPr>
           <p:cNvPr id="380" name="Google Shape;380;p19"/>
-          <p:cNvSpPr txBox="1"/>
+          <p:cNvSpPr txBox="1">
+            <a:spLocks noGrp="1"/>
+          </p:cNvSpPr>
           <p:nvPr>
-            <p:ph idx="2" type="body"/>
+            <p:ph type="body" idx="2"/>
           </p:nvPr>
         </p:nvSpPr>
         <p:spPr>
@@ -18378,12 +18577,12 @@
           </a:prstGeom>
         </p:spPr>
         <p:txBody>
-          <a:bodyPr anchorCtr="0" anchor="t" bIns="0" lIns="0" spcFirstLastPara="1" rIns="0" wrap="square" tIns="0">
+          <a:bodyPr spcFirstLastPara="1" wrap="square" lIns="0" tIns="0" rIns="0" bIns="0" anchor="t" anchorCtr="0">
             <a:noAutofit/>
           </a:bodyPr>
           <a:lstStyle/>
           <a:p>
-            <a:pPr indent="0" lvl="0" marL="0" rtl="0" algn="l">
+            <a:pPr marL="0" lvl="0" indent="0" algn="l" rtl="0">
               <a:spcBef>
                 <a:spcPts val="600"/>
               </a:spcBef>
@@ -18393,7 +18592,7 @@
               <a:buNone/>
             </a:pPr>
             <a:r>
-              <a:rPr b="1" lang="en">
+              <a:rPr lang="en" b="1">
                 <a:latin typeface="Montserrat"/>
                 <a:ea typeface="Montserrat"/>
                 <a:cs typeface="Montserrat"/>
@@ -18409,7 +18608,7 @@
             </a:endParaRPr>
           </a:p>
           <a:p>
-            <a:pPr indent="-355600" lvl="0" marL="457200" rtl="0" algn="l">
+            <a:pPr marL="457200" lvl="0" indent="-355600" algn="l" rtl="0">
               <a:spcBef>
                 <a:spcPts val="600"/>
               </a:spcBef>
@@ -18426,7 +18625,7 @@
             <a:endParaRPr/>
           </a:p>
           <a:p>
-            <a:pPr indent="-355600" lvl="0" marL="457200" rtl="0" algn="l">
+            <a:pPr marL="457200" lvl="0" indent="-355600" algn="l" rtl="0">
               <a:spcBef>
                 <a:spcPts val="0"/>
               </a:spcBef>
@@ -18447,9 +18646,11 @@
       <p:sp>
         <p:nvSpPr>
           <p:cNvPr id="381" name="Google Shape;381;p19"/>
-          <p:cNvSpPr txBox="1"/>
+          <p:cNvSpPr txBox="1">
+            <a:spLocks noGrp="1"/>
+          </p:cNvSpPr>
           <p:nvPr>
-            <p:ph idx="12" type="sldNum"/>
+            <p:ph type="sldNum" idx="12"/>
           </p:nvPr>
         </p:nvSpPr>
         <p:spPr>
@@ -18462,12 +18663,12 @@
           </a:prstGeom>
         </p:spPr>
         <p:txBody>
-          <a:bodyPr anchorCtr="0" anchor="ctr" bIns="0" lIns="0" spcFirstLastPara="1" rIns="0" wrap="square" tIns="0">
+          <a:bodyPr spcFirstLastPara="1" wrap="square" lIns="0" tIns="0" rIns="0" bIns="0" anchor="ctr" anchorCtr="0">
             <a:noAutofit/>
           </a:bodyPr>
           <a:lstStyle/>
           <a:p>
-            <a:pPr indent="0" lvl="0" marL="0" rtl="0" algn="ctr">
+            <a:pPr marL="0" lvl="0" indent="0" algn="ctr" rtl="0">
               <a:spcBef>
                 <a:spcPts val="0"/>
               </a:spcBef>
@@ -18478,7 +18679,7 @@
             </a:pPr>
             <a:fld id="{00000000-1234-1234-1234-123412341234}" type="slidenum">
               <a:rPr lang="en"/>
-              <a:t>‹#›</a:t>
+              <a:t>8</a:t>
             </a:fld>
             <a:endParaRPr/>
           </a:p>
@@ -18493,11 +18694,11 @@
 </file>
 
 <file path=ppt/slides/slide9.xml><?xml version="1.0" encoding="utf-8"?>
-<p:sld xmlns:a="http://schemas.openxmlformats.org/drawingml/2006/main" xmlns:r="http://schemas.openxmlformats.org/officeDocument/2006/relationships" xmlns:mc="http://schemas.openxmlformats.org/markup-compatibility/2006" xmlns:mv="urn:schemas-microsoft-com:mac:vml" xmlns:p="http://schemas.openxmlformats.org/presentationml/2006/main" xmlns:c="http://schemas.openxmlformats.org/drawingml/2006/chart" xmlns:dgm="http://schemas.openxmlformats.org/drawingml/2006/diagram" xmlns:o="urn:schemas-microsoft-com:office:office" xmlns:v="urn:schemas-microsoft-com:vml" xmlns:pvml="urn:schemas-microsoft-com:office:powerpoint" xmlns:com="http://schemas.openxmlformats.org/drawingml/2006/compatibility" xmlns:p14="http://schemas.microsoft.com/office/powerpoint/2010/main" xmlns:p15="http://schemas.microsoft.com/office/powerpoint/2012/main">
+<p:sld xmlns:a="http://schemas.openxmlformats.org/drawingml/2006/main" xmlns:r="http://schemas.openxmlformats.org/officeDocument/2006/relationships" xmlns:p="http://schemas.openxmlformats.org/presentationml/2006/main">
   <p:cSld>
     <p:spTree>
       <p:nvGrpSpPr>
-        <p:cNvPr id="385" name="Shape 385"/>
+        <p:cNvPr id="1" name="Shape 385"/>
         <p:cNvGrpSpPr/>
         <p:nvPr/>
       </p:nvGrpSpPr>
@@ -18512,7 +18713,9 @@
       <p:sp>
         <p:nvSpPr>
           <p:cNvPr id="386" name="Google Shape;386;p20"/>
-          <p:cNvSpPr txBox="1"/>
+          <p:cNvSpPr txBox="1">
+            <a:spLocks noGrp="1"/>
+          </p:cNvSpPr>
           <p:nvPr>
             <p:ph type="ctrTitle"/>
           </p:nvPr>
@@ -18527,12 +18730,12 @@
           </a:prstGeom>
         </p:spPr>
         <p:txBody>
-          <a:bodyPr anchorCtr="0" anchor="b" bIns="0" lIns="0" spcFirstLastPara="1" rIns="0" wrap="square" tIns="0">
+          <a:bodyPr spcFirstLastPara="1" wrap="square" lIns="0" tIns="0" rIns="0" bIns="0" anchor="b" anchorCtr="0">
             <a:noAutofit/>
           </a:bodyPr>
           <a:lstStyle/>
           <a:p>
-            <a:pPr indent="0" lvl="0" marL="0" rtl="0" algn="l">
+            <a:pPr marL="0" lvl="0" indent="0" algn="l" rtl="0">
               <a:spcBef>
                 <a:spcPts val="0"/>
               </a:spcBef>
@@ -18547,15 +18750,7 @@
                   <a:schemeClr val="accent2"/>
                 </a:solidFill>
               </a:rPr>
-              <a:t>3</a:t>
-            </a:r>
-            <a:r>
-              <a:rPr lang="en">
-                <a:solidFill>
-                  <a:schemeClr val="accent2"/>
-                </a:solidFill>
-              </a:rPr>
-              <a:t>.</a:t>
+              <a:t>3.</a:t>
             </a:r>
             <a:endParaRPr>
               <a:solidFill>
@@ -18564,7 +18759,7 @@
             </a:endParaRPr>
           </a:p>
           <a:p>
-            <a:pPr indent="0" lvl="0" marL="0" rtl="0" algn="l">
+            <a:pPr marL="0" lvl="0" indent="0" algn="l" rtl="0">
               <a:spcBef>
                 <a:spcPts val="0"/>
               </a:spcBef>
@@ -18584,9 +18779,11 @@
       <p:sp>
         <p:nvSpPr>
           <p:cNvPr id="387" name="Google Shape;387;p20"/>
-          <p:cNvSpPr txBox="1"/>
+          <p:cNvSpPr txBox="1">
+            <a:spLocks noGrp="1"/>
+          </p:cNvSpPr>
           <p:nvPr>
-            <p:ph idx="1" type="subTitle"/>
+            <p:ph type="subTitle" idx="1"/>
           </p:nvPr>
         </p:nvSpPr>
         <p:spPr>
@@ -18599,12 +18796,12 @@
           </a:prstGeom>
         </p:spPr>
         <p:txBody>
-          <a:bodyPr anchorCtr="0" anchor="t" bIns="0" lIns="0" spcFirstLastPara="1" rIns="0" wrap="square" tIns="0">
+          <a:bodyPr spcFirstLastPara="1" wrap="square" lIns="0" tIns="0" rIns="0" bIns="0" anchor="t" anchorCtr="0">
             <a:noAutofit/>
           </a:bodyPr>
           <a:lstStyle/>
           <a:p>
-            <a:pPr indent="0" lvl="0" marL="0" rtl="0" algn="l">
+            <a:pPr marL="0" lvl="0" indent="0" algn="l" rtl="0">
               <a:spcBef>
                 <a:spcPts val="0"/>
               </a:spcBef>
@@ -18615,16 +18812,12 @@
             </a:pPr>
             <a:r>
               <a:rPr lang="en"/>
-              <a:t>What steps</a:t>
-            </a:r>
-            <a:r>
-              <a:rPr lang="en"/>
-              <a:t>?</a:t>
+              <a:t>What steps?</a:t>
             </a:r>
             <a:endParaRPr/>
           </a:p>
           <a:p>
-            <a:pPr indent="0" lvl="0" marL="0" rtl="0" algn="l">
+            <a:pPr marL="0" lvl="0" indent="0" algn="l" rtl="0">
               <a:spcBef>
                 <a:spcPts val="0"/>
               </a:spcBef>
@@ -18633,9 +18826,6 @@
               </a:spcAft>
               <a:buNone/>
             </a:pPr>
-            <a:r>
-              <a:t/>
-            </a:r>
             <a:endParaRPr/>
           </a:p>
         </p:txBody>
@@ -18649,7 +18839,7 @@
 </file>
 
 <file path=ppt/theme/theme1.xml><?xml version="1.0" encoding="utf-8"?>
-<a:theme xmlns:a="http://schemas.openxmlformats.org/drawingml/2006/main" xmlns:r="http://schemas.openxmlformats.org/officeDocument/2006/relationships" name="Volsce template">
+<a:theme xmlns:a="http://schemas.openxmlformats.org/drawingml/2006/main" name="Volsce template">
   <a:themeElements>
     <a:clrScheme name="Custom 347">
       <a:dk1>
@@ -18924,11 +19114,13 @@
       </a:bgFillStyleLst>
     </a:fmtScheme>
   </a:themeElements>
+  <a:objectDefaults/>
+  <a:extraClrSchemeLst/>
 </a:theme>
 </file>
 
 <file path=ppt/theme/theme2.xml><?xml version="1.0" encoding="utf-8"?>
-<a:theme xmlns:a="http://schemas.openxmlformats.org/drawingml/2006/main" xmlns:r="http://schemas.openxmlformats.org/officeDocument/2006/relationships">
+<a:theme xmlns:a="http://schemas.openxmlformats.org/drawingml/2006/main">
   <a:themeElements>
     <a:clrScheme name="Default">
       <a:dk1>
@@ -19203,5 +19395,7 @@
       </a:bgFillStyleLst>
     </a:fmtScheme>
   </a:themeElements>
+  <a:objectDefaults/>
+  <a:extraClrSchemeLst/>
 </a:theme>
 </file>